--- a/CAPSTONE PROJECT REVIEW 1 PPT.pptx
+++ b/CAPSTONE PROJECT REVIEW 1 PPT.pptx
@@ -5,28 +5,31 @@
     <p:sldMasterId id="2147483648" r:id="rId1"/>
   </p:sldMasterIdLst>
   <p:notesMasterIdLst>
-    <p:notesMasterId r:id="rId18"/>
+    <p:notesMasterId r:id="rId21"/>
   </p:notesMasterIdLst>
   <p:handoutMasterIdLst>
-    <p:handoutMasterId r:id="rId19"/>
+    <p:handoutMasterId r:id="rId22"/>
   </p:handoutMasterIdLst>
   <p:sldIdLst>
     <p:sldId id="256" r:id="rId2"/>
     <p:sldId id="257" r:id="rId3"/>
-    <p:sldId id="258" r:id="rId4"/>
-    <p:sldId id="259" r:id="rId5"/>
-    <p:sldId id="269" r:id="rId6"/>
-    <p:sldId id="272" r:id="rId7"/>
-    <p:sldId id="261" r:id="rId8"/>
-    <p:sldId id="270" r:id="rId9"/>
-    <p:sldId id="262" r:id="rId10"/>
-    <p:sldId id="271" r:id="rId11"/>
-    <p:sldId id="263" r:id="rId12"/>
-    <p:sldId id="264" r:id="rId13"/>
-    <p:sldId id="265" r:id="rId14"/>
-    <p:sldId id="268" r:id="rId15"/>
-    <p:sldId id="266" r:id="rId16"/>
-    <p:sldId id="267" r:id="rId17"/>
+    <p:sldId id="273" r:id="rId4"/>
+    <p:sldId id="258" r:id="rId5"/>
+    <p:sldId id="275" r:id="rId6"/>
+    <p:sldId id="259" r:id="rId7"/>
+    <p:sldId id="274" r:id="rId8"/>
+    <p:sldId id="269" r:id="rId9"/>
+    <p:sldId id="272" r:id="rId10"/>
+    <p:sldId id="261" r:id="rId11"/>
+    <p:sldId id="270" r:id="rId12"/>
+    <p:sldId id="262" r:id="rId13"/>
+    <p:sldId id="271" r:id="rId14"/>
+    <p:sldId id="263" r:id="rId15"/>
+    <p:sldId id="264" r:id="rId16"/>
+    <p:sldId id="265" r:id="rId17"/>
+    <p:sldId id="268" r:id="rId18"/>
+    <p:sldId id="266" r:id="rId19"/>
+    <p:sldId id="267" r:id="rId20"/>
   </p:sldIdLst>
   <p:sldSz cx="12192000" cy="6858000"/>
   <p:notesSz cx="6858000" cy="9144000"/>
@@ -215,7 +218,7 @@
           <a:p>
             <a:fld id="{9D85B690-DA12-4685-B421-55013345D842}" type="datetimeFigureOut">
               <a:rPr lang="en-US" smtClean="0"/>
-              <a:t>11/16/2022</a:t>
+              <a:t>11/17/2022</a:t>
             </a:fld>
             <a:endParaRPr lang="en-US"/>
           </a:p>
@@ -295,7 +298,7 @@
     </p:extLst>
   </p:cSld>
   <p:clrMap bg1="lt1" tx1="dk1" bg2="lt2" tx2="dk2" accent1="accent1" accent2="accent2" accent3="accent3" accent4="accent4" accent5="accent5" accent6="accent6" hlink="hlink" folHlink="folHlink"/>
-  <p:hf hdr="0" dt="0"/>
+  <p:hf sldNum="0" hdr="0" dt="0"/>
 </p:handoutMaster>
 </file>
 
@@ -381,7 +384,7 @@
           <a:p>
             <a:fld id="{46F41E90-DF02-4DDB-A645-EE4BD71F0959}" type="datetimeFigureOut">
               <a:rPr lang="en-IN" smtClean="0"/>
-              <a:t>16-11-2022</a:t>
+              <a:t>17-11-2022</a:t>
             </a:fld>
             <a:endParaRPr lang="en-IN"/>
           </a:p>
@@ -554,7 +557,7 @@
     </p:extLst>
   </p:cSld>
   <p:clrMap bg1="lt1" tx1="dk1" bg2="lt2" tx2="dk2" accent1="accent1" accent2="accent2" accent3="accent3" accent4="accent4" accent5="accent5" accent6="accent6" hlink="hlink" folHlink="folHlink"/>
-  <p:hf hdr="0" dt="0"/>
+  <p:hf sldNum="0" hdr="0" dt="0"/>
   <p:notesStyle>
     <a:lvl1pPr marL="0" algn="l" defTabSz="914400" rtl="0" eaLnBrk="1" latinLnBrk="0" hangingPunct="1">
       <a:defRPr sz="1200" kern="1200">
@@ -700,29 +703,6 @@
       </p:sp>
       <p:sp>
         <p:nvSpPr>
-          <p:cNvPr id="4" name="Slide Number Placeholder 3"/>
-          <p:cNvSpPr>
-            <a:spLocks noGrp="1"/>
-          </p:cNvSpPr>
-          <p:nvPr>
-            <p:ph type="sldNum" sz="quarter" idx="10"/>
-          </p:nvPr>
-        </p:nvSpPr>
-        <p:spPr/>
-        <p:txBody>
-          <a:bodyPr/>
-          <a:lstStyle/>
-          <a:p>
-            <a:fld id="{B8277D21-F794-4F63-9565-B6BF33373190}" type="slidenum">
-              <a:rPr lang="en-IN" smtClean="0"/>
-              <a:t>2</a:t>
-            </a:fld>
-            <a:endParaRPr lang="en-IN"/>
-          </a:p>
-        </p:txBody>
-      </p:sp>
-      <p:sp>
-        <p:nvSpPr>
           <p:cNvPr id="5" name="Footer Placeholder 4"/>
           <p:cNvSpPr>
             <a:spLocks noGrp="1"/>
@@ -803,29 +783,6 @@
       </p:sp>
       <p:sp>
         <p:nvSpPr>
-          <p:cNvPr id="4" name="Slide Number Placeholder 3"/>
-          <p:cNvSpPr>
-            <a:spLocks noGrp="1"/>
-          </p:cNvSpPr>
-          <p:nvPr>
-            <p:ph type="sldNum" sz="quarter" idx="10"/>
-          </p:nvPr>
-        </p:nvSpPr>
-        <p:spPr/>
-        <p:txBody>
-          <a:bodyPr/>
-          <a:lstStyle/>
-          <a:p>
-            <a:fld id="{B8277D21-F794-4F63-9565-B6BF33373190}" type="slidenum">
-              <a:rPr lang="en-IN" smtClean="0"/>
-              <a:t>3</a:t>
-            </a:fld>
-            <a:endParaRPr lang="en-IN"/>
-          </a:p>
-        </p:txBody>
-      </p:sp>
-      <p:sp>
-        <p:nvSpPr>
           <p:cNvPr id="5" name="Footer Placeholder 4"/>
           <p:cNvSpPr>
             <a:spLocks noGrp="1"/>
@@ -901,29 +858,6 @@
           <a:lstStyle/>
           <a:p>
             <a:endParaRPr lang="en-US"/>
-          </a:p>
-        </p:txBody>
-      </p:sp>
-      <p:sp>
-        <p:nvSpPr>
-          <p:cNvPr id="4" name="Slide Number Placeholder 3"/>
-          <p:cNvSpPr>
-            <a:spLocks noGrp="1"/>
-          </p:cNvSpPr>
-          <p:nvPr>
-            <p:ph type="sldNum" sz="quarter" idx="10"/>
-          </p:nvPr>
-        </p:nvSpPr>
-        <p:spPr/>
-        <p:txBody>
-          <a:bodyPr/>
-          <a:lstStyle/>
-          <a:p>
-            <a:fld id="{B8277D21-F794-4F63-9565-B6BF33373190}" type="slidenum">
-              <a:rPr lang="en-IN" smtClean="0"/>
-              <a:t>7</a:t>
-            </a:fld>
-            <a:endParaRPr lang="en-IN"/>
           </a:p>
         </p:txBody>
       </p:sp>
@@ -1088,9 +1022,9 @@
           <a:bodyPr/>
           <a:lstStyle/>
           <a:p>
-            <a:fld id="{E9D45CE8-D44F-4EBF-8D44-16D87B730117}" type="datetime1">
+            <a:fld id="{11E838E9-EAE7-4E4D-B3AA-1A963142A757}" type="datetime1">
               <a:rPr lang="en-IN" smtClean="0"/>
-              <a:t>16-11-2022</a:t>
+              <a:t>17-11-2022</a:t>
             </a:fld>
             <a:endParaRPr lang="en-IN"/>
           </a:p>
@@ -1113,7 +1047,7 @@
           <a:p>
             <a:r>
               <a:rPr lang="en-US" smtClean="0"/>
-              <a:t>School of Computer Science and Engineering           19BCE101</a:t>
+              <a:t>School of Computer Science and Engineering           19BCE1856</a:t>
             </a:r>
             <a:endParaRPr lang="en-IN"/>
           </a:p>
@@ -1262,9 +1196,9 @@
           <a:bodyPr/>
           <a:lstStyle/>
           <a:p>
-            <a:fld id="{00EA3C0C-7B7E-4602-AA2B-8CC69C0692E6}" type="datetime1">
+            <a:fld id="{AF1DB0ED-F56E-4B51-8B1B-62E0A53DD30D}" type="datetime1">
               <a:rPr lang="en-IN" smtClean="0"/>
-              <a:t>16-11-2022</a:t>
+              <a:t>17-11-2022</a:t>
             </a:fld>
             <a:endParaRPr lang="en-IN"/>
           </a:p>
@@ -1287,7 +1221,7 @@
           <a:p>
             <a:r>
               <a:rPr lang="en-US" smtClean="0"/>
-              <a:t>School of Computer Science and Engineering           19BCE101</a:t>
+              <a:t>School of Computer Science and Engineering           19BCE1856</a:t>
             </a:r>
             <a:endParaRPr lang="en-IN"/>
           </a:p>
@@ -1446,9 +1380,9 @@
           <a:bodyPr/>
           <a:lstStyle/>
           <a:p>
-            <a:fld id="{080A3FA1-CAA9-4795-8A48-94283E554A31}" type="datetime1">
+            <a:fld id="{2988E2A2-003B-4659-AECA-91936C3457EC}" type="datetime1">
               <a:rPr lang="en-IN" smtClean="0"/>
-              <a:t>16-11-2022</a:t>
+              <a:t>17-11-2022</a:t>
             </a:fld>
             <a:endParaRPr lang="en-IN"/>
           </a:p>
@@ -1471,7 +1405,7 @@
           <a:p>
             <a:r>
               <a:rPr lang="en-US" smtClean="0"/>
-              <a:t>School of Computer Science and Engineering           19BCE101</a:t>
+              <a:t>School of Computer Science and Engineering           19BCE1856</a:t>
             </a:r>
             <a:endParaRPr lang="en-IN"/>
           </a:p>
@@ -1620,9 +1554,9 @@
           <a:bodyPr/>
           <a:lstStyle/>
           <a:p>
-            <a:fld id="{086BC8F7-D838-4017-BCC5-30A121465D4E}" type="datetime1">
+            <a:fld id="{28DAB1BE-DDCB-4C4D-951E-3E409B041F84}" type="datetime1">
               <a:rPr lang="en-IN" smtClean="0"/>
-              <a:t>16-11-2022</a:t>
+              <a:t>17-11-2022</a:t>
             </a:fld>
             <a:endParaRPr lang="en-IN"/>
           </a:p>
@@ -1645,7 +1579,7 @@
           <a:p>
             <a:r>
               <a:rPr lang="en-US" smtClean="0"/>
-              <a:t>School of Computer Science and Engineering           19BCE101</a:t>
+              <a:t>School of Computer Science and Engineering           19BCE1856</a:t>
             </a:r>
             <a:endParaRPr lang="en-IN"/>
           </a:p>
@@ -1870,9 +1804,9 @@
           <a:bodyPr/>
           <a:lstStyle/>
           <a:p>
-            <a:fld id="{D97102E9-73F2-41EE-8ACD-70B1EC06739D}" type="datetime1">
+            <a:fld id="{66741BB7-179C-4423-B1E4-4E3138585C0C}" type="datetime1">
               <a:rPr lang="en-IN" smtClean="0"/>
-              <a:t>16-11-2022</a:t>
+              <a:t>17-11-2022</a:t>
             </a:fld>
             <a:endParaRPr lang="en-IN"/>
           </a:p>
@@ -1895,7 +1829,7 @@
           <a:p>
             <a:r>
               <a:rPr lang="en-US" smtClean="0"/>
-              <a:t>School of Computer Science and Engineering           19BCE101</a:t>
+              <a:t>School of Computer Science and Engineering           19BCE1856</a:t>
             </a:r>
             <a:endParaRPr lang="en-IN"/>
           </a:p>
@@ -2106,9 +2040,9 @@
           <a:bodyPr/>
           <a:lstStyle/>
           <a:p>
-            <a:fld id="{5B8F58C4-87E3-4FFF-8B8E-36A5CCE9587F}" type="datetime1">
+            <a:fld id="{1EAE8D12-AF31-46C7-BBA6-E3C5B7D7AFEB}" type="datetime1">
               <a:rPr lang="en-IN" smtClean="0"/>
-              <a:t>16-11-2022</a:t>
+              <a:t>17-11-2022</a:t>
             </a:fld>
             <a:endParaRPr lang="en-IN"/>
           </a:p>
@@ -2131,7 +2065,7 @@
           <a:p>
             <a:r>
               <a:rPr lang="en-US" smtClean="0"/>
-              <a:t>School of Computer Science and Engineering           19BCE101</a:t>
+              <a:t>School of Computer Science and Engineering           19BCE1856</a:t>
             </a:r>
             <a:endParaRPr lang="en-IN"/>
           </a:p>
@@ -2477,9 +2411,9 @@
           <a:bodyPr/>
           <a:lstStyle/>
           <a:p>
-            <a:fld id="{6118F8F5-38B3-468B-A110-CF7094C4FFA3}" type="datetime1">
+            <a:fld id="{028DCE10-DDCD-469B-A16C-0144B564B405}" type="datetime1">
               <a:rPr lang="en-IN" smtClean="0"/>
-              <a:t>16-11-2022</a:t>
+              <a:t>17-11-2022</a:t>
             </a:fld>
             <a:endParaRPr lang="en-IN"/>
           </a:p>
@@ -2502,7 +2436,7 @@
           <a:p>
             <a:r>
               <a:rPr lang="en-US" smtClean="0"/>
-              <a:t>School of Computer Science and Engineering           19BCE101</a:t>
+              <a:t>School of Computer Science and Engineering           19BCE1856</a:t>
             </a:r>
             <a:endParaRPr lang="en-IN"/>
           </a:p>
@@ -2599,9 +2533,9 @@
           <a:bodyPr/>
           <a:lstStyle/>
           <a:p>
-            <a:fld id="{BED628D5-C314-4D33-9F20-759CCDE4AC4A}" type="datetime1">
+            <a:fld id="{556F0B93-B69F-4E23-8415-85435954A82A}" type="datetime1">
               <a:rPr lang="en-IN" smtClean="0"/>
-              <a:t>16-11-2022</a:t>
+              <a:t>17-11-2022</a:t>
             </a:fld>
             <a:endParaRPr lang="en-IN"/>
           </a:p>
@@ -2624,7 +2558,7 @@
           <a:p>
             <a:r>
               <a:rPr lang="en-US" smtClean="0"/>
-              <a:t>School of Computer Science and Engineering           19BCE101</a:t>
+              <a:t>School of Computer Science and Engineering           19BCE1856</a:t>
             </a:r>
             <a:endParaRPr lang="en-IN"/>
           </a:p>
@@ -2698,9 +2632,9 @@
           <a:bodyPr/>
           <a:lstStyle/>
           <a:p>
-            <a:fld id="{48E8B2C7-8C08-40C7-86D3-40717890647B}" type="datetime1">
+            <a:fld id="{02BE480A-B3D3-46A0-8603-32CC32B0DD85}" type="datetime1">
               <a:rPr lang="en-IN" smtClean="0"/>
-              <a:t>16-11-2022</a:t>
+              <a:t>17-11-2022</a:t>
             </a:fld>
             <a:endParaRPr lang="en-IN"/>
           </a:p>
@@ -2723,7 +2657,7 @@
           <a:p>
             <a:r>
               <a:rPr lang="en-US" smtClean="0"/>
-              <a:t>School of Computer Science and Engineering           19BCE101</a:t>
+              <a:t>School of Computer Science and Engineering           19BCE1856</a:t>
             </a:r>
             <a:endParaRPr lang="en-IN"/>
           </a:p>
@@ -2979,9 +2913,9 @@
           <a:bodyPr/>
           <a:lstStyle/>
           <a:p>
-            <a:fld id="{2616AB95-B062-4835-943E-2CCF78F87A5C}" type="datetime1">
+            <a:fld id="{728E2360-8943-4F3C-87D9-9C833B5C738F}" type="datetime1">
               <a:rPr lang="en-IN" smtClean="0"/>
-              <a:t>16-11-2022</a:t>
+              <a:t>17-11-2022</a:t>
             </a:fld>
             <a:endParaRPr lang="en-IN"/>
           </a:p>
@@ -3004,7 +2938,7 @@
           <a:p>
             <a:r>
               <a:rPr lang="en-US" smtClean="0"/>
-              <a:t>School of Computer Science and Engineering           19BCE101</a:t>
+              <a:t>School of Computer Science and Engineering           19BCE1856</a:t>
             </a:r>
             <a:endParaRPr lang="en-IN"/>
           </a:p>
@@ -3236,9 +3170,9 @@
           <a:bodyPr/>
           <a:lstStyle/>
           <a:p>
-            <a:fld id="{8ED5947D-ED41-4D3A-BD18-2470D3E417CA}" type="datetime1">
+            <a:fld id="{1C760D9C-A744-40F9-A8C1-6334E3B3FAA4}" type="datetime1">
               <a:rPr lang="en-IN" smtClean="0"/>
-              <a:t>16-11-2022</a:t>
+              <a:t>17-11-2022</a:t>
             </a:fld>
             <a:endParaRPr lang="en-IN"/>
           </a:p>
@@ -3261,7 +3195,7 @@
           <a:p>
             <a:r>
               <a:rPr lang="en-US" smtClean="0"/>
-              <a:t>School of Computer Science and Engineering           19BCE101</a:t>
+              <a:t>School of Computer Science and Engineering           19BCE1856</a:t>
             </a:r>
             <a:endParaRPr lang="en-IN"/>
           </a:p>
@@ -3453,9 +3387,9 @@
             </a:lvl1pPr>
           </a:lstStyle>
           <a:p>
-            <a:fld id="{4C95261D-6A12-49A0-8570-B5726E78256A}" type="datetime1">
+            <a:fld id="{B07534E3-81F7-4351-A3EA-2D7B4D65422C}" type="datetime1">
               <a:rPr lang="en-IN" smtClean="0"/>
-              <a:t>16-11-2022</a:t>
+              <a:t>17-11-2022</a:t>
             </a:fld>
             <a:endParaRPr lang="en-IN"/>
           </a:p>
@@ -3496,7 +3430,7 @@
           <a:p>
             <a:r>
               <a:rPr lang="en-US" smtClean="0"/>
-              <a:t>School of Computer Science and Engineering           19BCE101</a:t>
+              <a:t>School of Computer Science and Engineering           19BCE1856</a:t>
             </a:r>
             <a:endParaRPr lang="en-IN"/>
           </a:p>
@@ -3564,7 +3498,7 @@
     <p:sldLayoutId id="2147483658" r:id="rId10"/>
     <p:sldLayoutId id="2147483659" r:id="rId11"/>
   </p:sldLayoutIdLst>
-  <p:hf hdr="0" dt="0"/>
+  <p:hf sldNum="0" hdr="0" dt="0"/>
   <p:txStyles>
     <p:titleStyle>
       <a:lvl1pPr algn="l" defTabSz="914400" rtl="0" eaLnBrk="1" latinLnBrk="0" hangingPunct="1">
@@ -3956,11 +3890,7 @@
             <a:pPr algn="l"/>
             <a:r>
               <a:rPr lang="en-IN" dirty="0" smtClean="0"/>
-              <a:t>Programme </a:t>
-            </a:r>
-            <a:r>
-              <a:rPr lang="en-IN" dirty="0" smtClean="0"/>
-              <a:t>&amp; Specialization : </a:t>
+              <a:t>Programme &amp; Specialization : </a:t>
             </a:r>
             <a:r>
               <a:rPr lang="en-IN" dirty="0" err="1" smtClean="0"/>
@@ -3990,11 +3920,7 @@
             </a:r>
             <a:r>
               <a:rPr lang="en-IN" dirty="0" smtClean="0"/>
-              <a:t> </a:t>
-            </a:r>
-            <a:r>
-              <a:rPr lang="en-IN" dirty="0" smtClean="0"/>
-              <a:t>K. </a:t>
+              <a:t> K. </a:t>
             </a:r>
             <a:r>
               <a:rPr lang="en-IN" dirty="0" err="1" smtClean="0"/>
@@ -4059,33 +3985,14 @@
           <a:lstStyle/>
           <a:p>
             <a:r>
-              <a:rPr lang="en-US" smtClean="0"/>
-              <a:t>School of Computer Science and Engineering           19BCE101</a:t>
+              <a:rPr lang="en-US" dirty="0" smtClean="0"/>
+              <a:t>School of Computer Science and Engineering           </a:t>
+            </a:r>
+            <a:r>
+              <a:rPr lang="en-US" dirty="0" smtClean="0"/>
+              <a:t>19BCE1856</a:t>
             </a:r>
             <a:endParaRPr lang="en-IN" dirty="0"/>
-          </a:p>
-        </p:txBody>
-      </p:sp>
-      <p:sp>
-        <p:nvSpPr>
-          <p:cNvPr id="6" name="Slide Number Placeholder 5"/>
-          <p:cNvSpPr>
-            <a:spLocks noGrp="1"/>
-          </p:cNvSpPr>
-          <p:nvPr>
-            <p:ph type="sldNum" sz="quarter" idx="12"/>
-          </p:nvPr>
-        </p:nvSpPr>
-        <p:spPr/>
-        <p:txBody>
-          <a:bodyPr/>
-          <a:lstStyle/>
-          <a:p>
-            <a:fld id="{92607C7E-3A72-4AFC-82D5-1E7B16850C90}" type="slidenum">
-              <a:rPr lang="en-IN" smtClean="0"/>
-              <a:t>1</a:t>
-            </a:fld>
-            <a:endParaRPr lang="en-IN"/>
           </a:p>
         </p:txBody>
       </p:sp>
@@ -4136,9 +4043,10 @@
           <a:p>
             <a:pPr algn="ctr"/>
             <a:r>
-              <a:rPr lang="en-US" b="1" dirty="0"/>
-              <a:t>Research Challenges</a:t>
-            </a:r>
+              <a:rPr lang="en-IN" b="1" dirty="0" smtClean="0"/>
+              <a:t>Research Gap</a:t>
+            </a:r>
+            <a:endParaRPr lang="en-IN" b="1" dirty="0"/>
           </a:p>
         </p:txBody>
       </p:sp>
@@ -4157,7 +4065,7 @@
           <a:bodyPr/>
           <a:lstStyle/>
           <a:p>
-            <a:endParaRPr lang="en-US"/>
+            <a:endParaRPr lang="en-IN" dirty="0"/>
           </a:p>
         </p:txBody>
       </p:sp>
@@ -4171,46 +4079,28 @@
             <p:ph type="ftr" sz="quarter" idx="11"/>
           </p:nvPr>
         </p:nvSpPr>
-        <p:spPr/>
-        <p:txBody>
-          <a:bodyPr/>
-          <a:lstStyle/>
-          <a:p>
-            <a:r>
-              <a:rPr lang="en-US" smtClean="0"/>
-              <a:t>School of Computer Science and Engineering           19BCE101</a:t>
-            </a:r>
-            <a:endParaRPr lang="en-IN"/>
-          </a:p>
-        </p:txBody>
-      </p:sp>
-      <p:sp>
-        <p:nvSpPr>
-          <p:cNvPr id="5" name="Slide Number Placeholder 4"/>
-          <p:cNvSpPr>
-            <a:spLocks noGrp="1"/>
-          </p:cNvSpPr>
-          <p:nvPr>
-            <p:ph type="sldNum" sz="quarter" idx="12"/>
-          </p:nvPr>
-        </p:nvSpPr>
-        <p:spPr/>
-        <p:txBody>
-          <a:bodyPr/>
-          <a:lstStyle/>
-          <a:p>
-            <a:fld id="{92607C7E-3A72-4AFC-82D5-1E7B16850C90}" type="slidenum">
-              <a:rPr lang="en-IN" smtClean="0"/>
-              <a:t>10</a:t>
-            </a:fld>
-            <a:endParaRPr lang="en-IN"/>
+        <p:spPr>
+          <a:xfrm>
+            <a:off x="2769358" y="6356349"/>
+            <a:ext cx="7043382" cy="365125"/>
+          </a:xfrm>
+        </p:spPr>
+        <p:txBody>
+          <a:bodyPr/>
+          <a:lstStyle/>
+          <a:p>
+            <a:r>
+              <a:rPr lang="en-US" smtClean="0"/>
+              <a:t>School of Computer Science and Engineering           19BCE1856</a:t>
+            </a:r>
+            <a:endParaRPr lang="en-IN" dirty="0"/>
           </a:p>
         </p:txBody>
       </p:sp>
     </p:spTree>
     <p:extLst>
       <p:ext uri="{BB962C8B-B14F-4D97-AF65-F5344CB8AC3E}">
-        <p14:creationId xmlns:p14="http://schemas.microsoft.com/office/powerpoint/2010/main" val="1776338052"/>
+        <p14:creationId xmlns:p14="http://schemas.microsoft.com/office/powerpoint/2010/main" val="2572792285"/>
       </p:ext>
     </p:extLst>
   </p:cSld>
@@ -4254,10 +4144,10 @@
           <a:p>
             <a:pPr algn="ctr"/>
             <a:r>
-              <a:rPr lang="en-IN" b="1" dirty="0" smtClean="0"/>
-              <a:t>Research objectives</a:t>
-            </a:r>
-            <a:endParaRPr lang="en-IN" b="1" dirty="0"/>
+              <a:rPr lang="en-US" b="1" dirty="0" smtClean="0"/>
+              <a:t>Problem Statement</a:t>
+            </a:r>
+            <a:endParaRPr lang="en-US" b="1" dirty="0"/>
           </a:p>
         </p:txBody>
       </p:sp>
@@ -4276,7 +4166,7 @@
           <a:bodyPr/>
           <a:lstStyle/>
           <a:p>
-            <a:endParaRPr lang="en-IN"/>
+            <a:endParaRPr lang="en-US"/>
           </a:p>
         </p:txBody>
       </p:sp>
@@ -4290,46 +4180,28 @@
             <p:ph type="ftr" sz="quarter" idx="11"/>
           </p:nvPr>
         </p:nvSpPr>
-        <p:spPr/>
-        <p:txBody>
-          <a:bodyPr/>
-          <a:lstStyle/>
-          <a:p>
-            <a:r>
-              <a:rPr lang="en-US" smtClean="0"/>
-              <a:t>School of Computer Science and Engineering           19BCE101</a:t>
-            </a:r>
-            <a:endParaRPr lang="en-IN"/>
-          </a:p>
-        </p:txBody>
-      </p:sp>
-      <p:sp>
-        <p:nvSpPr>
-          <p:cNvPr id="5" name="Slide Number Placeholder 4"/>
-          <p:cNvSpPr>
-            <a:spLocks noGrp="1"/>
-          </p:cNvSpPr>
-          <p:nvPr>
-            <p:ph type="sldNum" sz="quarter" idx="12"/>
-          </p:nvPr>
-        </p:nvSpPr>
-        <p:spPr/>
-        <p:txBody>
-          <a:bodyPr/>
-          <a:lstStyle/>
-          <a:p>
-            <a:fld id="{92607C7E-3A72-4AFC-82D5-1E7B16850C90}" type="slidenum">
-              <a:rPr lang="en-IN" smtClean="0"/>
-              <a:t>11</a:t>
-            </a:fld>
-            <a:endParaRPr lang="en-IN"/>
+        <p:spPr>
+          <a:xfrm>
+            <a:off x="4038600" y="6356350"/>
+            <a:ext cx="5241878" cy="365125"/>
+          </a:xfrm>
+        </p:spPr>
+        <p:txBody>
+          <a:bodyPr/>
+          <a:lstStyle/>
+          <a:p>
+            <a:r>
+              <a:rPr lang="en-US" smtClean="0"/>
+              <a:t>School of Computer Science and Engineering           19BCE1856</a:t>
+            </a:r>
+            <a:endParaRPr lang="en-IN" dirty="0"/>
           </a:p>
         </p:txBody>
       </p:sp>
     </p:spTree>
     <p:extLst>
       <p:ext uri="{BB962C8B-B14F-4D97-AF65-F5344CB8AC3E}">
-        <p14:creationId xmlns:p14="http://schemas.microsoft.com/office/powerpoint/2010/main" val="861304491"/>
+        <p14:creationId xmlns:p14="http://schemas.microsoft.com/office/powerpoint/2010/main" val="3929419351"/>
       </p:ext>
     </p:extLst>
   </p:cSld>
@@ -4371,23 +4243,12 @@
           <a:bodyPr/>
           <a:lstStyle/>
           <a:p>
+            <a:pPr algn="ctr"/>
             <a:r>
               <a:rPr lang="en-IN" b="1" dirty="0" smtClean="0"/>
-              <a:t>Work to be Completed</a:t>
-            </a:r>
-            <a:r>
-              <a:rPr lang="en-IN" dirty="0" smtClean="0">
-                <a:solidFill>
-                  <a:srgbClr val="FF0000"/>
-                </a:solidFill>
-              </a:rPr>
-              <a:t>(What is to do be done in Review 2)</a:t>
-            </a:r>
-            <a:endParaRPr lang="en-IN" dirty="0">
-              <a:solidFill>
-                <a:srgbClr val="FF0000"/>
-              </a:solidFill>
-            </a:endParaRPr>
+              <a:t>Research Motivation</a:t>
+            </a:r>
+            <a:endParaRPr lang="en-IN" b="1" dirty="0"/>
           </a:p>
         </p:txBody>
       </p:sp>
@@ -4406,60 +4267,42 @@
           <a:bodyPr/>
           <a:lstStyle/>
           <a:p>
+            <a:endParaRPr lang="en-IN"/>
+          </a:p>
+        </p:txBody>
+      </p:sp>
+      <p:sp>
+        <p:nvSpPr>
+          <p:cNvPr id="4" name="Footer Placeholder 3"/>
+          <p:cNvSpPr>
+            <a:spLocks noGrp="1"/>
+          </p:cNvSpPr>
+          <p:nvPr>
+            <p:ph type="ftr" sz="quarter" idx="11"/>
+          </p:nvPr>
+        </p:nvSpPr>
+        <p:spPr>
+          <a:xfrm>
+            <a:off x="4038599" y="6356350"/>
+            <a:ext cx="4818797" cy="365125"/>
+          </a:xfrm>
+        </p:spPr>
+        <p:txBody>
+          <a:bodyPr/>
+          <a:lstStyle/>
+          <a:p>
+            <a:r>
+              <a:rPr lang="en-US" smtClean="0"/>
+              <a:t>School of Computer Science and Engineering           19BCE1856</a:t>
+            </a:r>
             <a:endParaRPr lang="en-IN" dirty="0"/>
-          </a:p>
-        </p:txBody>
-      </p:sp>
-      <p:sp>
-        <p:nvSpPr>
-          <p:cNvPr id="4" name="Footer Placeholder 3"/>
-          <p:cNvSpPr>
-            <a:spLocks noGrp="1"/>
-          </p:cNvSpPr>
-          <p:nvPr>
-            <p:ph type="ftr" sz="quarter" idx="11"/>
-          </p:nvPr>
-        </p:nvSpPr>
-        <p:spPr/>
-        <p:txBody>
-          <a:bodyPr/>
-          <a:lstStyle/>
-          <a:p>
-            <a:r>
-              <a:rPr lang="en-US" smtClean="0"/>
-              <a:t>School of Computer Science and Engineering           19BCE101</a:t>
-            </a:r>
-            <a:endParaRPr lang="en-IN"/>
-          </a:p>
-        </p:txBody>
-      </p:sp>
-      <p:sp>
-        <p:nvSpPr>
-          <p:cNvPr id="5" name="Slide Number Placeholder 4"/>
-          <p:cNvSpPr>
-            <a:spLocks noGrp="1"/>
-          </p:cNvSpPr>
-          <p:nvPr>
-            <p:ph type="sldNum" sz="quarter" idx="12"/>
-          </p:nvPr>
-        </p:nvSpPr>
-        <p:spPr/>
-        <p:txBody>
-          <a:bodyPr/>
-          <a:lstStyle/>
-          <a:p>
-            <a:fld id="{92607C7E-3A72-4AFC-82D5-1E7B16850C90}" type="slidenum">
-              <a:rPr lang="en-IN" smtClean="0"/>
-              <a:t>12</a:t>
-            </a:fld>
-            <a:endParaRPr lang="en-IN"/>
           </a:p>
         </p:txBody>
       </p:sp>
     </p:spTree>
     <p:extLst>
       <p:ext uri="{BB962C8B-B14F-4D97-AF65-F5344CB8AC3E}">
-        <p14:creationId xmlns:p14="http://schemas.microsoft.com/office/powerpoint/2010/main" val="4267524673"/>
+        <p14:creationId xmlns:p14="http://schemas.microsoft.com/office/powerpoint/2010/main" val="1893529195"/>
       </p:ext>
     </p:extLst>
   </p:cSld>
@@ -4501,11 +4344,11 @@
           <a:bodyPr/>
           <a:lstStyle/>
           <a:p>
-            <a:r>
-              <a:rPr lang="en-IN" b="1" dirty="0" smtClean="0"/>
-              <a:t>Guide Approval Snapshot</a:t>
-            </a:r>
-            <a:endParaRPr lang="en-IN" b="1" dirty="0"/>
+            <a:pPr algn="ctr"/>
+            <a:r>
+              <a:rPr lang="en-US" b="1" dirty="0"/>
+              <a:t>Research Challenges</a:t>
+            </a:r>
           </a:p>
         </p:txBody>
       </p:sp>
@@ -4524,7 +4367,7 @@
           <a:bodyPr/>
           <a:lstStyle/>
           <a:p>
-            <a:endParaRPr lang="en-IN"/>
+            <a:endParaRPr lang="en-US"/>
           </a:p>
         </p:txBody>
       </p:sp>
@@ -4545,31 +4388,8 @@
           <a:p>
             <a:r>
               <a:rPr lang="en-US" smtClean="0"/>
-              <a:t>School of Computer Science and Engineering           19BCE101</a:t>
-            </a:r>
-            <a:endParaRPr lang="en-IN"/>
-          </a:p>
-        </p:txBody>
-      </p:sp>
-      <p:sp>
-        <p:nvSpPr>
-          <p:cNvPr id="5" name="Slide Number Placeholder 4"/>
-          <p:cNvSpPr>
-            <a:spLocks noGrp="1"/>
-          </p:cNvSpPr>
-          <p:nvPr>
-            <p:ph type="sldNum" sz="quarter" idx="12"/>
-          </p:nvPr>
-        </p:nvSpPr>
-        <p:spPr/>
-        <p:txBody>
-          <a:bodyPr/>
-          <a:lstStyle/>
-          <a:p>
-            <a:fld id="{92607C7E-3A72-4AFC-82D5-1E7B16850C90}" type="slidenum">
-              <a:rPr lang="en-IN" smtClean="0"/>
-              <a:t>13</a:t>
-            </a:fld>
+              <a:t>School of Computer Science and Engineering           19BCE1856</a:t>
+            </a:r>
             <a:endParaRPr lang="en-IN"/>
           </a:p>
         </p:txBody>
@@ -4577,7 +4397,7 @@
     </p:spTree>
     <p:extLst>
       <p:ext uri="{BB962C8B-B14F-4D97-AF65-F5344CB8AC3E}">
-        <p14:creationId xmlns:p14="http://schemas.microsoft.com/office/powerpoint/2010/main" val="773065791"/>
+        <p14:creationId xmlns:p14="http://schemas.microsoft.com/office/powerpoint/2010/main" val="1776338052"/>
       </p:ext>
     </p:extLst>
   </p:cSld>
@@ -4619,19 +4439,12 @@
           <a:bodyPr/>
           <a:lstStyle/>
           <a:p>
-            <a:r>
-              <a:rPr lang="en-IN" b="1" i="1" dirty="0" smtClean="0">
-                <a:solidFill>
-                  <a:srgbClr val="FF0000"/>
-                </a:solidFill>
-              </a:rPr>
-              <a:t>Any other additional information to be added by Guide</a:t>
-            </a:r>
-            <a:endParaRPr lang="en-IN" b="1" i="1" dirty="0">
-              <a:solidFill>
-                <a:srgbClr val="FF0000"/>
-              </a:solidFill>
-            </a:endParaRPr>
+            <a:pPr algn="ctr"/>
+            <a:r>
+              <a:rPr lang="en-IN" b="1" dirty="0" smtClean="0"/>
+              <a:t>Research objectives</a:t>
+            </a:r>
+            <a:endParaRPr lang="en-IN" b="1" dirty="0"/>
           </a:p>
         </p:txBody>
       </p:sp>
@@ -4650,7 +4463,7 @@
           <a:bodyPr/>
           <a:lstStyle/>
           <a:p>
-            <a:endParaRPr lang="en-IN" dirty="0"/>
+            <a:endParaRPr lang="en-IN"/>
           </a:p>
         </p:txBody>
       </p:sp>
@@ -4671,31 +4484,8 @@
           <a:p>
             <a:r>
               <a:rPr lang="en-US" smtClean="0"/>
-              <a:t>School of Computer Science and Engineering           19BCE101</a:t>
-            </a:r>
-            <a:endParaRPr lang="en-IN"/>
-          </a:p>
-        </p:txBody>
-      </p:sp>
-      <p:sp>
-        <p:nvSpPr>
-          <p:cNvPr id="5" name="Slide Number Placeholder 4"/>
-          <p:cNvSpPr>
-            <a:spLocks noGrp="1"/>
-          </p:cNvSpPr>
-          <p:nvPr>
-            <p:ph type="sldNum" sz="quarter" idx="12"/>
-          </p:nvPr>
-        </p:nvSpPr>
-        <p:spPr/>
-        <p:txBody>
-          <a:bodyPr/>
-          <a:lstStyle/>
-          <a:p>
-            <a:fld id="{92607C7E-3A72-4AFC-82D5-1E7B16850C90}" type="slidenum">
-              <a:rPr lang="en-IN" smtClean="0"/>
-              <a:t>14</a:t>
-            </a:fld>
+              <a:t>School of Computer Science and Engineering           19BCE1856</a:t>
+            </a:r>
             <a:endParaRPr lang="en-IN"/>
           </a:p>
         </p:txBody>
@@ -4703,7 +4493,7 @@
     </p:spTree>
     <p:extLst>
       <p:ext uri="{BB962C8B-B14F-4D97-AF65-F5344CB8AC3E}">
-        <p14:creationId xmlns:p14="http://schemas.microsoft.com/office/powerpoint/2010/main" val="2455204403"/>
+        <p14:creationId xmlns:p14="http://schemas.microsoft.com/office/powerpoint/2010/main" val="861304491"/>
       </p:ext>
     </p:extLst>
   </p:cSld>
@@ -4747,17 +4537,17 @@
           <a:p>
             <a:r>
               <a:rPr lang="en-IN" b="1" dirty="0" smtClean="0"/>
-              <a:t>References </a:t>
-            </a:r>
-            <a:r>
-              <a:rPr lang="en-IN" b="1" dirty="0" smtClean="0">
+              <a:t>Work to be Completed</a:t>
+            </a:r>
+            <a:r>
+              <a:rPr lang="en-IN" dirty="0" smtClean="0">
                 <a:solidFill>
                   <a:srgbClr val="FF0000"/>
                 </a:solidFill>
               </a:rPr>
-              <a:t>( Same order as Literature Review)</a:t>
-            </a:r>
-            <a:endParaRPr lang="en-IN" b="1" dirty="0">
+              <a:t>(What is to do be done in Review 2)</a:t>
+            </a:r>
+            <a:endParaRPr lang="en-IN" dirty="0">
               <a:solidFill>
                 <a:srgbClr val="FF0000"/>
               </a:solidFill>
@@ -4780,59 +4570,6 @@
           <a:bodyPr/>
           <a:lstStyle/>
           <a:p>
-            <a:pPr marL="0" indent="0" algn="just">
-              <a:buNone/>
-            </a:pPr>
-            <a:r>
-              <a:rPr lang="en-IN" dirty="0" smtClean="0"/>
-              <a:t>[1] </a:t>
-            </a:r>
-            <a:r>
-              <a:rPr lang="en-US" dirty="0"/>
-              <a:t>Jordan, M. I., &amp; Mitchell, T. M. (2015). Machine learning: Trends, perspectives, and prospects. Science, 349(6245), 255-260.</a:t>
-            </a:r>
-          </a:p>
-          <a:p>
-            <a:pPr marL="0" indent="0" algn="just">
-              <a:buNone/>
-            </a:pPr>
-            <a:endParaRPr lang="en-US" dirty="0"/>
-          </a:p>
-          <a:p>
-            <a:pPr marL="0" indent="0" algn="just">
-              <a:buNone/>
-            </a:pPr>
-            <a:r>
-              <a:rPr lang="en-US" dirty="0" smtClean="0"/>
-              <a:t>[2] Shah</a:t>
-            </a:r>
-            <a:r>
-              <a:rPr lang="en-US" dirty="0"/>
-              <a:t>, D., Patel, S., &amp; Bharti, S. K. (2020). Heart disease prediction using machine learning techniques. SN Computer Science, 1(6), 1-6.</a:t>
-            </a:r>
-          </a:p>
-          <a:p>
-            <a:pPr marL="0" indent="0">
-              <a:buNone/>
-            </a:pPr>
-            <a:endParaRPr lang="en-US" dirty="0"/>
-          </a:p>
-          <a:p>
-            <a:pPr marL="0" indent="0">
-              <a:buNone/>
-            </a:pPr>
-            <a:endParaRPr lang="en-US" dirty="0"/>
-          </a:p>
-          <a:p>
-            <a:pPr marL="0" indent="0">
-              <a:buNone/>
-            </a:pPr>
-            <a:endParaRPr lang="en-US" dirty="0"/>
-          </a:p>
-          <a:p>
-            <a:pPr marL="0" indent="0">
-              <a:buNone/>
-            </a:pPr>
             <a:endParaRPr lang="en-IN" dirty="0"/>
           </a:p>
         </p:txBody>
@@ -4854,31 +4591,8 @@
           <a:p>
             <a:r>
               <a:rPr lang="en-US" smtClean="0"/>
-              <a:t>School of Computer Science and Engineering           19BCE101</a:t>
-            </a:r>
-            <a:endParaRPr lang="en-IN"/>
-          </a:p>
-        </p:txBody>
-      </p:sp>
-      <p:sp>
-        <p:nvSpPr>
-          <p:cNvPr id="5" name="Slide Number Placeholder 4"/>
-          <p:cNvSpPr>
-            <a:spLocks noGrp="1"/>
-          </p:cNvSpPr>
-          <p:nvPr>
-            <p:ph type="sldNum" sz="quarter" idx="12"/>
-          </p:nvPr>
-        </p:nvSpPr>
-        <p:spPr/>
-        <p:txBody>
-          <a:bodyPr/>
-          <a:lstStyle/>
-          <a:p>
-            <a:fld id="{92607C7E-3A72-4AFC-82D5-1E7B16850C90}" type="slidenum">
-              <a:rPr lang="en-IN" smtClean="0"/>
-              <a:t>15</a:t>
-            </a:fld>
+              <a:t>School of Computer Science and Engineering           19BCE1856</a:t>
+            </a:r>
             <a:endParaRPr lang="en-IN"/>
           </a:p>
         </p:txBody>
@@ -4886,7 +4600,7 @@
     </p:spTree>
     <p:extLst>
       <p:ext uri="{BB962C8B-B14F-4D97-AF65-F5344CB8AC3E}">
-        <p14:creationId xmlns:p14="http://schemas.microsoft.com/office/powerpoint/2010/main" val="2531819678"/>
+        <p14:creationId xmlns:p14="http://schemas.microsoft.com/office/powerpoint/2010/main" val="4267524673"/>
       </p:ext>
     </p:extLst>
   </p:cSld>
@@ -4915,6 +4629,386 @@
       </p:grpSpPr>
       <p:sp>
         <p:nvSpPr>
+          <p:cNvPr id="2" name="Title 1"/>
+          <p:cNvSpPr>
+            <a:spLocks noGrp="1"/>
+          </p:cNvSpPr>
+          <p:nvPr>
+            <p:ph type="title"/>
+          </p:nvPr>
+        </p:nvSpPr>
+        <p:spPr/>
+        <p:txBody>
+          <a:bodyPr/>
+          <a:lstStyle/>
+          <a:p>
+            <a:r>
+              <a:rPr lang="en-IN" b="1" dirty="0" smtClean="0"/>
+              <a:t>Guide Approval Snapshot</a:t>
+            </a:r>
+            <a:endParaRPr lang="en-IN" b="1" dirty="0"/>
+          </a:p>
+        </p:txBody>
+      </p:sp>
+      <p:sp>
+        <p:nvSpPr>
+          <p:cNvPr id="4" name="Footer Placeholder 3"/>
+          <p:cNvSpPr>
+            <a:spLocks noGrp="1"/>
+          </p:cNvSpPr>
+          <p:nvPr>
+            <p:ph type="ftr" sz="quarter" idx="11"/>
+          </p:nvPr>
+        </p:nvSpPr>
+        <p:spPr/>
+        <p:txBody>
+          <a:bodyPr/>
+          <a:lstStyle/>
+          <a:p>
+            <a:r>
+              <a:rPr lang="en-US" smtClean="0"/>
+              <a:t>School of Computer Science and Engineering           19BCE1856</a:t>
+            </a:r>
+            <a:endParaRPr lang="en-IN"/>
+          </a:p>
+        </p:txBody>
+      </p:sp>
+      <p:pic>
+        <p:nvPicPr>
+          <p:cNvPr id="6" name="Picture 5"/>
+          <p:cNvPicPr>
+            <a:picLocks noChangeAspect="1"/>
+          </p:cNvPicPr>
+          <p:nvPr/>
+        </p:nvPicPr>
+        <p:blipFill rotWithShape="1">
+          <a:blip r:embed="rId2"/>
+          <a:srcRect r="1033" b="8075"/>
+          <a:stretch/>
+        </p:blipFill>
+        <p:spPr>
+          <a:xfrm>
+            <a:off x="838200" y="1482869"/>
+            <a:ext cx="11115139" cy="4486276"/>
+          </a:xfrm>
+          <a:prstGeom prst="rect">
+            <a:avLst/>
+          </a:prstGeom>
+        </p:spPr>
+      </p:pic>
+    </p:spTree>
+    <p:extLst>
+      <p:ext uri="{BB962C8B-B14F-4D97-AF65-F5344CB8AC3E}">
+        <p14:creationId xmlns:p14="http://schemas.microsoft.com/office/powerpoint/2010/main" val="773065791"/>
+      </p:ext>
+    </p:extLst>
+  </p:cSld>
+  <p:clrMapOvr>
+    <a:masterClrMapping/>
+  </p:clrMapOvr>
+</p:sld>
+</file>
+
+<file path=ppt/slides/slide17.xml><?xml version="1.0" encoding="utf-8"?>
+<p:sld xmlns:a="http://schemas.openxmlformats.org/drawingml/2006/main" xmlns:r="http://schemas.openxmlformats.org/officeDocument/2006/relationships" xmlns:p="http://schemas.openxmlformats.org/presentationml/2006/main">
+  <p:cSld>
+    <p:spTree>
+      <p:nvGrpSpPr>
+        <p:cNvPr id="1" name=""/>
+        <p:cNvGrpSpPr/>
+        <p:nvPr/>
+      </p:nvGrpSpPr>
+      <p:grpSpPr>
+        <a:xfrm>
+          <a:off x="0" y="0"/>
+          <a:ext cx="0" cy="0"/>
+          <a:chOff x="0" y="0"/>
+          <a:chExt cx="0" cy="0"/>
+        </a:xfrm>
+      </p:grpSpPr>
+      <p:sp>
+        <p:nvSpPr>
+          <p:cNvPr id="2" name="Title 1"/>
+          <p:cNvSpPr>
+            <a:spLocks noGrp="1"/>
+          </p:cNvSpPr>
+          <p:nvPr>
+            <p:ph type="title"/>
+          </p:nvPr>
+        </p:nvSpPr>
+        <p:spPr/>
+        <p:txBody>
+          <a:bodyPr/>
+          <a:lstStyle/>
+          <a:p>
+            <a:r>
+              <a:rPr lang="en-IN" b="1" i="1" dirty="0" smtClean="0">
+                <a:solidFill>
+                  <a:srgbClr val="FF0000"/>
+                </a:solidFill>
+              </a:rPr>
+              <a:t>Any other additional information to be added by Guide</a:t>
+            </a:r>
+            <a:endParaRPr lang="en-IN" b="1" i="1" dirty="0">
+              <a:solidFill>
+                <a:srgbClr val="FF0000"/>
+              </a:solidFill>
+            </a:endParaRPr>
+          </a:p>
+        </p:txBody>
+      </p:sp>
+      <p:sp>
+        <p:nvSpPr>
+          <p:cNvPr id="3" name="Content Placeholder 2"/>
+          <p:cNvSpPr>
+            <a:spLocks noGrp="1"/>
+          </p:cNvSpPr>
+          <p:nvPr>
+            <p:ph idx="1"/>
+          </p:nvPr>
+        </p:nvSpPr>
+        <p:spPr/>
+        <p:txBody>
+          <a:bodyPr/>
+          <a:lstStyle/>
+          <a:p>
+            <a:r>
+              <a:rPr lang="en-US" dirty="0" smtClean="0"/>
+              <a:t>No, There is </a:t>
+            </a:r>
+            <a:r>
+              <a:rPr lang="en-US" dirty="0"/>
+              <a:t>no additional information to be added by </a:t>
+            </a:r>
+            <a:r>
+              <a:rPr lang="en-US" dirty="0" smtClean="0"/>
+              <a:t>the Guide. My guide is very helpful, I already knew that as I studied TOC one of the toughest theoretical subjects under him and he helped me a lot even at that time. Even in the times of Covid-19, he delivered his best using a whiteboard at home. So, I thought to work under his supervision.</a:t>
+            </a:r>
+          </a:p>
+          <a:p>
+            <a:r>
+              <a:rPr lang="en-US" dirty="0" smtClean="0"/>
+              <a:t>My idea was accepted after writing a mail to the guide and explaining everything on call.</a:t>
+            </a:r>
+            <a:endParaRPr lang="en-IN" dirty="0"/>
+          </a:p>
+        </p:txBody>
+      </p:sp>
+      <p:sp>
+        <p:nvSpPr>
+          <p:cNvPr id="4" name="Footer Placeholder 3"/>
+          <p:cNvSpPr>
+            <a:spLocks noGrp="1"/>
+          </p:cNvSpPr>
+          <p:nvPr>
+            <p:ph type="ftr" sz="quarter" idx="11"/>
+          </p:nvPr>
+        </p:nvSpPr>
+        <p:spPr/>
+        <p:txBody>
+          <a:bodyPr/>
+          <a:lstStyle/>
+          <a:p>
+            <a:r>
+              <a:rPr lang="en-US" smtClean="0"/>
+              <a:t>School of Computer Science and Engineering           19BCE1856</a:t>
+            </a:r>
+            <a:endParaRPr lang="en-IN"/>
+          </a:p>
+        </p:txBody>
+      </p:sp>
+    </p:spTree>
+    <p:extLst>
+      <p:ext uri="{BB962C8B-B14F-4D97-AF65-F5344CB8AC3E}">
+        <p14:creationId xmlns:p14="http://schemas.microsoft.com/office/powerpoint/2010/main" val="2455204403"/>
+      </p:ext>
+    </p:extLst>
+  </p:cSld>
+  <p:clrMapOvr>
+    <a:masterClrMapping/>
+  </p:clrMapOvr>
+</p:sld>
+</file>
+
+<file path=ppt/slides/slide18.xml><?xml version="1.0" encoding="utf-8"?>
+<p:sld xmlns:a="http://schemas.openxmlformats.org/drawingml/2006/main" xmlns:r="http://schemas.openxmlformats.org/officeDocument/2006/relationships" xmlns:p="http://schemas.openxmlformats.org/presentationml/2006/main">
+  <p:cSld>
+    <p:spTree>
+      <p:nvGrpSpPr>
+        <p:cNvPr id="1" name=""/>
+        <p:cNvGrpSpPr/>
+        <p:nvPr/>
+      </p:nvGrpSpPr>
+      <p:grpSpPr>
+        <a:xfrm>
+          <a:off x="0" y="0"/>
+          <a:ext cx="0" cy="0"/>
+          <a:chOff x="0" y="0"/>
+          <a:chExt cx="0" cy="0"/>
+        </a:xfrm>
+      </p:grpSpPr>
+      <p:sp>
+        <p:nvSpPr>
+          <p:cNvPr id="2" name="Title 1"/>
+          <p:cNvSpPr>
+            <a:spLocks noGrp="1"/>
+          </p:cNvSpPr>
+          <p:nvPr>
+            <p:ph type="title"/>
+          </p:nvPr>
+        </p:nvSpPr>
+        <p:spPr/>
+        <p:txBody>
+          <a:bodyPr/>
+          <a:lstStyle/>
+          <a:p>
+            <a:r>
+              <a:rPr lang="en-IN" b="1" dirty="0" smtClean="0"/>
+              <a:t>References </a:t>
+            </a:r>
+            <a:r>
+              <a:rPr lang="en-IN" b="1" dirty="0" smtClean="0">
+                <a:solidFill>
+                  <a:srgbClr val="FF0000"/>
+                </a:solidFill>
+              </a:rPr>
+              <a:t>( Same order as Literature Review)</a:t>
+            </a:r>
+            <a:endParaRPr lang="en-IN" b="1" dirty="0">
+              <a:solidFill>
+                <a:srgbClr val="FF0000"/>
+              </a:solidFill>
+            </a:endParaRPr>
+          </a:p>
+        </p:txBody>
+      </p:sp>
+      <p:sp>
+        <p:nvSpPr>
+          <p:cNvPr id="3" name="Content Placeholder 2"/>
+          <p:cNvSpPr>
+            <a:spLocks noGrp="1"/>
+          </p:cNvSpPr>
+          <p:nvPr>
+            <p:ph idx="1"/>
+          </p:nvPr>
+        </p:nvSpPr>
+        <p:spPr/>
+        <p:txBody>
+          <a:bodyPr/>
+          <a:lstStyle/>
+          <a:p>
+            <a:pPr marL="0" indent="0" algn="just">
+              <a:buNone/>
+            </a:pPr>
+            <a:r>
+              <a:rPr lang="en-IN" dirty="0" smtClean="0"/>
+              <a:t>[1] </a:t>
+            </a:r>
+            <a:r>
+              <a:rPr lang="en-US" dirty="0"/>
+              <a:t>Jordan, M. I., &amp; Mitchell, T. M. (2015). Machine learning: Trends, perspectives, and prospects. Science, 349(6245), 255-260.</a:t>
+            </a:r>
+          </a:p>
+          <a:p>
+            <a:pPr marL="0" indent="0" algn="just">
+              <a:buNone/>
+            </a:pPr>
+            <a:endParaRPr lang="en-US" dirty="0"/>
+          </a:p>
+          <a:p>
+            <a:pPr marL="0" indent="0" algn="just">
+              <a:buNone/>
+            </a:pPr>
+            <a:r>
+              <a:rPr lang="en-US" dirty="0" smtClean="0"/>
+              <a:t>[2] Shah</a:t>
+            </a:r>
+            <a:r>
+              <a:rPr lang="en-US" dirty="0"/>
+              <a:t>, D., Patel, S., &amp; Bharti, S. K. (2020). Heart disease prediction using machine learning techniques. SN Computer Science, 1(6), 1-6.</a:t>
+            </a:r>
+          </a:p>
+          <a:p>
+            <a:pPr marL="0" indent="0">
+              <a:buNone/>
+            </a:pPr>
+            <a:endParaRPr lang="en-US" dirty="0"/>
+          </a:p>
+          <a:p>
+            <a:pPr marL="0" indent="0">
+              <a:buNone/>
+            </a:pPr>
+            <a:endParaRPr lang="en-US" dirty="0"/>
+          </a:p>
+          <a:p>
+            <a:pPr marL="0" indent="0">
+              <a:buNone/>
+            </a:pPr>
+            <a:endParaRPr lang="en-US" dirty="0"/>
+          </a:p>
+          <a:p>
+            <a:pPr marL="0" indent="0">
+              <a:buNone/>
+            </a:pPr>
+            <a:endParaRPr lang="en-IN" dirty="0"/>
+          </a:p>
+        </p:txBody>
+      </p:sp>
+      <p:sp>
+        <p:nvSpPr>
+          <p:cNvPr id="4" name="Footer Placeholder 3"/>
+          <p:cNvSpPr>
+            <a:spLocks noGrp="1"/>
+          </p:cNvSpPr>
+          <p:nvPr>
+            <p:ph type="ftr" sz="quarter" idx="11"/>
+          </p:nvPr>
+        </p:nvSpPr>
+        <p:spPr/>
+        <p:txBody>
+          <a:bodyPr/>
+          <a:lstStyle/>
+          <a:p>
+            <a:r>
+              <a:rPr lang="en-US" smtClean="0"/>
+              <a:t>School of Computer Science and Engineering           19BCE1856</a:t>
+            </a:r>
+            <a:endParaRPr lang="en-IN"/>
+          </a:p>
+        </p:txBody>
+      </p:sp>
+    </p:spTree>
+    <p:extLst>
+      <p:ext uri="{BB962C8B-B14F-4D97-AF65-F5344CB8AC3E}">
+        <p14:creationId xmlns:p14="http://schemas.microsoft.com/office/powerpoint/2010/main" val="2531819678"/>
+      </p:ext>
+    </p:extLst>
+  </p:cSld>
+  <p:clrMapOvr>
+    <a:masterClrMapping/>
+  </p:clrMapOvr>
+</p:sld>
+</file>
+
+<file path=ppt/slides/slide19.xml><?xml version="1.0" encoding="utf-8"?>
+<p:sld xmlns:a="http://schemas.openxmlformats.org/drawingml/2006/main" xmlns:r="http://schemas.openxmlformats.org/officeDocument/2006/relationships" xmlns:p="http://schemas.openxmlformats.org/presentationml/2006/main">
+  <p:cSld>
+    <p:spTree>
+      <p:nvGrpSpPr>
+        <p:cNvPr id="1" name=""/>
+        <p:cNvGrpSpPr/>
+        <p:nvPr/>
+      </p:nvGrpSpPr>
+      <p:grpSpPr>
+        <a:xfrm>
+          <a:off x="0" y="0"/>
+          <a:ext cx="0" cy="0"/>
+          <a:chOff x="0" y="0"/>
+          <a:chExt cx="0" cy="0"/>
+        </a:xfrm>
+      </p:grpSpPr>
+      <p:sp>
+        <p:nvSpPr>
           <p:cNvPr id="5" name="Title 4"/>
           <p:cNvSpPr>
             <a:spLocks noGrp="1"/>
@@ -4938,25 +5032,6 @@
       </p:sp>
       <p:sp>
         <p:nvSpPr>
-          <p:cNvPr id="6" name="Subtitle 5"/>
-          <p:cNvSpPr>
-            <a:spLocks noGrp="1"/>
-          </p:cNvSpPr>
-          <p:nvPr>
-            <p:ph type="subTitle" idx="1"/>
-          </p:nvPr>
-        </p:nvSpPr>
-        <p:spPr/>
-        <p:txBody>
-          <a:bodyPr/>
-          <a:lstStyle/>
-          <a:p>
-            <a:endParaRPr lang="en-IN"/>
-          </a:p>
-        </p:txBody>
-      </p:sp>
-      <p:sp>
-        <p:nvSpPr>
           <p:cNvPr id="4" name="Footer Placeholder 3"/>
           <p:cNvSpPr>
             <a:spLocks noGrp="1"/>
@@ -4972,31 +5047,8 @@
           <a:p>
             <a:r>
               <a:rPr lang="en-US" smtClean="0"/>
-              <a:t>School of Computer Science and Engineering           19BCE101</a:t>
-            </a:r>
-            <a:endParaRPr lang="en-IN"/>
-          </a:p>
-        </p:txBody>
-      </p:sp>
-      <p:sp>
-        <p:nvSpPr>
-          <p:cNvPr id="2" name="Slide Number Placeholder 1"/>
-          <p:cNvSpPr>
-            <a:spLocks noGrp="1"/>
-          </p:cNvSpPr>
-          <p:nvPr>
-            <p:ph type="sldNum" sz="quarter" idx="12"/>
-          </p:nvPr>
-        </p:nvSpPr>
-        <p:spPr/>
-        <p:txBody>
-          <a:bodyPr/>
-          <a:lstStyle/>
-          <a:p>
-            <a:fld id="{92607C7E-3A72-4AFC-82D5-1E7B16850C90}" type="slidenum">
-              <a:rPr lang="en-IN" smtClean="0"/>
-              <a:t>16</a:t>
-            </a:fld>
+              <a:t>School of Computer Science and Engineering           19BCE1856</a:t>
+            </a:r>
             <a:endParaRPr lang="en-IN"/>
           </a:p>
         </p:txBody>
@@ -5208,32 +5260,9 @@
           <a:p>
             <a:r>
               <a:rPr lang="en-US" smtClean="0"/>
-              <a:t>School of Computer Science and Engineering           19BCE101</a:t>
+              <a:t>School of Computer Science and Engineering           19BCE1856</a:t>
             </a:r>
             <a:endParaRPr lang="en-IN" dirty="0"/>
-          </a:p>
-        </p:txBody>
-      </p:sp>
-      <p:sp>
-        <p:nvSpPr>
-          <p:cNvPr id="5" name="Slide Number Placeholder 4"/>
-          <p:cNvSpPr>
-            <a:spLocks noGrp="1"/>
-          </p:cNvSpPr>
-          <p:nvPr>
-            <p:ph type="sldNum" sz="quarter" idx="12"/>
-          </p:nvPr>
-        </p:nvSpPr>
-        <p:spPr/>
-        <p:txBody>
-          <a:bodyPr/>
-          <a:lstStyle/>
-          <a:p>
-            <a:fld id="{92607C7E-3A72-4AFC-82D5-1E7B16850C90}" type="slidenum">
-              <a:rPr lang="en-IN" smtClean="0"/>
-              <a:t>2</a:t>
-            </a:fld>
-            <a:endParaRPr lang="en-IN"/>
           </a:p>
         </p:txBody>
       </p:sp>
@@ -5269,161 +5298,6 @@
       </p:grpSpPr>
       <p:sp>
         <p:nvSpPr>
-          <p:cNvPr id="2" name="Title 1"/>
-          <p:cNvSpPr>
-            <a:spLocks noGrp="1"/>
-          </p:cNvSpPr>
-          <p:nvPr>
-            <p:ph type="title"/>
-          </p:nvPr>
-        </p:nvSpPr>
-        <p:spPr/>
-        <p:txBody>
-          <a:bodyPr/>
-          <a:lstStyle/>
-          <a:p>
-            <a:pPr algn="ctr"/>
-            <a:r>
-              <a:rPr lang="en-IN" b="1" dirty="0" smtClean="0"/>
-              <a:t>Introduction</a:t>
-            </a:r>
-            <a:r>
-              <a:rPr lang="en-IN" b="1" dirty="0" smtClean="0">
-                <a:solidFill>
-                  <a:srgbClr val="FF0000"/>
-                </a:solidFill>
-              </a:rPr>
-              <a:t>(Max 2 slides)</a:t>
-            </a:r>
-            <a:endParaRPr lang="en-IN" b="1" dirty="0">
-              <a:solidFill>
-                <a:srgbClr val="FF0000"/>
-              </a:solidFill>
-            </a:endParaRPr>
-          </a:p>
-        </p:txBody>
-      </p:sp>
-      <p:sp>
-        <p:nvSpPr>
-          <p:cNvPr id="3" name="Content Placeholder 2"/>
-          <p:cNvSpPr>
-            <a:spLocks noGrp="1"/>
-          </p:cNvSpPr>
-          <p:nvPr>
-            <p:ph idx="1"/>
-          </p:nvPr>
-        </p:nvSpPr>
-        <p:spPr/>
-        <p:txBody>
-          <a:bodyPr>
-            <a:normAutofit fontScale="85000" lnSpcReduction="20000"/>
-          </a:bodyPr>
-          <a:lstStyle/>
-          <a:p>
-            <a:pPr algn="just"/>
-            <a:r>
-              <a:rPr lang="en-US" dirty="0"/>
-              <a:t>A capstone course, also known as senior synthesis, capstone unit, capstone module, capstone project, capstone subject, or capstone </a:t>
-            </a:r>
-            <a:r>
-              <a:rPr lang="en-US" dirty="0" smtClean="0"/>
-              <a:t>experience</a:t>
-            </a:r>
-            <a:r>
-              <a:rPr lang="en-US" dirty="0"/>
-              <a:t> </a:t>
-            </a:r>
-            <a:r>
-              <a:rPr lang="en-US" dirty="0" smtClean="0"/>
-              <a:t>serves </a:t>
-            </a:r>
-            <a:r>
-              <a:rPr lang="en-US" dirty="0"/>
-              <a:t>as the culminating and usually integrative experience of an educational program.</a:t>
-            </a:r>
-            <a:r>
-              <a:rPr lang="en-US" baseline="30000" dirty="0">
-                <a:hlinkClick r:id="rId3"/>
-              </a:rPr>
-              <a:t>[1]</a:t>
-            </a:r>
-            <a:r>
-              <a:rPr lang="en-US" dirty="0"/>
-              <a:t> </a:t>
-            </a:r>
-            <a:endParaRPr lang="en-US" dirty="0" smtClean="0"/>
-          </a:p>
-          <a:p>
-            <a:pPr algn="just"/>
-            <a:endParaRPr lang="en-US" dirty="0"/>
-          </a:p>
-          <a:p>
-            <a:pPr algn="just"/>
-            <a:r>
-              <a:rPr lang="en-US" dirty="0" smtClean="0"/>
-              <a:t>It </a:t>
-            </a:r>
-            <a:r>
-              <a:rPr lang="en-US" dirty="0"/>
-              <a:t>may also be referred to as senior seminar (in the U.S.) or final year project (more common in the U.K</a:t>
-            </a:r>
-            <a:r>
-              <a:rPr lang="en-US" dirty="0" smtClean="0"/>
-              <a:t>.).</a:t>
-            </a:r>
-          </a:p>
-          <a:p>
-            <a:pPr algn="just"/>
-            <a:endParaRPr lang="en-US" dirty="0"/>
-          </a:p>
-          <a:p>
-            <a:pPr algn="just"/>
-            <a:r>
-              <a:rPr lang="en-US" dirty="0"/>
-              <a:t>The term derives from the final decorative </a:t>
-            </a:r>
-            <a:r>
-              <a:rPr lang="en-US" dirty="0">
-                <a:hlinkClick r:id="rId4" tooltip="Coping (architecture)"/>
-              </a:rPr>
-              <a:t>coping</a:t>
-            </a:r>
-            <a:r>
-              <a:rPr lang="en-US" dirty="0"/>
-              <a:t> or "cap-stone" used to complete a building or monument. </a:t>
-            </a:r>
-            <a:endParaRPr lang="en-US" dirty="0" smtClean="0"/>
-          </a:p>
-          <a:p>
-            <a:pPr algn="just"/>
-            <a:endParaRPr lang="en-US" dirty="0"/>
-          </a:p>
-          <a:p>
-            <a:pPr algn="just"/>
-            <a:r>
-              <a:rPr lang="en-US" dirty="0" smtClean="0"/>
-              <a:t>In </a:t>
-            </a:r>
-            <a:r>
-              <a:rPr lang="en-US" dirty="0"/>
-              <a:t>higher education, the term has been in common use in the USA since the mid-twentieth century, although there is evidence that it was in use as early as the late 1800s.</a:t>
-            </a:r>
-            <a:r>
-              <a:rPr lang="en-US" baseline="30000" dirty="0">
-                <a:hlinkClick r:id="rId5"/>
-              </a:rPr>
-              <a:t>[5]</a:t>
-            </a:r>
-            <a:r>
-              <a:rPr lang="en-US" dirty="0"/>
-              <a:t> I</a:t>
-            </a:r>
-            <a:endParaRPr lang="en-IN" dirty="0"/>
-          </a:p>
-        </p:txBody>
-      </p:sp>
-      <p:sp>
-        <p:nvSpPr>
           <p:cNvPr id="4" name="Footer Placeholder 3"/>
           <p:cNvSpPr>
             <a:spLocks noGrp="1"/>
@@ -5432,51 +5306,47 @@
             <p:ph type="ftr" sz="quarter" idx="11"/>
           </p:nvPr>
         </p:nvSpPr>
+        <p:spPr/>
+        <p:txBody>
+          <a:bodyPr/>
+          <a:lstStyle/>
+          <a:p>
+            <a:r>
+              <a:rPr lang="en-US" smtClean="0"/>
+              <a:t>School of Computer Science and Engineering           19BCE1856</a:t>
+            </a:r>
+            <a:endParaRPr lang="en-IN"/>
+          </a:p>
+        </p:txBody>
+      </p:sp>
+      <p:pic>
+        <p:nvPicPr>
+          <p:cNvPr id="5" name="Picture 4"/>
+          <p:cNvPicPr>
+            <a:picLocks noChangeAspect="1"/>
+          </p:cNvPicPr>
+          <p:nvPr/>
+        </p:nvPicPr>
+        <p:blipFill>
+          <a:blip r:embed="rId2"/>
+          <a:stretch>
+            <a:fillRect/>
+          </a:stretch>
+        </p:blipFill>
         <p:spPr>
           <a:xfrm>
-            <a:off x="4038600" y="6356350"/>
-            <a:ext cx="6006152" cy="365125"/>
+            <a:off x="675409" y="215425"/>
+            <a:ext cx="10841182" cy="6642575"/>
           </a:xfrm>
+          <a:prstGeom prst="rect">
+            <a:avLst/>
+          </a:prstGeom>
         </p:spPr>
-        <p:txBody>
-          <a:bodyPr/>
-          <a:lstStyle/>
-          <a:p>
-            <a:r>
-              <a:rPr lang="en-US" smtClean="0"/>
-              <a:t>School of Computer Science and Engineering           19BCE101</a:t>
-            </a:r>
-            <a:endParaRPr lang="en-IN" dirty="0"/>
-          </a:p>
-        </p:txBody>
-      </p:sp>
-      <p:sp>
-        <p:nvSpPr>
-          <p:cNvPr id="5" name="Slide Number Placeholder 4"/>
-          <p:cNvSpPr>
-            <a:spLocks noGrp="1"/>
-          </p:cNvSpPr>
-          <p:nvPr>
-            <p:ph type="sldNum" sz="quarter" idx="12"/>
-          </p:nvPr>
-        </p:nvSpPr>
-        <p:spPr/>
-        <p:txBody>
-          <a:bodyPr/>
-          <a:lstStyle/>
-          <a:p>
-            <a:fld id="{92607C7E-3A72-4AFC-82D5-1E7B16850C90}" type="slidenum">
-              <a:rPr lang="en-IN" smtClean="0"/>
-              <a:t>3</a:t>
-            </a:fld>
-            <a:endParaRPr lang="en-IN"/>
-          </a:p>
-        </p:txBody>
-      </p:sp>
+      </p:pic>
     </p:spTree>
     <p:extLst>
       <p:ext uri="{BB962C8B-B14F-4D97-AF65-F5344CB8AC3E}">
-        <p14:creationId xmlns:p14="http://schemas.microsoft.com/office/powerpoint/2010/main" val="314683055"/>
+        <p14:creationId xmlns:p14="http://schemas.microsoft.com/office/powerpoint/2010/main" val="3111491695"/>
       </p:ext>
     </p:extLst>
   </p:cSld>
@@ -5521,17 +5391,17 @@
             <a:pPr algn="ctr"/>
             <a:r>
               <a:rPr lang="en-IN" b="1" dirty="0" smtClean="0"/>
-              <a:t>Background Work, Challenges </a:t>
-            </a:r>
-            <a:r>
-              <a:rPr lang="en-IN" dirty="0" smtClean="0">
+              <a:t>Introduction</a:t>
+            </a:r>
+            <a:r>
+              <a:rPr lang="en-IN" b="1" dirty="0" smtClean="0">
                 <a:solidFill>
                   <a:srgbClr val="FF0000"/>
                 </a:solidFill>
               </a:rPr>
-              <a:t>( Max 3 to 4 Slides)</a:t>
-            </a:r>
-            <a:endParaRPr lang="en-IN" dirty="0">
+              <a:t>(Max 2 slides)</a:t>
+            </a:r>
+            <a:endParaRPr lang="en-IN" b="1" dirty="0">
               <a:solidFill>
                 <a:srgbClr val="FF0000"/>
               </a:solidFill>
@@ -5551,9 +5421,60 @@
         </p:nvSpPr>
         <p:spPr/>
         <p:txBody>
-          <a:bodyPr/>
-          <a:lstStyle/>
-          <a:p>
+          <a:bodyPr>
+            <a:normAutofit/>
+          </a:bodyPr>
+          <a:lstStyle/>
+          <a:p>
+            <a:pPr algn="just"/>
+            <a:r>
+              <a:rPr lang="en-US" dirty="0" smtClean="0"/>
+              <a:t>Businesses around the world are evolving every day which has drastically led to the growth of two major fields Artificial intelligence and Machine Learning.</a:t>
+            </a:r>
+          </a:p>
+          <a:p>
+            <a:pPr algn="just"/>
+            <a:endParaRPr lang="en-US" dirty="0" smtClean="0"/>
+          </a:p>
+          <a:p>
+            <a:pPr algn="just"/>
+            <a:r>
+              <a:rPr lang="en-US" dirty="0" smtClean="0"/>
+              <a:t>Technology </a:t>
+            </a:r>
+            <a:r>
+              <a:rPr lang="en-US" dirty="0"/>
+              <a:t>based on </a:t>
+            </a:r>
+            <a:r>
+              <a:rPr lang="en-US" dirty="0" smtClean="0"/>
+              <a:t>AI and ML has </a:t>
+            </a:r>
+            <a:r>
+              <a:rPr lang="en-US" dirty="0"/>
+              <a:t>recently developed to such an extent that it has become an essential element of the largest online stores on the web</a:t>
+            </a:r>
+            <a:r>
+              <a:rPr lang="en-US" dirty="0" smtClean="0"/>
+              <a:t>.</a:t>
+            </a:r>
+          </a:p>
+          <a:p>
+            <a:pPr marL="0" indent="0" algn="just">
+              <a:buNone/>
+            </a:pPr>
+            <a:endParaRPr lang="en-US" dirty="0" smtClean="0"/>
+          </a:p>
+          <a:p>
+            <a:pPr algn="just"/>
+            <a:r>
+              <a:rPr lang="en-US" dirty="0"/>
+              <a:t> </a:t>
+            </a:r>
+            <a:r>
+              <a:rPr lang="en-US" dirty="0" smtClean="0"/>
+              <a:t>Most of the work in the online store is automized.</a:t>
+            </a:r>
             <a:endParaRPr lang="en-IN" dirty="0"/>
           </a:p>
         </p:txBody>
@@ -5570,8 +5491,8 @@
         </p:nvSpPr>
         <p:spPr>
           <a:xfrm>
-            <a:off x="2634018" y="6356350"/>
-            <a:ext cx="7765576" cy="365125"/>
+            <a:off x="4038600" y="6356350"/>
+            <a:ext cx="6006152" cy="365125"/>
           </a:xfrm>
         </p:spPr>
         <p:txBody>
@@ -5580,39 +5501,16 @@
           <a:p>
             <a:r>
               <a:rPr lang="en-US" smtClean="0"/>
-              <a:t>School of Computer Science and Engineering           19BCE101</a:t>
+              <a:t>School of Computer Science and Engineering           19BCE1856</a:t>
             </a:r>
             <a:endParaRPr lang="en-IN" dirty="0"/>
-          </a:p>
-        </p:txBody>
-      </p:sp>
-      <p:sp>
-        <p:nvSpPr>
-          <p:cNvPr id="5" name="Slide Number Placeholder 4"/>
-          <p:cNvSpPr>
-            <a:spLocks noGrp="1"/>
-          </p:cNvSpPr>
-          <p:nvPr>
-            <p:ph type="sldNum" sz="quarter" idx="12"/>
-          </p:nvPr>
-        </p:nvSpPr>
-        <p:spPr/>
-        <p:txBody>
-          <a:bodyPr/>
-          <a:lstStyle/>
-          <a:p>
-            <a:fld id="{92607C7E-3A72-4AFC-82D5-1E7B16850C90}" type="slidenum">
-              <a:rPr lang="en-IN" smtClean="0"/>
-              <a:t>4</a:t>
-            </a:fld>
-            <a:endParaRPr lang="en-IN"/>
           </a:p>
         </p:txBody>
       </p:sp>
     </p:spTree>
     <p:extLst>
       <p:ext uri="{BB962C8B-B14F-4D97-AF65-F5344CB8AC3E}">
-        <p14:creationId xmlns:p14="http://schemas.microsoft.com/office/powerpoint/2010/main" val="3108949848"/>
+        <p14:creationId xmlns:p14="http://schemas.microsoft.com/office/powerpoint/2010/main" val="314683055"/>
       </p:ext>
     </p:extLst>
   </p:cSld>
@@ -5641,6 +5539,396 @@
       </p:grpSpPr>
       <p:sp>
         <p:nvSpPr>
+          <p:cNvPr id="3" name="Content Placeholder 2"/>
+          <p:cNvSpPr>
+            <a:spLocks noGrp="1"/>
+          </p:cNvSpPr>
+          <p:nvPr>
+            <p:ph idx="1"/>
+          </p:nvPr>
+        </p:nvSpPr>
+        <p:spPr/>
+        <p:txBody>
+          <a:bodyPr/>
+          <a:lstStyle/>
+          <a:p>
+            <a:r>
+              <a:rPr lang="en-US" dirty="0" smtClean="0"/>
+              <a:t>Other fields where ML and AI have achieved excellence:-</a:t>
+            </a:r>
+          </a:p>
+          <a:p>
+            <a:pPr lvl="1"/>
+            <a:r>
+              <a:rPr lang="en-IN" dirty="0" smtClean="0"/>
+              <a:t>Speech recognition(Voice search, appliance control, Alexa Home, Google Home)</a:t>
+            </a:r>
+          </a:p>
+          <a:p>
+            <a:pPr lvl="1"/>
+            <a:r>
+              <a:rPr lang="en-US" dirty="0" smtClean="0"/>
+              <a:t>Virtual Assistant</a:t>
+            </a:r>
+            <a:r>
+              <a:rPr lang="en-IN" dirty="0"/>
+              <a:t>(Alexa, Siri</a:t>
+            </a:r>
+            <a:r>
+              <a:rPr lang="en-IN" dirty="0" smtClean="0"/>
+              <a:t>)</a:t>
+            </a:r>
+          </a:p>
+          <a:p>
+            <a:pPr lvl="1"/>
+            <a:r>
+              <a:rPr lang="en-US" dirty="0" smtClean="0"/>
+              <a:t>Image recognition(facial, non-living things)</a:t>
+            </a:r>
+          </a:p>
+          <a:p>
+            <a:pPr lvl="1"/>
+            <a:r>
+              <a:rPr lang="en-US" dirty="0" smtClean="0"/>
+              <a:t>Google Translation(Language translation)</a:t>
+            </a:r>
+          </a:p>
+          <a:p>
+            <a:pPr lvl="1"/>
+            <a:r>
+              <a:rPr lang="en-US" dirty="0" smtClean="0"/>
+              <a:t>Traffic Alerts in Google Maps</a:t>
+            </a:r>
+          </a:p>
+          <a:p>
+            <a:pPr lvl="1"/>
+            <a:r>
+              <a:rPr lang="en-IN" dirty="0"/>
+              <a:t>Self-driving </a:t>
+            </a:r>
+            <a:r>
+              <a:rPr lang="en-IN" dirty="0" smtClean="0"/>
+              <a:t>cars(Waymo)</a:t>
+            </a:r>
+          </a:p>
+          <a:p>
+            <a:pPr lvl="1"/>
+            <a:r>
+              <a:rPr lang="en-IN" dirty="0"/>
+              <a:t>Medical diagnosis</a:t>
+            </a:r>
+          </a:p>
+          <a:p>
+            <a:pPr lvl="1"/>
+            <a:r>
+              <a:rPr lang="en-IN" dirty="0"/>
+              <a:t>Predictive </a:t>
+            </a:r>
+            <a:r>
+              <a:rPr lang="en-IN" dirty="0" smtClean="0"/>
+              <a:t>analytics(Loan prediction, SIP amount prediction)</a:t>
+            </a:r>
+          </a:p>
+          <a:p>
+            <a:pPr lvl="1"/>
+            <a:r>
+              <a:rPr lang="en-US" dirty="0" smtClean="0"/>
+              <a:t>Recommender System(Music and movie Recommendations)</a:t>
+            </a:r>
+            <a:endParaRPr lang="en-IN" dirty="0"/>
+          </a:p>
+          <a:p>
+            <a:pPr lvl="1"/>
+            <a:endParaRPr lang="en-IN" dirty="0"/>
+          </a:p>
+          <a:p>
+            <a:pPr lvl="1"/>
+            <a:endParaRPr lang="en-IN" dirty="0"/>
+          </a:p>
+        </p:txBody>
+      </p:sp>
+      <p:sp>
+        <p:nvSpPr>
+          <p:cNvPr id="4" name="Footer Placeholder 3"/>
+          <p:cNvSpPr>
+            <a:spLocks noGrp="1"/>
+          </p:cNvSpPr>
+          <p:nvPr>
+            <p:ph type="ftr" sz="quarter" idx="11"/>
+          </p:nvPr>
+        </p:nvSpPr>
+        <p:spPr/>
+        <p:txBody>
+          <a:bodyPr/>
+          <a:lstStyle/>
+          <a:p>
+            <a:r>
+              <a:rPr lang="en-US" smtClean="0"/>
+              <a:t>School of Computer Science and Engineering           19BCE1856</a:t>
+            </a:r>
+            <a:endParaRPr lang="en-IN"/>
+          </a:p>
+        </p:txBody>
+      </p:sp>
+    </p:spTree>
+    <p:extLst>
+      <p:ext uri="{BB962C8B-B14F-4D97-AF65-F5344CB8AC3E}">
+        <p14:creationId xmlns:p14="http://schemas.microsoft.com/office/powerpoint/2010/main" val="601849601"/>
+      </p:ext>
+    </p:extLst>
+  </p:cSld>
+  <p:clrMapOvr>
+    <a:masterClrMapping/>
+  </p:clrMapOvr>
+</p:sld>
+</file>
+
+<file path=ppt/slides/slide6.xml><?xml version="1.0" encoding="utf-8"?>
+<p:sld xmlns:a="http://schemas.openxmlformats.org/drawingml/2006/main" xmlns:r="http://schemas.openxmlformats.org/officeDocument/2006/relationships" xmlns:p="http://schemas.openxmlformats.org/presentationml/2006/main">
+  <p:cSld>
+    <p:spTree>
+      <p:nvGrpSpPr>
+        <p:cNvPr id="1" name=""/>
+        <p:cNvGrpSpPr/>
+        <p:nvPr/>
+      </p:nvGrpSpPr>
+      <p:grpSpPr>
+        <a:xfrm>
+          <a:off x="0" y="0"/>
+          <a:ext cx="0" cy="0"/>
+          <a:chOff x="0" y="0"/>
+          <a:chExt cx="0" cy="0"/>
+        </a:xfrm>
+      </p:grpSpPr>
+      <p:sp>
+        <p:nvSpPr>
+          <p:cNvPr id="2" name="Title 1"/>
+          <p:cNvSpPr>
+            <a:spLocks noGrp="1"/>
+          </p:cNvSpPr>
+          <p:nvPr>
+            <p:ph type="title"/>
+          </p:nvPr>
+        </p:nvSpPr>
+        <p:spPr/>
+        <p:txBody>
+          <a:bodyPr/>
+          <a:lstStyle/>
+          <a:p>
+            <a:pPr algn="ctr"/>
+            <a:r>
+              <a:rPr lang="en-IN" b="1" dirty="0" smtClean="0"/>
+              <a:t>Background Work, Challenges </a:t>
+            </a:r>
+            <a:r>
+              <a:rPr lang="en-IN" dirty="0" smtClean="0">
+                <a:solidFill>
+                  <a:srgbClr val="FF0000"/>
+                </a:solidFill>
+              </a:rPr>
+              <a:t>( Max 3 to 4 Slides)</a:t>
+            </a:r>
+            <a:endParaRPr lang="en-IN" dirty="0">
+              <a:solidFill>
+                <a:srgbClr val="FF0000"/>
+              </a:solidFill>
+            </a:endParaRPr>
+          </a:p>
+        </p:txBody>
+      </p:sp>
+      <p:sp>
+        <p:nvSpPr>
+          <p:cNvPr id="3" name="Content Placeholder 2"/>
+          <p:cNvSpPr>
+            <a:spLocks noGrp="1"/>
+          </p:cNvSpPr>
+          <p:nvPr>
+            <p:ph idx="1"/>
+          </p:nvPr>
+        </p:nvSpPr>
+        <p:spPr/>
+        <p:txBody>
+          <a:bodyPr>
+            <a:normAutofit/>
+          </a:bodyPr>
+          <a:lstStyle/>
+          <a:p>
+            <a:r>
+              <a:rPr lang="en-US" dirty="0" smtClean="0"/>
+              <a:t>The main work behind the scene is the phase </a:t>
+            </a:r>
+            <a:r>
+              <a:rPr lang="en-US" dirty="0" smtClean="0"/>
+              <a:t>of learning because it’s true that AI and ML are very vast topics.</a:t>
+            </a:r>
+          </a:p>
+          <a:p>
+            <a:r>
+              <a:rPr lang="en-US" dirty="0" smtClean="0"/>
+              <a:t>So every day, I am learning new algorithms and focusing on building better practical models, and learning how to optimize the model in a better way because I felt in most cases the model is already prepared its about the space that is so large or the accuracy that is so bad.</a:t>
+            </a:r>
+          </a:p>
+          <a:p>
+            <a:r>
+              <a:rPr lang="en-US" dirty="0" smtClean="0"/>
+              <a:t>I also faced issues while studying and selecting the correct material for different topics as most of the courses were either highly paid or the courses on youtube aren’t reliable. </a:t>
+            </a:r>
+            <a:endParaRPr lang="en-IN" dirty="0"/>
+          </a:p>
+        </p:txBody>
+      </p:sp>
+      <p:sp>
+        <p:nvSpPr>
+          <p:cNvPr id="4" name="Footer Placeholder 3"/>
+          <p:cNvSpPr>
+            <a:spLocks noGrp="1"/>
+          </p:cNvSpPr>
+          <p:nvPr>
+            <p:ph type="ftr" sz="quarter" idx="11"/>
+          </p:nvPr>
+        </p:nvSpPr>
+        <p:spPr>
+          <a:xfrm>
+            <a:off x="2634018" y="6356350"/>
+            <a:ext cx="7765576" cy="365125"/>
+          </a:xfrm>
+        </p:spPr>
+        <p:txBody>
+          <a:bodyPr/>
+          <a:lstStyle/>
+          <a:p>
+            <a:r>
+              <a:rPr lang="en-US" smtClean="0"/>
+              <a:t>School of Computer Science and Engineering           19BCE1856</a:t>
+            </a:r>
+            <a:endParaRPr lang="en-IN" dirty="0"/>
+          </a:p>
+        </p:txBody>
+      </p:sp>
+    </p:spTree>
+    <p:extLst>
+      <p:ext uri="{BB962C8B-B14F-4D97-AF65-F5344CB8AC3E}">
+        <p14:creationId xmlns:p14="http://schemas.microsoft.com/office/powerpoint/2010/main" val="3108949848"/>
+      </p:ext>
+    </p:extLst>
+  </p:cSld>
+  <p:clrMapOvr>
+    <a:masterClrMapping/>
+  </p:clrMapOvr>
+</p:sld>
+</file>
+
+<file path=ppt/slides/slide7.xml><?xml version="1.0" encoding="utf-8"?>
+<p:sld xmlns:a="http://schemas.openxmlformats.org/drawingml/2006/main" xmlns:r="http://schemas.openxmlformats.org/officeDocument/2006/relationships" xmlns:p="http://schemas.openxmlformats.org/presentationml/2006/main">
+  <p:cSld>
+    <p:spTree>
+      <p:nvGrpSpPr>
+        <p:cNvPr id="1" name=""/>
+        <p:cNvGrpSpPr/>
+        <p:nvPr/>
+      </p:nvGrpSpPr>
+      <p:grpSpPr>
+        <a:xfrm>
+          <a:off x="0" y="0"/>
+          <a:ext cx="0" cy="0"/>
+          <a:chOff x="0" y="0"/>
+          <a:chExt cx="0" cy="0"/>
+        </a:xfrm>
+      </p:grpSpPr>
+      <p:sp>
+        <p:nvSpPr>
+          <p:cNvPr id="3" name="Content Placeholder 2"/>
+          <p:cNvSpPr>
+            <a:spLocks noGrp="1"/>
+          </p:cNvSpPr>
+          <p:nvPr>
+            <p:ph idx="1"/>
+          </p:nvPr>
+        </p:nvSpPr>
+        <p:spPr/>
+        <p:txBody>
+          <a:bodyPr/>
+          <a:lstStyle/>
+          <a:p>
+            <a:r>
+              <a:rPr lang="en-US" dirty="0"/>
+              <a:t>The main challenge was selecting the final idea as the field is evolving at its peak because of the tech giants like Amazon, Alibaba, Flipkart, and Walmart.</a:t>
+            </a:r>
+          </a:p>
+          <a:p>
+            <a:r>
+              <a:rPr lang="en-US" dirty="0"/>
+              <a:t>Every day I read one article in the morning since I enrolled in the capstone project as working on this idea as my final project was one of my dreams when I joined the college due to the placements I was not very regular but still I was able to make ends meet</a:t>
+            </a:r>
+            <a:r>
+              <a:rPr lang="en-US" dirty="0" smtClean="0"/>
+              <a:t>.</a:t>
+            </a:r>
+          </a:p>
+          <a:p>
+            <a:r>
+              <a:rPr lang="en-US" dirty="0" smtClean="0"/>
+              <a:t>The Research paper was not a difficult part as I was getting the idea of how to implement it by reading so much in the right direction.</a:t>
+            </a:r>
+            <a:endParaRPr lang="en-US" dirty="0"/>
+          </a:p>
+        </p:txBody>
+      </p:sp>
+      <p:sp>
+        <p:nvSpPr>
+          <p:cNvPr id="4" name="Footer Placeholder 3"/>
+          <p:cNvSpPr>
+            <a:spLocks noGrp="1"/>
+          </p:cNvSpPr>
+          <p:nvPr>
+            <p:ph type="ftr" sz="quarter" idx="11"/>
+          </p:nvPr>
+        </p:nvSpPr>
+        <p:spPr/>
+        <p:txBody>
+          <a:bodyPr/>
+          <a:lstStyle/>
+          <a:p>
+            <a:r>
+              <a:rPr lang="en-US" smtClean="0"/>
+              <a:t>School of Computer Science and Engineering           19BCE1856</a:t>
+            </a:r>
+            <a:endParaRPr lang="en-IN"/>
+          </a:p>
+        </p:txBody>
+      </p:sp>
+    </p:spTree>
+    <p:extLst>
+      <p:ext uri="{BB962C8B-B14F-4D97-AF65-F5344CB8AC3E}">
+        <p14:creationId xmlns:p14="http://schemas.microsoft.com/office/powerpoint/2010/main" val="794783767"/>
+      </p:ext>
+    </p:extLst>
+  </p:cSld>
+  <p:clrMapOvr>
+    <a:masterClrMapping/>
+  </p:clrMapOvr>
+</p:sld>
+</file>
+
+<file path=ppt/slides/slide8.xml><?xml version="1.0" encoding="utf-8"?>
+<p:sld xmlns:a="http://schemas.openxmlformats.org/drawingml/2006/main" xmlns:r="http://schemas.openxmlformats.org/officeDocument/2006/relationships" xmlns:p="http://schemas.openxmlformats.org/presentationml/2006/main">
+  <p:cSld>
+    <p:spTree>
+      <p:nvGrpSpPr>
+        <p:cNvPr id="1" name=""/>
+        <p:cNvGrpSpPr/>
+        <p:nvPr/>
+      </p:nvGrpSpPr>
+      <p:grpSpPr>
+        <a:xfrm>
+          <a:off x="0" y="0"/>
+          <a:ext cx="0" cy="0"/>
+          <a:chOff x="0" y="0"/>
+          <a:chExt cx="0" cy="0"/>
+        </a:xfrm>
+      </p:grpSpPr>
+      <p:sp>
+        <p:nvSpPr>
           <p:cNvPr id="2" name="Title 1"/>
           <p:cNvSpPr>
             <a:spLocks noGrp="1"/>
@@ -5704,7 +5992,7 @@
           <a:p>
             <a:r>
               <a:rPr lang="en-US" smtClean="0"/>
-              <a:t>School of Computer Science and Engineering           19BCE101</a:t>
+              <a:t>School of Computer Science and Engineering           19BCE1856</a:t>
             </a:r>
             <a:endParaRPr lang="en-IN" dirty="0"/>
           </a:p>
@@ -6006,29 +6294,6 @@
           </a:graphicData>
         </a:graphic>
       </p:graphicFrame>
-      <p:sp>
-        <p:nvSpPr>
-          <p:cNvPr id="3" name="Slide Number Placeholder 2"/>
-          <p:cNvSpPr>
-            <a:spLocks noGrp="1"/>
-          </p:cNvSpPr>
-          <p:nvPr>
-            <p:ph type="sldNum" sz="quarter" idx="12"/>
-          </p:nvPr>
-        </p:nvSpPr>
-        <p:spPr/>
-        <p:txBody>
-          <a:bodyPr/>
-          <a:lstStyle/>
-          <a:p>
-            <a:fld id="{92607C7E-3A72-4AFC-82D5-1E7B16850C90}" type="slidenum">
-              <a:rPr lang="en-IN" smtClean="0"/>
-              <a:t>5</a:t>
-            </a:fld>
-            <a:endParaRPr lang="en-IN"/>
-          </a:p>
-        </p:txBody>
-      </p:sp>
     </p:spTree>
     <p:extLst>
       <p:ext uri="{BB962C8B-B14F-4D97-AF65-F5344CB8AC3E}">
@@ -6042,7 +6307,7 @@
 </p:sld>
 </file>
 
-<file path=ppt/slides/slide6.xml><?xml version="1.0" encoding="utf-8"?>
+<file path=ppt/slides/slide9.xml><?xml version="1.0" encoding="utf-8"?>
 <p:sld xmlns:a="http://schemas.openxmlformats.org/drawingml/2006/main" xmlns:r="http://schemas.openxmlformats.org/officeDocument/2006/relationships" xmlns:p="http://schemas.openxmlformats.org/presentationml/2006/main">
   <p:cSld>
     <p:spTree>
@@ -6112,7 +6377,7 @@
           <a:p>
             <a:r>
               <a:rPr lang="en-US" smtClean="0"/>
-              <a:t>School of Computer Science and Engineering           19BCE101</a:t>
+              <a:t>School of Computer Science and Engineering           19BCE1856</a:t>
             </a:r>
             <a:endParaRPr lang="en-IN" dirty="0"/>
           </a:p>
@@ -6414,405 +6679,10 @@
           </a:graphicData>
         </a:graphic>
       </p:graphicFrame>
-      <p:sp>
-        <p:nvSpPr>
-          <p:cNvPr id="3" name="Slide Number Placeholder 2"/>
-          <p:cNvSpPr>
-            <a:spLocks noGrp="1"/>
-          </p:cNvSpPr>
-          <p:nvPr>
-            <p:ph type="sldNum" sz="quarter" idx="12"/>
-          </p:nvPr>
-        </p:nvSpPr>
-        <p:spPr/>
-        <p:txBody>
-          <a:bodyPr/>
-          <a:lstStyle/>
-          <a:p>
-            <a:fld id="{92607C7E-3A72-4AFC-82D5-1E7B16850C90}" type="slidenum">
-              <a:rPr lang="en-IN" smtClean="0"/>
-              <a:t>6</a:t>
-            </a:fld>
-            <a:endParaRPr lang="en-IN"/>
-          </a:p>
-        </p:txBody>
-      </p:sp>
     </p:spTree>
     <p:extLst>
       <p:ext uri="{BB962C8B-B14F-4D97-AF65-F5344CB8AC3E}">
         <p14:creationId xmlns:p14="http://schemas.microsoft.com/office/powerpoint/2010/main" val="3688188183"/>
-      </p:ext>
-    </p:extLst>
-  </p:cSld>
-  <p:clrMapOvr>
-    <a:masterClrMapping/>
-  </p:clrMapOvr>
-</p:sld>
-</file>
-
-<file path=ppt/slides/slide7.xml><?xml version="1.0" encoding="utf-8"?>
-<p:sld xmlns:a="http://schemas.openxmlformats.org/drawingml/2006/main" xmlns:r="http://schemas.openxmlformats.org/officeDocument/2006/relationships" xmlns:p="http://schemas.openxmlformats.org/presentationml/2006/main">
-  <p:cSld>
-    <p:spTree>
-      <p:nvGrpSpPr>
-        <p:cNvPr id="1" name=""/>
-        <p:cNvGrpSpPr/>
-        <p:nvPr/>
-      </p:nvGrpSpPr>
-      <p:grpSpPr>
-        <a:xfrm>
-          <a:off x="0" y="0"/>
-          <a:ext cx="0" cy="0"/>
-          <a:chOff x="0" y="0"/>
-          <a:chExt cx="0" cy="0"/>
-        </a:xfrm>
-      </p:grpSpPr>
-      <p:sp>
-        <p:nvSpPr>
-          <p:cNvPr id="2" name="Title 1"/>
-          <p:cNvSpPr>
-            <a:spLocks noGrp="1"/>
-          </p:cNvSpPr>
-          <p:nvPr>
-            <p:ph type="title"/>
-          </p:nvPr>
-        </p:nvSpPr>
-        <p:spPr/>
-        <p:txBody>
-          <a:bodyPr/>
-          <a:lstStyle/>
-          <a:p>
-            <a:pPr algn="ctr"/>
-            <a:r>
-              <a:rPr lang="en-IN" b="1" dirty="0" smtClean="0"/>
-              <a:t>Research Gap</a:t>
-            </a:r>
-            <a:endParaRPr lang="en-IN" b="1" dirty="0"/>
-          </a:p>
-        </p:txBody>
-      </p:sp>
-      <p:sp>
-        <p:nvSpPr>
-          <p:cNvPr id="3" name="Content Placeholder 2"/>
-          <p:cNvSpPr>
-            <a:spLocks noGrp="1"/>
-          </p:cNvSpPr>
-          <p:nvPr>
-            <p:ph idx="1"/>
-          </p:nvPr>
-        </p:nvSpPr>
-        <p:spPr/>
-        <p:txBody>
-          <a:bodyPr/>
-          <a:lstStyle/>
-          <a:p>
-            <a:endParaRPr lang="en-IN" dirty="0"/>
-          </a:p>
-        </p:txBody>
-      </p:sp>
-      <p:sp>
-        <p:nvSpPr>
-          <p:cNvPr id="4" name="Footer Placeholder 3"/>
-          <p:cNvSpPr>
-            <a:spLocks noGrp="1"/>
-          </p:cNvSpPr>
-          <p:nvPr>
-            <p:ph type="ftr" sz="quarter" idx="11"/>
-          </p:nvPr>
-        </p:nvSpPr>
-        <p:spPr>
-          <a:xfrm>
-            <a:off x="2769358" y="6356349"/>
-            <a:ext cx="7043382" cy="365125"/>
-          </a:xfrm>
-        </p:spPr>
-        <p:txBody>
-          <a:bodyPr/>
-          <a:lstStyle/>
-          <a:p>
-            <a:r>
-              <a:rPr lang="en-US" smtClean="0"/>
-              <a:t>School of Computer Science and Engineering           19BCE101</a:t>
-            </a:r>
-            <a:endParaRPr lang="en-IN" dirty="0"/>
-          </a:p>
-        </p:txBody>
-      </p:sp>
-      <p:sp>
-        <p:nvSpPr>
-          <p:cNvPr id="5" name="Slide Number Placeholder 4"/>
-          <p:cNvSpPr>
-            <a:spLocks noGrp="1"/>
-          </p:cNvSpPr>
-          <p:nvPr>
-            <p:ph type="sldNum" sz="quarter" idx="12"/>
-          </p:nvPr>
-        </p:nvSpPr>
-        <p:spPr/>
-        <p:txBody>
-          <a:bodyPr/>
-          <a:lstStyle/>
-          <a:p>
-            <a:fld id="{92607C7E-3A72-4AFC-82D5-1E7B16850C90}" type="slidenum">
-              <a:rPr lang="en-IN" smtClean="0"/>
-              <a:t>7</a:t>
-            </a:fld>
-            <a:endParaRPr lang="en-IN"/>
-          </a:p>
-        </p:txBody>
-      </p:sp>
-    </p:spTree>
-    <p:extLst>
-      <p:ext uri="{BB962C8B-B14F-4D97-AF65-F5344CB8AC3E}">
-        <p14:creationId xmlns:p14="http://schemas.microsoft.com/office/powerpoint/2010/main" val="2572792285"/>
-      </p:ext>
-    </p:extLst>
-  </p:cSld>
-  <p:clrMapOvr>
-    <a:masterClrMapping/>
-  </p:clrMapOvr>
-</p:sld>
-</file>
-
-<file path=ppt/slides/slide8.xml><?xml version="1.0" encoding="utf-8"?>
-<p:sld xmlns:a="http://schemas.openxmlformats.org/drawingml/2006/main" xmlns:r="http://schemas.openxmlformats.org/officeDocument/2006/relationships" xmlns:p="http://schemas.openxmlformats.org/presentationml/2006/main">
-  <p:cSld>
-    <p:spTree>
-      <p:nvGrpSpPr>
-        <p:cNvPr id="1" name=""/>
-        <p:cNvGrpSpPr/>
-        <p:nvPr/>
-      </p:nvGrpSpPr>
-      <p:grpSpPr>
-        <a:xfrm>
-          <a:off x="0" y="0"/>
-          <a:ext cx="0" cy="0"/>
-          <a:chOff x="0" y="0"/>
-          <a:chExt cx="0" cy="0"/>
-        </a:xfrm>
-      </p:grpSpPr>
-      <p:sp>
-        <p:nvSpPr>
-          <p:cNvPr id="2" name="Title 1"/>
-          <p:cNvSpPr>
-            <a:spLocks noGrp="1"/>
-          </p:cNvSpPr>
-          <p:nvPr>
-            <p:ph type="title"/>
-          </p:nvPr>
-        </p:nvSpPr>
-        <p:spPr/>
-        <p:txBody>
-          <a:bodyPr/>
-          <a:lstStyle/>
-          <a:p>
-            <a:pPr algn="ctr"/>
-            <a:r>
-              <a:rPr lang="en-US" b="1" dirty="0" smtClean="0"/>
-              <a:t>Problem Statement</a:t>
-            </a:r>
-            <a:endParaRPr lang="en-US" b="1" dirty="0"/>
-          </a:p>
-        </p:txBody>
-      </p:sp>
-      <p:sp>
-        <p:nvSpPr>
-          <p:cNvPr id="3" name="Content Placeholder 2"/>
-          <p:cNvSpPr>
-            <a:spLocks noGrp="1"/>
-          </p:cNvSpPr>
-          <p:nvPr>
-            <p:ph idx="1"/>
-          </p:nvPr>
-        </p:nvSpPr>
-        <p:spPr/>
-        <p:txBody>
-          <a:bodyPr/>
-          <a:lstStyle/>
-          <a:p>
-            <a:endParaRPr lang="en-US"/>
-          </a:p>
-        </p:txBody>
-      </p:sp>
-      <p:sp>
-        <p:nvSpPr>
-          <p:cNvPr id="4" name="Footer Placeholder 3"/>
-          <p:cNvSpPr>
-            <a:spLocks noGrp="1"/>
-          </p:cNvSpPr>
-          <p:nvPr>
-            <p:ph type="ftr" sz="quarter" idx="11"/>
-          </p:nvPr>
-        </p:nvSpPr>
-        <p:spPr>
-          <a:xfrm>
-            <a:off x="4038600" y="6356350"/>
-            <a:ext cx="5241878" cy="365125"/>
-          </a:xfrm>
-        </p:spPr>
-        <p:txBody>
-          <a:bodyPr/>
-          <a:lstStyle/>
-          <a:p>
-            <a:r>
-              <a:rPr lang="en-US" smtClean="0"/>
-              <a:t>School of Computer Science and Engineering           19BCE101</a:t>
-            </a:r>
-            <a:endParaRPr lang="en-IN" dirty="0"/>
-          </a:p>
-        </p:txBody>
-      </p:sp>
-      <p:sp>
-        <p:nvSpPr>
-          <p:cNvPr id="5" name="Slide Number Placeholder 4"/>
-          <p:cNvSpPr>
-            <a:spLocks noGrp="1"/>
-          </p:cNvSpPr>
-          <p:nvPr>
-            <p:ph type="sldNum" sz="quarter" idx="12"/>
-          </p:nvPr>
-        </p:nvSpPr>
-        <p:spPr/>
-        <p:txBody>
-          <a:bodyPr/>
-          <a:lstStyle/>
-          <a:p>
-            <a:fld id="{92607C7E-3A72-4AFC-82D5-1E7B16850C90}" type="slidenum">
-              <a:rPr lang="en-IN" smtClean="0"/>
-              <a:t>8</a:t>
-            </a:fld>
-            <a:endParaRPr lang="en-IN"/>
-          </a:p>
-        </p:txBody>
-      </p:sp>
-    </p:spTree>
-    <p:extLst>
-      <p:ext uri="{BB962C8B-B14F-4D97-AF65-F5344CB8AC3E}">
-        <p14:creationId xmlns:p14="http://schemas.microsoft.com/office/powerpoint/2010/main" val="3929419351"/>
-      </p:ext>
-    </p:extLst>
-  </p:cSld>
-  <p:clrMapOvr>
-    <a:masterClrMapping/>
-  </p:clrMapOvr>
-</p:sld>
-</file>
-
-<file path=ppt/slides/slide9.xml><?xml version="1.0" encoding="utf-8"?>
-<p:sld xmlns:a="http://schemas.openxmlformats.org/drawingml/2006/main" xmlns:r="http://schemas.openxmlformats.org/officeDocument/2006/relationships" xmlns:p="http://schemas.openxmlformats.org/presentationml/2006/main">
-  <p:cSld>
-    <p:spTree>
-      <p:nvGrpSpPr>
-        <p:cNvPr id="1" name=""/>
-        <p:cNvGrpSpPr/>
-        <p:nvPr/>
-      </p:nvGrpSpPr>
-      <p:grpSpPr>
-        <a:xfrm>
-          <a:off x="0" y="0"/>
-          <a:ext cx="0" cy="0"/>
-          <a:chOff x="0" y="0"/>
-          <a:chExt cx="0" cy="0"/>
-        </a:xfrm>
-      </p:grpSpPr>
-      <p:sp>
-        <p:nvSpPr>
-          <p:cNvPr id="2" name="Title 1"/>
-          <p:cNvSpPr>
-            <a:spLocks noGrp="1"/>
-          </p:cNvSpPr>
-          <p:nvPr>
-            <p:ph type="title"/>
-          </p:nvPr>
-        </p:nvSpPr>
-        <p:spPr/>
-        <p:txBody>
-          <a:bodyPr/>
-          <a:lstStyle/>
-          <a:p>
-            <a:pPr algn="ctr"/>
-            <a:r>
-              <a:rPr lang="en-IN" b="1" dirty="0" smtClean="0"/>
-              <a:t>Research Motivation</a:t>
-            </a:r>
-            <a:endParaRPr lang="en-IN" b="1" dirty="0"/>
-          </a:p>
-        </p:txBody>
-      </p:sp>
-      <p:sp>
-        <p:nvSpPr>
-          <p:cNvPr id="3" name="Content Placeholder 2"/>
-          <p:cNvSpPr>
-            <a:spLocks noGrp="1"/>
-          </p:cNvSpPr>
-          <p:nvPr>
-            <p:ph idx="1"/>
-          </p:nvPr>
-        </p:nvSpPr>
-        <p:spPr/>
-        <p:txBody>
-          <a:bodyPr/>
-          <a:lstStyle/>
-          <a:p>
-            <a:endParaRPr lang="en-IN"/>
-          </a:p>
-        </p:txBody>
-      </p:sp>
-      <p:sp>
-        <p:nvSpPr>
-          <p:cNvPr id="4" name="Footer Placeholder 3"/>
-          <p:cNvSpPr>
-            <a:spLocks noGrp="1"/>
-          </p:cNvSpPr>
-          <p:nvPr>
-            <p:ph type="ftr" sz="quarter" idx="11"/>
-          </p:nvPr>
-        </p:nvSpPr>
-        <p:spPr>
-          <a:xfrm>
-            <a:off x="4038599" y="6356350"/>
-            <a:ext cx="4818797" cy="365125"/>
-          </a:xfrm>
-        </p:spPr>
-        <p:txBody>
-          <a:bodyPr/>
-          <a:lstStyle/>
-          <a:p>
-            <a:r>
-              <a:rPr lang="en-US" smtClean="0"/>
-              <a:t>School of Computer Science and Engineering           19BCE101</a:t>
-            </a:r>
-            <a:endParaRPr lang="en-IN" dirty="0"/>
-          </a:p>
-        </p:txBody>
-      </p:sp>
-      <p:sp>
-        <p:nvSpPr>
-          <p:cNvPr id="5" name="Slide Number Placeholder 4"/>
-          <p:cNvSpPr>
-            <a:spLocks noGrp="1"/>
-          </p:cNvSpPr>
-          <p:nvPr>
-            <p:ph type="sldNum" sz="quarter" idx="12"/>
-          </p:nvPr>
-        </p:nvSpPr>
-        <p:spPr/>
-        <p:txBody>
-          <a:bodyPr/>
-          <a:lstStyle/>
-          <a:p>
-            <a:fld id="{92607C7E-3A72-4AFC-82D5-1E7B16850C90}" type="slidenum">
-              <a:rPr lang="en-IN" smtClean="0"/>
-              <a:t>9</a:t>
-            </a:fld>
-            <a:endParaRPr lang="en-IN"/>
-          </a:p>
-        </p:txBody>
-      </p:sp>
-    </p:spTree>
-    <p:extLst>
-      <p:ext uri="{BB962C8B-B14F-4D97-AF65-F5344CB8AC3E}">
-        <p14:creationId xmlns:p14="http://schemas.microsoft.com/office/powerpoint/2010/main" val="1893529195"/>
       </p:ext>
     </p:extLst>
   </p:cSld>

--- a/CAPSTONE PROJECT REVIEW 1 PPT.pptx
+++ b/CAPSTONE PROJECT REVIEW 1 PPT.pptx
@@ -5,10 +5,10 @@
     <p:sldMasterId id="2147483648" r:id="rId1"/>
   </p:sldMasterIdLst>
   <p:notesMasterIdLst>
-    <p:notesMasterId r:id="rId21"/>
+    <p:notesMasterId r:id="rId25"/>
   </p:notesMasterIdLst>
   <p:handoutMasterIdLst>
-    <p:handoutMasterId r:id="rId22"/>
+    <p:handoutMasterId r:id="rId26"/>
   </p:handoutMasterIdLst>
   <p:sldIdLst>
     <p:sldId id="256" r:id="rId2"/>
@@ -20,16 +20,20 @@
     <p:sldId id="274" r:id="rId8"/>
     <p:sldId id="269" r:id="rId9"/>
     <p:sldId id="272" r:id="rId10"/>
-    <p:sldId id="261" r:id="rId11"/>
-    <p:sldId id="270" r:id="rId12"/>
-    <p:sldId id="262" r:id="rId13"/>
-    <p:sldId id="271" r:id="rId14"/>
-    <p:sldId id="263" r:id="rId15"/>
-    <p:sldId id="264" r:id="rId16"/>
-    <p:sldId id="265" r:id="rId17"/>
-    <p:sldId id="268" r:id="rId18"/>
-    <p:sldId id="266" r:id="rId19"/>
-    <p:sldId id="267" r:id="rId20"/>
+    <p:sldId id="277" r:id="rId11"/>
+    <p:sldId id="276" r:id="rId12"/>
+    <p:sldId id="279" r:id="rId13"/>
+    <p:sldId id="278" r:id="rId14"/>
+    <p:sldId id="261" r:id="rId15"/>
+    <p:sldId id="270" r:id="rId16"/>
+    <p:sldId id="262" r:id="rId17"/>
+    <p:sldId id="271" r:id="rId18"/>
+    <p:sldId id="263" r:id="rId19"/>
+    <p:sldId id="264" r:id="rId20"/>
+    <p:sldId id="265" r:id="rId21"/>
+    <p:sldId id="268" r:id="rId22"/>
+    <p:sldId id="266" r:id="rId23"/>
+    <p:sldId id="267" r:id="rId24"/>
   </p:sldIdLst>
   <p:sldSz cx="12192000" cy="6858000"/>
   <p:notesSz cx="6858000" cy="9144000"/>
@@ -218,7 +222,7 @@
           <a:p>
             <a:fld id="{9D85B690-DA12-4685-B421-55013345D842}" type="datetimeFigureOut">
               <a:rPr lang="en-US" smtClean="0"/>
-              <a:t>11/17/2022</a:t>
+              <a:t>11/19/2022</a:t>
             </a:fld>
             <a:endParaRPr lang="en-US"/>
           </a:p>
@@ -384,7 +388,7 @@
           <a:p>
             <a:fld id="{46F41E90-DF02-4DDB-A645-EE4BD71F0959}" type="datetimeFigureOut">
               <a:rPr lang="en-IN" smtClean="0"/>
-              <a:t>17-11-2022</a:t>
+              <a:t>19-11-2022</a:t>
             </a:fld>
             <a:endParaRPr lang="en-IN"/>
           </a:p>
@@ -1024,7 +1028,7 @@
           <a:p>
             <a:fld id="{11E838E9-EAE7-4E4D-B3AA-1A963142A757}" type="datetime1">
               <a:rPr lang="en-IN" smtClean="0"/>
-              <a:t>17-11-2022</a:t>
+              <a:t>19-11-2022</a:t>
             </a:fld>
             <a:endParaRPr lang="en-IN"/>
           </a:p>
@@ -1198,7 +1202,7 @@
           <a:p>
             <a:fld id="{AF1DB0ED-F56E-4B51-8B1B-62E0A53DD30D}" type="datetime1">
               <a:rPr lang="en-IN" smtClean="0"/>
-              <a:t>17-11-2022</a:t>
+              <a:t>19-11-2022</a:t>
             </a:fld>
             <a:endParaRPr lang="en-IN"/>
           </a:p>
@@ -1382,7 +1386,7 @@
           <a:p>
             <a:fld id="{2988E2A2-003B-4659-AECA-91936C3457EC}" type="datetime1">
               <a:rPr lang="en-IN" smtClean="0"/>
-              <a:t>17-11-2022</a:t>
+              <a:t>19-11-2022</a:t>
             </a:fld>
             <a:endParaRPr lang="en-IN"/>
           </a:p>
@@ -1556,7 +1560,7 @@
           <a:p>
             <a:fld id="{28DAB1BE-DDCB-4C4D-951E-3E409B041F84}" type="datetime1">
               <a:rPr lang="en-IN" smtClean="0"/>
-              <a:t>17-11-2022</a:t>
+              <a:t>19-11-2022</a:t>
             </a:fld>
             <a:endParaRPr lang="en-IN"/>
           </a:p>
@@ -1806,7 +1810,7 @@
           <a:p>
             <a:fld id="{66741BB7-179C-4423-B1E4-4E3138585C0C}" type="datetime1">
               <a:rPr lang="en-IN" smtClean="0"/>
-              <a:t>17-11-2022</a:t>
+              <a:t>19-11-2022</a:t>
             </a:fld>
             <a:endParaRPr lang="en-IN"/>
           </a:p>
@@ -2042,7 +2046,7 @@
           <a:p>
             <a:fld id="{1EAE8D12-AF31-46C7-BBA6-E3C5B7D7AFEB}" type="datetime1">
               <a:rPr lang="en-IN" smtClean="0"/>
-              <a:t>17-11-2022</a:t>
+              <a:t>19-11-2022</a:t>
             </a:fld>
             <a:endParaRPr lang="en-IN"/>
           </a:p>
@@ -2413,7 +2417,7 @@
           <a:p>
             <a:fld id="{028DCE10-DDCD-469B-A16C-0144B564B405}" type="datetime1">
               <a:rPr lang="en-IN" smtClean="0"/>
-              <a:t>17-11-2022</a:t>
+              <a:t>19-11-2022</a:t>
             </a:fld>
             <a:endParaRPr lang="en-IN"/>
           </a:p>
@@ -2535,7 +2539,7 @@
           <a:p>
             <a:fld id="{556F0B93-B69F-4E23-8415-85435954A82A}" type="datetime1">
               <a:rPr lang="en-IN" smtClean="0"/>
-              <a:t>17-11-2022</a:t>
+              <a:t>19-11-2022</a:t>
             </a:fld>
             <a:endParaRPr lang="en-IN"/>
           </a:p>
@@ -2634,7 +2638,7 @@
           <a:p>
             <a:fld id="{02BE480A-B3D3-46A0-8603-32CC32B0DD85}" type="datetime1">
               <a:rPr lang="en-IN" smtClean="0"/>
-              <a:t>17-11-2022</a:t>
+              <a:t>19-11-2022</a:t>
             </a:fld>
             <a:endParaRPr lang="en-IN"/>
           </a:p>
@@ -2915,7 +2919,7 @@
           <a:p>
             <a:fld id="{728E2360-8943-4F3C-87D9-9C833B5C738F}" type="datetime1">
               <a:rPr lang="en-IN" smtClean="0"/>
-              <a:t>17-11-2022</a:t>
+              <a:t>19-11-2022</a:t>
             </a:fld>
             <a:endParaRPr lang="en-IN"/>
           </a:p>
@@ -3172,7 +3176,7 @@
           <a:p>
             <a:fld id="{1C760D9C-A744-40F9-A8C1-6334E3B3FAA4}" type="datetime1">
               <a:rPr lang="en-IN" smtClean="0"/>
-              <a:t>17-11-2022</a:t>
+              <a:t>19-11-2022</a:t>
             </a:fld>
             <a:endParaRPr lang="en-IN"/>
           </a:p>
@@ -3389,7 +3393,7 @@
           <a:p>
             <a:fld id="{B07534E3-81F7-4351-A3EA-2D7B4D65422C}" type="datetime1">
               <a:rPr lang="en-IN" smtClean="0"/>
-              <a:t>17-11-2022</a:t>
+              <a:t>19-11-2022</a:t>
             </a:fld>
             <a:endParaRPr lang="en-IN"/>
           </a:p>
@@ -3986,11 +3990,7 @@
           <a:p>
             <a:r>
               <a:rPr lang="en-US" dirty="0" smtClean="0"/>
-              <a:t>School of Computer Science and Engineering           </a:t>
-            </a:r>
-            <a:r>
-              <a:rPr lang="en-US" dirty="0" smtClean="0"/>
-              <a:t>19BCE1856</a:t>
+              <a:t>School of Computer Science and Engineering           19BCE1856</a:t>
             </a:r>
             <a:endParaRPr lang="en-IN" dirty="0"/>
           </a:p>
@@ -4026,81 +4026,10 @@
           <a:chExt cx="0" cy="0"/>
         </a:xfrm>
       </p:grpSpPr>
-      <p:sp>
-        <p:nvSpPr>
-          <p:cNvPr id="2" name="Title 1"/>
-          <p:cNvSpPr>
-            <a:spLocks noGrp="1"/>
-          </p:cNvSpPr>
-          <p:nvPr>
-            <p:ph type="title"/>
-          </p:nvPr>
-        </p:nvSpPr>
-        <p:spPr/>
-        <p:txBody>
-          <a:bodyPr/>
-          <a:lstStyle/>
-          <a:p>
-            <a:pPr algn="ctr"/>
-            <a:r>
-              <a:rPr lang="en-IN" b="1" dirty="0" smtClean="0"/>
-              <a:t>Research Gap</a:t>
-            </a:r>
-            <a:endParaRPr lang="en-IN" b="1" dirty="0"/>
-          </a:p>
-        </p:txBody>
-      </p:sp>
-      <p:sp>
-        <p:nvSpPr>
-          <p:cNvPr id="3" name="Content Placeholder 2"/>
-          <p:cNvSpPr>
-            <a:spLocks noGrp="1"/>
-          </p:cNvSpPr>
-          <p:nvPr>
-            <p:ph idx="1"/>
-          </p:nvPr>
-        </p:nvSpPr>
-        <p:spPr/>
-        <p:txBody>
-          <a:bodyPr/>
-          <a:lstStyle/>
-          <a:p>
-            <a:endParaRPr lang="en-IN" dirty="0"/>
-          </a:p>
-        </p:txBody>
-      </p:sp>
-      <p:sp>
-        <p:nvSpPr>
-          <p:cNvPr id="4" name="Footer Placeholder 3"/>
-          <p:cNvSpPr>
-            <a:spLocks noGrp="1"/>
-          </p:cNvSpPr>
-          <p:nvPr>
-            <p:ph type="ftr" sz="quarter" idx="11"/>
-          </p:nvPr>
-        </p:nvSpPr>
-        <p:spPr>
-          <a:xfrm>
-            <a:off x="2769358" y="6356349"/>
-            <a:ext cx="7043382" cy="365125"/>
-          </a:xfrm>
-        </p:spPr>
-        <p:txBody>
-          <a:bodyPr/>
-          <a:lstStyle/>
-          <a:p>
-            <a:r>
-              <a:rPr lang="en-US" smtClean="0"/>
-              <a:t>School of Computer Science and Engineering           19BCE1856</a:t>
-            </a:r>
-            <a:endParaRPr lang="en-IN" dirty="0"/>
-          </a:p>
-        </p:txBody>
-      </p:sp>
     </p:spTree>
     <p:extLst>
       <p:ext uri="{BB962C8B-B14F-4D97-AF65-F5344CB8AC3E}">
-        <p14:creationId xmlns:p14="http://schemas.microsoft.com/office/powerpoint/2010/main" val="2572792285"/>
+        <p14:creationId xmlns:p14="http://schemas.microsoft.com/office/powerpoint/2010/main" val="2082174639"/>
       </p:ext>
     </p:extLst>
   </p:cSld>
@@ -4142,12 +4071,7 @@
           <a:bodyPr/>
           <a:lstStyle/>
           <a:p>
-            <a:pPr algn="ctr"/>
-            <a:r>
-              <a:rPr lang="en-US" b="1" dirty="0" smtClean="0"/>
-              <a:t>Problem Statement</a:t>
-            </a:r>
-            <a:endParaRPr lang="en-US" b="1" dirty="0"/>
+            <a:endParaRPr lang="en-IN"/>
           </a:p>
         </p:txBody>
       </p:sp>
@@ -4166,7 +4090,7 @@
           <a:bodyPr/>
           <a:lstStyle/>
           <a:p>
-            <a:endParaRPr lang="en-US"/>
+            <a:endParaRPr lang="en-IN"/>
           </a:p>
         </p:txBody>
       </p:sp>
@@ -4180,12 +4104,7 @@
             <p:ph type="ftr" sz="quarter" idx="11"/>
           </p:nvPr>
         </p:nvSpPr>
-        <p:spPr>
-          <a:xfrm>
-            <a:off x="4038600" y="6356350"/>
-            <a:ext cx="5241878" cy="365125"/>
-          </a:xfrm>
-        </p:spPr>
+        <p:spPr/>
         <p:txBody>
           <a:bodyPr/>
           <a:lstStyle/>
@@ -4194,14 +4113,14 @@
               <a:rPr lang="en-US" smtClean="0"/>
               <a:t>School of Computer Science and Engineering           19BCE1856</a:t>
             </a:r>
-            <a:endParaRPr lang="en-IN" dirty="0"/>
+            <a:endParaRPr lang="en-IN"/>
           </a:p>
         </p:txBody>
       </p:sp>
     </p:spTree>
     <p:extLst>
       <p:ext uri="{BB962C8B-B14F-4D97-AF65-F5344CB8AC3E}">
-        <p14:creationId xmlns:p14="http://schemas.microsoft.com/office/powerpoint/2010/main" val="3929419351"/>
+        <p14:creationId xmlns:p14="http://schemas.microsoft.com/office/powerpoint/2010/main" val="1003708039"/>
       </p:ext>
     </p:extLst>
   </p:cSld>
@@ -4243,12 +4162,7 @@
           <a:bodyPr/>
           <a:lstStyle/>
           <a:p>
-            <a:pPr algn="ctr"/>
-            <a:r>
-              <a:rPr lang="en-IN" b="1" dirty="0" smtClean="0"/>
-              <a:t>Research Motivation</a:t>
-            </a:r>
-            <a:endParaRPr lang="en-IN" b="1" dirty="0"/>
+            <a:endParaRPr lang="en-IN"/>
           </a:p>
         </p:txBody>
       </p:sp>
@@ -4281,12 +4195,7 @@
             <p:ph type="ftr" sz="quarter" idx="11"/>
           </p:nvPr>
         </p:nvSpPr>
-        <p:spPr>
-          <a:xfrm>
-            <a:off x="4038599" y="6356350"/>
-            <a:ext cx="4818797" cy="365125"/>
-          </a:xfrm>
-        </p:spPr>
+        <p:spPr/>
         <p:txBody>
           <a:bodyPr/>
           <a:lstStyle/>
@@ -4295,14 +4204,14 @@
               <a:rPr lang="en-US" smtClean="0"/>
               <a:t>School of Computer Science and Engineering           19BCE1856</a:t>
             </a:r>
-            <a:endParaRPr lang="en-IN" dirty="0"/>
+            <a:endParaRPr lang="en-IN"/>
           </a:p>
         </p:txBody>
       </p:sp>
     </p:spTree>
     <p:extLst>
       <p:ext uri="{BB962C8B-B14F-4D97-AF65-F5344CB8AC3E}">
-        <p14:creationId xmlns:p14="http://schemas.microsoft.com/office/powerpoint/2010/main" val="1893529195"/>
+        <p14:creationId xmlns:p14="http://schemas.microsoft.com/office/powerpoint/2010/main" val="2889557121"/>
       </p:ext>
     </p:extLst>
   </p:cSld>
@@ -4344,11 +4253,7 @@
           <a:bodyPr/>
           <a:lstStyle/>
           <a:p>
-            <a:pPr algn="ctr"/>
-            <a:r>
-              <a:rPr lang="en-US" b="1" dirty="0"/>
-              <a:t>Research Challenges</a:t>
-            </a:r>
+            <a:endParaRPr lang="en-IN"/>
           </a:p>
         </p:txBody>
       </p:sp>
@@ -4367,7 +4272,7 @@
           <a:bodyPr/>
           <a:lstStyle/>
           <a:p>
-            <a:endParaRPr lang="en-US"/>
+            <a:endParaRPr lang="en-IN"/>
           </a:p>
         </p:txBody>
       </p:sp>
@@ -4397,7 +4302,7 @@
     </p:spTree>
     <p:extLst>
       <p:ext uri="{BB962C8B-B14F-4D97-AF65-F5344CB8AC3E}">
-        <p14:creationId xmlns:p14="http://schemas.microsoft.com/office/powerpoint/2010/main" val="1776338052"/>
+        <p14:creationId xmlns:p14="http://schemas.microsoft.com/office/powerpoint/2010/main" val="3496422573"/>
       </p:ext>
     </p:extLst>
   </p:cSld>
@@ -4442,7 +4347,7 @@
             <a:pPr algn="ctr"/>
             <a:r>
               <a:rPr lang="en-IN" b="1" dirty="0" smtClean="0"/>
-              <a:t>Research objectives</a:t>
+              <a:t>Research Gap</a:t>
             </a:r>
             <a:endParaRPr lang="en-IN" b="1" dirty="0"/>
           </a:p>
@@ -4463,7 +4368,28 @@
           <a:bodyPr/>
           <a:lstStyle/>
           <a:p>
-            <a:endParaRPr lang="en-IN"/>
+            <a:r>
+              <a:rPr lang="en-US" dirty="0" smtClean="0"/>
+              <a:t>There has been enormous work in the field of churn prediction however, there is never too late to introduce a better and new way to perform analysis and prediction.</a:t>
+            </a:r>
+          </a:p>
+          <a:p>
+            <a:r>
+              <a:rPr lang="en-US" dirty="0" smtClean="0"/>
+              <a:t>So, I decided to use ANN to perform the analysis.</a:t>
+            </a:r>
+          </a:p>
+          <a:p>
+            <a:r>
+              <a:rPr lang="en-US" dirty="0" smtClean="0"/>
+              <a:t>Even the accuracy, can also be boosted later by using several optimizers in the end, and manipulation of the accuracy or using a gradient booster is also another way to achieve the aim.</a:t>
+            </a:r>
+          </a:p>
+          <a:p>
+            <a:pPr marL="0" indent="0">
+              <a:buNone/>
+            </a:pPr>
+            <a:endParaRPr lang="en-IN" dirty="0"/>
           </a:p>
         </p:txBody>
       </p:sp>
@@ -4477,7 +4403,12 @@
             <p:ph type="ftr" sz="quarter" idx="11"/>
           </p:nvPr>
         </p:nvSpPr>
-        <p:spPr/>
+        <p:spPr>
+          <a:xfrm>
+            <a:off x="2769358" y="6356349"/>
+            <a:ext cx="7043382" cy="365125"/>
+          </a:xfrm>
+        </p:spPr>
         <p:txBody>
           <a:bodyPr/>
           <a:lstStyle/>
@@ -4486,14 +4417,14 @@
               <a:rPr lang="en-US" smtClean="0"/>
               <a:t>School of Computer Science and Engineering           19BCE1856</a:t>
             </a:r>
-            <a:endParaRPr lang="en-IN"/>
+            <a:endParaRPr lang="en-IN" dirty="0"/>
           </a:p>
         </p:txBody>
       </p:sp>
     </p:spTree>
     <p:extLst>
       <p:ext uri="{BB962C8B-B14F-4D97-AF65-F5344CB8AC3E}">
-        <p14:creationId xmlns:p14="http://schemas.microsoft.com/office/powerpoint/2010/main" val="861304491"/>
+        <p14:creationId xmlns:p14="http://schemas.microsoft.com/office/powerpoint/2010/main" val="2572792285"/>
       </p:ext>
     </p:extLst>
   </p:cSld>
@@ -4535,6 +4466,440 @@
           <a:bodyPr/>
           <a:lstStyle/>
           <a:p>
+            <a:pPr algn="ctr"/>
+            <a:r>
+              <a:rPr lang="en-US" b="1" dirty="0" smtClean="0"/>
+              <a:t>Problem Statement</a:t>
+            </a:r>
+            <a:endParaRPr lang="en-US" b="1" dirty="0"/>
+          </a:p>
+        </p:txBody>
+      </p:sp>
+      <p:sp>
+        <p:nvSpPr>
+          <p:cNvPr id="3" name="Content Placeholder 2"/>
+          <p:cNvSpPr>
+            <a:spLocks noGrp="1"/>
+          </p:cNvSpPr>
+          <p:nvPr>
+            <p:ph idx="1"/>
+          </p:nvPr>
+        </p:nvSpPr>
+        <p:spPr/>
+        <p:txBody>
+          <a:bodyPr/>
+          <a:lstStyle/>
+          <a:p>
+            <a:endParaRPr lang="en-US" dirty="0"/>
+          </a:p>
+        </p:txBody>
+      </p:sp>
+      <p:sp>
+        <p:nvSpPr>
+          <p:cNvPr id="4" name="Footer Placeholder 3"/>
+          <p:cNvSpPr>
+            <a:spLocks noGrp="1"/>
+          </p:cNvSpPr>
+          <p:nvPr>
+            <p:ph type="ftr" sz="quarter" idx="11"/>
+          </p:nvPr>
+        </p:nvSpPr>
+        <p:spPr>
+          <a:xfrm>
+            <a:off x="4038600" y="6356350"/>
+            <a:ext cx="5241878" cy="365125"/>
+          </a:xfrm>
+        </p:spPr>
+        <p:txBody>
+          <a:bodyPr/>
+          <a:lstStyle/>
+          <a:p>
+            <a:r>
+              <a:rPr lang="en-US" smtClean="0"/>
+              <a:t>School of Computer Science and Engineering           19BCE1856</a:t>
+            </a:r>
+            <a:endParaRPr lang="en-IN" dirty="0"/>
+          </a:p>
+        </p:txBody>
+      </p:sp>
+    </p:spTree>
+    <p:extLst>
+      <p:ext uri="{BB962C8B-B14F-4D97-AF65-F5344CB8AC3E}">
+        <p14:creationId xmlns:p14="http://schemas.microsoft.com/office/powerpoint/2010/main" val="3929419351"/>
+      </p:ext>
+    </p:extLst>
+  </p:cSld>
+  <p:clrMapOvr>
+    <a:masterClrMapping/>
+  </p:clrMapOvr>
+</p:sld>
+</file>
+
+<file path=ppt/slides/slide16.xml><?xml version="1.0" encoding="utf-8"?>
+<p:sld xmlns:a="http://schemas.openxmlformats.org/drawingml/2006/main" xmlns:r="http://schemas.openxmlformats.org/officeDocument/2006/relationships" xmlns:p="http://schemas.openxmlformats.org/presentationml/2006/main">
+  <p:cSld>
+    <p:spTree>
+      <p:nvGrpSpPr>
+        <p:cNvPr id="1" name=""/>
+        <p:cNvGrpSpPr/>
+        <p:nvPr/>
+      </p:nvGrpSpPr>
+      <p:grpSpPr>
+        <a:xfrm>
+          <a:off x="0" y="0"/>
+          <a:ext cx="0" cy="0"/>
+          <a:chOff x="0" y="0"/>
+          <a:chExt cx="0" cy="0"/>
+        </a:xfrm>
+      </p:grpSpPr>
+      <p:sp>
+        <p:nvSpPr>
+          <p:cNvPr id="2" name="Title 1"/>
+          <p:cNvSpPr>
+            <a:spLocks noGrp="1"/>
+          </p:cNvSpPr>
+          <p:nvPr>
+            <p:ph type="title"/>
+          </p:nvPr>
+        </p:nvSpPr>
+        <p:spPr/>
+        <p:txBody>
+          <a:bodyPr/>
+          <a:lstStyle/>
+          <a:p>
+            <a:pPr algn="ctr"/>
+            <a:r>
+              <a:rPr lang="en-IN" b="1" dirty="0" smtClean="0"/>
+              <a:t>Research Motivation</a:t>
+            </a:r>
+            <a:endParaRPr lang="en-IN" b="1" dirty="0"/>
+          </a:p>
+        </p:txBody>
+      </p:sp>
+      <p:sp>
+        <p:nvSpPr>
+          <p:cNvPr id="3" name="Content Placeholder 2"/>
+          <p:cNvSpPr>
+            <a:spLocks noGrp="1"/>
+          </p:cNvSpPr>
+          <p:nvPr>
+            <p:ph idx="1"/>
+          </p:nvPr>
+        </p:nvSpPr>
+        <p:spPr/>
+        <p:txBody>
+          <a:bodyPr/>
+          <a:lstStyle/>
+          <a:p>
+            <a:r>
+              <a:rPr lang="en-US" dirty="0" smtClean="0"/>
+              <a:t>I was very much motivated to do </a:t>
+            </a:r>
+            <a:r>
+              <a:rPr lang="en-US" dirty="0" smtClean="0"/>
+              <a:t>something in the field of E-commerce as everyone has heard of the Tech-giants amazon and Flipkart and I always wanted to set up something like this.</a:t>
+            </a:r>
+          </a:p>
+          <a:p>
+            <a:r>
+              <a:rPr lang="en-US" dirty="0" smtClean="0"/>
+              <a:t>I heard that there are many bug bounties challenges by these companies and </a:t>
+            </a:r>
+            <a:r>
+              <a:rPr lang="en-US" dirty="0" smtClean="0"/>
+              <a:t>I got to know that there are flaws in these Tech-giants.</a:t>
+            </a:r>
+          </a:p>
+          <a:p>
+            <a:r>
+              <a:rPr lang="en-US" dirty="0" smtClean="0"/>
+              <a:t>So, I got to know about Machine Learning and I found it really interesting how these MNCs automate their process, then I heard about Waymo</a:t>
+            </a:r>
+            <a:r>
+              <a:rPr lang="en-US" dirty="0" smtClean="0"/>
+              <a:t>, Texas has an automatic Cab system throughout the city, and it’s very efficient. So, I started diving deep into this field. </a:t>
+            </a:r>
+            <a:endParaRPr lang="en-IN" dirty="0"/>
+          </a:p>
+        </p:txBody>
+      </p:sp>
+      <p:sp>
+        <p:nvSpPr>
+          <p:cNvPr id="4" name="Footer Placeholder 3"/>
+          <p:cNvSpPr>
+            <a:spLocks noGrp="1"/>
+          </p:cNvSpPr>
+          <p:nvPr>
+            <p:ph type="ftr" sz="quarter" idx="11"/>
+          </p:nvPr>
+        </p:nvSpPr>
+        <p:spPr>
+          <a:xfrm>
+            <a:off x="4038599" y="6356350"/>
+            <a:ext cx="4818797" cy="365125"/>
+          </a:xfrm>
+        </p:spPr>
+        <p:txBody>
+          <a:bodyPr/>
+          <a:lstStyle/>
+          <a:p>
+            <a:r>
+              <a:rPr lang="en-US" smtClean="0"/>
+              <a:t>School of Computer Science and Engineering           19BCE1856</a:t>
+            </a:r>
+            <a:endParaRPr lang="en-IN" dirty="0"/>
+          </a:p>
+        </p:txBody>
+      </p:sp>
+    </p:spTree>
+    <p:extLst>
+      <p:ext uri="{BB962C8B-B14F-4D97-AF65-F5344CB8AC3E}">
+        <p14:creationId xmlns:p14="http://schemas.microsoft.com/office/powerpoint/2010/main" val="1893529195"/>
+      </p:ext>
+    </p:extLst>
+  </p:cSld>
+  <p:clrMapOvr>
+    <a:masterClrMapping/>
+  </p:clrMapOvr>
+</p:sld>
+</file>
+
+<file path=ppt/slides/slide17.xml><?xml version="1.0" encoding="utf-8"?>
+<p:sld xmlns:a="http://schemas.openxmlformats.org/drawingml/2006/main" xmlns:r="http://schemas.openxmlformats.org/officeDocument/2006/relationships" xmlns:p="http://schemas.openxmlformats.org/presentationml/2006/main">
+  <p:cSld>
+    <p:spTree>
+      <p:nvGrpSpPr>
+        <p:cNvPr id="1" name=""/>
+        <p:cNvGrpSpPr/>
+        <p:nvPr/>
+      </p:nvGrpSpPr>
+      <p:grpSpPr>
+        <a:xfrm>
+          <a:off x="0" y="0"/>
+          <a:ext cx="0" cy="0"/>
+          <a:chOff x="0" y="0"/>
+          <a:chExt cx="0" cy="0"/>
+        </a:xfrm>
+      </p:grpSpPr>
+      <p:sp>
+        <p:nvSpPr>
+          <p:cNvPr id="2" name="Title 1"/>
+          <p:cNvSpPr>
+            <a:spLocks noGrp="1"/>
+          </p:cNvSpPr>
+          <p:nvPr>
+            <p:ph type="title"/>
+          </p:nvPr>
+        </p:nvSpPr>
+        <p:spPr/>
+        <p:txBody>
+          <a:bodyPr/>
+          <a:lstStyle/>
+          <a:p>
+            <a:pPr algn="ctr"/>
+            <a:r>
+              <a:rPr lang="en-US" b="1" dirty="0"/>
+              <a:t>Research Challenges</a:t>
+            </a:r>
+          </a:p>
+        </p:txBody>
+      </p:sp>
+      <p:sp>
+        <p:nvSpPr>
+          <p:cNvPr id="3" name="Content Placeholder 2"/>
+          <p:cNvSpPr>
+            <a:spLocks noGrp="1"/>
+          </p:cNvSpPr>
+          <p:nvPr>
+            <p:ph idx="1"/>
+          </p:nvPr>
+        </p:nvSpPr>
+        <p:spPr/>
+        <p:txBody>
+          <a:bodyPr/>
+          <a:lstStyle/>
+          <a:p>
+            <a:r>
+              <a:rPr lang="en-US" dirty="0" smtClean="0"/>
+              <a:t>I faced many issues as most of the Research papers in this field are to predict Telecommunication customer churn, so whenever I searched for E-commerce, it was very tough to find.</a:t>
+            </a:r>
+            <a:endParaRPr lang="en-US" dirty="0"/>
+          </a:p>
+          <a:p>
+            <a:r>
+              <a:rPr lang="en-US" dirty="0" smtClean="0"/>
+              <a:t>Companies like Dunnsolution have made the E-commerce world a competitive market as they are specially providing their services in this field to have all sorts of models.</a:t>
+            </a:r>
+          </a:p>
+          <a:p>
+            <a:endParaRPr lang="en-US" dirty="0" smtClean="0"/>
+          </a:p>
+        </p:txBody>
+      </p:sp>
+      <p:sp>
+        <p:nvSpPr>
+          <p:cNvPr id="4" name="Footer Placeholder 3"/>
+          <p:cNvSpPr>
+            <a:spLocks noGrp="1"/>
+          </p:cNvSpPr>
+          <p:nvPr>
+            <p:ph type="ftr" sz="quarter" idx="11"/>
+          </p:nvPr>
+        </p:nvSpPr>
+        <p:spPr/>
+        <p:txBody>
+          <a:bodyPr/>
+          <a:lstStyle/>
+          <a:p>
+            <a:r>
+              <a:rPr lang="en-US" smtClean="0"/>
+              <a:t>School of Computer Science and Engineering           19BCE1856</a:t>
+            </a:r>
+            <a:endParaRPr lang="en-IN"/>
+          </a:p>
+        </p:txBody>
+      </p:sp>
+    </p:spTree>
+    <p:extLst>
+      <p:ext uri="{BB962C8B-B14F-4D97-AF65-F5344CB8AC3E}">
+        <p14:creationId xmlns:p14="http://schemas.microsoft.com/office/powerpoint/2010/main" val="1776338052"/>
+      </p:ext>
+    </p:extLst>
+  </p:cSld>
+  <p:clrMapOvr>
+    <a:masterClrMapping/>
+  </p:clrMapOvr>
+</p:sld>
+</file>
+
+<file path=ppt/slides/slide18.xml><?xml version="1.0" encoding="utf-8"?>
+<p:sld xmlns:a="http://schemas.openxmlformats.org/drawingml/2006/main" xmlns:r="http://schemas.openxmlformats.org/officeDocument/2006/relationships" xmlns:p="http://schemas.openxmlformats.org/presentationml/2006/main">
+  <p:cSld>
+    <p:spTree>
+      <p:nvGrpSpPr>
+        <p:cNvPr id="1" name=""/>
+        <p:cNvGrpSpPr/>
+        <p:nvPr/>
+      </p:nvGrpSpPr>
+      <p:grpSpPr>
+        <a:xfrm>
+          <a:off x="0" y="0"/>
+          <a:ext cx="0" cy="0"/>
+          <a:chOff x="0" y="0"/>
+          <a:chExt cx="0" cy="0"/>
+        </a:xfrm>
+      </p:grpSpPr>
+      <p:sp>
+        <p:nvSpPr>
+          <p:cNvPr id="2" name="Title 1"/>
+          <p:cNvSpPr>
+            <a:spLocks noGrp="1"/>
+          </p:cNvSpPr>
+          <p:nvPr>
+            <p:ph type="title"/>
+          </p:nvPr>
+        </p:nvSpPr>
+        <p:spPr/>
+        <p:txBody>
+          <a:bodyPr/>
+          <a:lstStyle/>
+          <a:p>
+            <a:pPr algn="ctr"/>
+            <a:r>
+              <a:rPr lang="en-IN" b="1" dirty="0" smtClean="0"/>
+              <a:t>Research objectives</a:t>
+            </a:r>
+            <a:endParaRPr lang="en-IN" b="1" dirty="0"/>
+          </a:p>
+        </p:txBody>
+      </p:sp>
+      <p:sp>
+        <p:nvSpPr>
+          <p:cNvPr id="3" name="Content Placeholder 2"/>
+          <p:cNvSpPr>
+            <a:spLocks noGrp="1"/>
+          </p:cNvSpPr>
+          <p:nvPr>
+            <p:ph idx="1"/>
+          </p:nvPr>
+        </p:nvSpPr>
+        <p:spPr/>
+        <p:txBody>
+          <a:bodyPr/>
+          <a:lstStyle/>
+          <a:p>
+            <a:endParaRPr lang="en-IN"/>
+          </a:p>
+        </p:txBody>
+      </p:sp>
+      <p:sp>
+        <p:nvSpPr>
+          <p:cNvPr id="4" name="Footer Placeholder 3"/>
+          <p:cNvSpPr>
+            <a:spLocks noGrp="1"/>
+          </p:cNvSpPr>
+          <p:nvPr>
+            <p:ph type="ftr" sz="quarter" idx="11"/>
+          </p:nvPr>
+        </p:nvSpPr>
+        <p:spPr/>
+        <p:txBody>
+          <a:bodyPr/>
+          <a:lstStyle/>
+          <a:p>
+            <a:r>
+              <a:rPr lang="en-US" smtClean="0"/>
+              <a:t>School of Computer Science and Engineering           19BCE1856</a:t>
+            </a:r>
+            <a:endParaRPr lang="en-IN"/>
+          </a:p>
+        </p:txBody>
+      </p:sp>
+    </p:spTree>
+    <p:extLst>
+      <p:ext uri="{BB962C8B-B14F-4D97-AF65-F5344CB8AC3E}">
+        <p14:creationId xmlns:p14="http://schemas.microsoft.com/office/powerpoint/2010/main" val="861304491"/>
+      </p:ext>
+    </p:extLst>
+  </p:cSld>
+  <p:clrMapOvr>
+    <a:masterClrMapping/>
+  </p:clrMapOvr>
+</p:sld>
+</file>
+
+<file path=ppt/slides/slide19.xml><?xml version="1.0" encoding="utf-8"?>
+<p:sld xmlns:a="http://schemas.openxmlformats.org/drawingml/2006/main" xmlns:r="http://schemas.openxmlformats.org/officeDocument/2006/relationships" xmlns:p="http://schemas.openxmlformats.org/presentationml/2006/main">
+  <p:cSld>
+    <p:spTree>
+      <p:nvGrpSpPr>
+        <p:cNvPr id="1" name=""/>
+        <p:cNvGrpSpPr/>
+        <p:nvPr/>
+      </p:nvGrpSpPr>
+      <p:grpSpPr>
+        <a:xfrm>
+          <a:off x="0" y="0"/>
+          <a:ext cx="0" cy="0"/>
+          <a:chOff x="0" y="0"/>
+          <a:chExt cx="0" cy="0"/>
+        </a:xfrm>
+      </p:grpSpPr>
+      <p:sp>
+        <p:nvSpPr>
+          <p:cNvPr id="2" name="Title 1"/>
+          <p:cNvSpPr>
+            <a:spLocks noGrp="1"/>
+          </p:cNvSpPr>
+          <p:nvPr>
+            <p:ph type="title"/>
+          </p:nvPr>
+        </p:nvSpPr>
+        <p:spPr/>
+        <p:txBody>
+          <a:bodyPr/>
+          <a:lstStyle/>
+          <a:p>
             <a:r>
               <a:rPr lang="en-IN" b="1" dirty="0" smtClean="0"/>
               <a:t>Work to be Completed</a:t>
@@ -4570,6 +4935,28 @@
           <a:bodyPr/>
           <a:lstStyle/>
           <a:p>
+            <a:r>
+              <a:rPr lang="en-US" dirty="0" smtClean="0"/>
+              <a:t>I have just started to write the Research paper as most of the time I have worked to collect information on Recent Research in this field.</a:t>
+            </a:r>
+          </a:p>
+          <a:p>
+            <a:r>
+              <a:rPr lang="en-US" dirty="0" smtClean="0"/>
+              <a:t>I have to collect more information and then compile my answer with two or three approaches to the problem.</a:t>
+            </a:r>
+          </a:p>
+          <a:p>
+            <a:r>
+              <a:rPr lang="en-US" dirty="0" smtClean="0"/>
+              <a:t>As some of the approaches give better results with more space utilization and vice versa.</a:t>
+            </a:r>
+          </a:p>
+          <a:p>
+            <a:r>
+              <a:rPr lang="en-US" dirty="0" smtClean="0"/>
+              <a:t>So, I will be telling you all the good approaches.</a:t>
+            </a:r>
             <a:endParaRPr lang="en-IN" dirty="0"/>
           </a:p>
         </p:txBody>
@@ -4610,7 +4997,220 @@
 </p:sld>
 </file>
 
-<file path=ppt/slides/slide16.xml><?xml version="1.0" encoding="utf-8"?>
+<file path=ppt/slides/slide2.xml><?xml version="1.0" encoding="utf-8"?>
+<p:sld xmlns:a="http://schemas.openxmlformats.org/drawingml/2006/main" xmlns:r="http://schemas.openxmlformats.org/officeDocument/2006/relationships" xmlns:p="http://schemas.openxmlformats.org/presentationml/2006/main">
+  <p:cSld>
+    <p:spTree>
+      <p:nvGrpSpPr>
+        <p:cNvPr id="1" name=""/>
+        <p:cNvGrpSpPr/>
+        <p:nvPr/>
+      </p:nvGrpSpPr>
+      <p:grpSpPr>
+        <a:xfrm>
+          <a:off x="0" y="0"/>
+          <a:ext cx="0" cy="0"/>
+          <a:chOff x="0" y="0"/>
+          <a:chExt cx="0" cy="0"/>
+        </a:xfrm>
+      </p:grpSpPr>
+      <p:sp>
+        <p:nvSpPr>
+          <p:cNvPr id="2" name="Title 1"/>
+          <p:cNvSpPr>
+            <a:spLocks noGrp="1"/>
+          </p:cNvSpPr>
+          <p:nvPr>
+            <p:ph type="title"/>
+          </p:nvPr>
+        </p:nvSpPr>
+        <p:spPr/>
+        <p:txBody>
+          <a:bodyPr/>
+          <a:lstStyle/>
+          <a:p>
+            <a:pPr algn="ctr"/>
+            <a:r>
+              <a:rPr lang="en-IN" b="1" dirty="0" smtClean="0"/>
+              <a:t>Outline</a:t>
+            </a:r>
+            <a:endParaRPr lang="en-IN" b="1" dirty="0"/>
+          </a:p>
+        </p:txBody>
+      </p:sp>
+      <p:sp>
+        <p:nvSpPr>
+          <p:cNvPr id="3" name="Content Placeholder 2"/>
+          <p:cNvSpPr>
+            <a:spLocks noGrp="1"/>
+          </p:cNvSpPr>
+          <p:nvPr>
+            <p:ph idx="1"/>
+          </p:nvPr>
+        </p:nvSpPr>
+        <p:spPr>
+          <a:xfrm>
+            <a:off x="838200" y="1690688"/>
+            <a:ext cx="10515600" cy="4351338"/>
+          </a:xfrm>
+        </p:spPr>
+        <p:txBody>
+          <a:bodyPr>
+            <a:normAutofit fontScale="77500" lnSpcReduction="20000"/>
+          </a:bodyPr>
+          <a:lstStyle/>
+          <a:p>
+            <a:r>
+              <a:rPr lang="en-US" dirty="0" smtClean="0"/>
+              <a:t>Introduction</a:t>
+            </a:r>
+            <a:endParaRPr lang="en-US" dirty="0"/>
+          </a:p>
+          <a:p>
+            <a:r>
+              <a:rPr lang="en-US" dirty="0" smtClean="0"/>
+              <a:t>Literature </a:t>
+            </a:r>
+            <a:r>
+              <a:rPr lang="en-US" dirty="0"/>
+              <a:t>Review (15 Latest Papers – Minimum - from Reputed Journals/Conferences</a:t>
+            </a:r>
+            <a:r>
+              <a:rPr lang="en-US" dirty="0" smtClean="0"/>
+              <a:t>)</a:t>
+            </a:r>
+          </a:p>
+          <a:p>
+            <a:r>
+              <a:rPr lang="en-US" dirty="0" smtClean="0"/>
+              <a:t>Research Gap</a:t>
+            </a:r>
+            <a:endParaRPr lang="en-US" dirty="0"/>
+          </a:p>
+          <a:p>
+            <a:r>
+              <a:rPr lang="en-US" dirty="0" smtClean="0"/>
+              <a:t>Problem </a:t>
+            </a:r>
+            <a:r>
+              <a:rPr lang="en-US" dirty="0"/>
+              <a:t>Statement </a:t>
+            </a:r>
+            <a:endParaRPr lang="en-US" dirty="0" smtClean="0"/>
+          </a:p>
+          <a:p>
+            <a:r>
+              <a:rPr lang="en-US" dirty="0"/>
+              <a:t>Research Motivation</a:t>
+            </a:r>
+            <a:endParaRPr lang="en-US" dirty="0" smtClean="0"/>
+          </a:p>
+          <a:p>
+            <a:r>
+              <a:rPr lang="en-US" dirty="0" smtClean="0"/>
+              <a:t> </a:t>
+            </a:r>
+            <a:r>
+              <a:rPr lang="en-US" dirty="0"/>
+              <a:t>Research </a:t>
+            </a:r>
+            <a:r>
+              <a:rPr lang="en-US" dirty="0" smtClean="0"/>
+              <a:t>Challenges</a:t>
+            </a:r>
+            <a:endParaRPr lang="en-US" dirty="0"/>
+          </a:p>
+          <a:p>
+            <a:r>
+              <a:rPr lang="en-US" dirty="0" smtClean="0"/>
+              <a:t>Research </a:t>
+            </a:r>
+            <a:r>
+              <a:rPr lang="en-US" dirty="0"/>
+              <a:t>Objective </a:t>
+            </a:r>
+          </a:p>
+          <a:p>
+            <a:r>
+              <a:rPr lang="en-US" dirty="0" smtClean="0"/>
+              <a:t>What </a:t>
+            </a:r>
+            <a:r>
+              <a:rPr lang="en-US" dirty="0"/>
+              <a:t>is to be done next (1 Slide)</a:t>
+            </a:r>
+          </a:p>
+          <a:p>
+            <a:r>
+              <a:rPr lang="en-US" dirty="0" smtClean="0"/>
+              <a:t>Research </a:t>
+            </a:r>
+            <a:r>
+              <a:rPr lang="en-US" dirty="0"/>
+              <a:t>Paper Status</a:t>
+            </a:r>
+          </a:p>
+          <a:p>
+            <a:r>
+              <a:rPr lang="en-US" dirty="0" smtClean="0"/>
+              <a:t>Guide </a:t>
+            </a:r>
+            <a:r>
+              <a:rPr lang="en-US" dirty="0"/>
+              <a:t>Approval mail snapshot</a:t>
+            </a:r>
+          </a:p>
+          <a:p>
+            <a:r>
+              <a:rPr lang="en-US" dirty="0" smtClean="0"/>
+              <a:t>References</a:t>
+            </a:r>
+            <a:endParaRPr lang="en-IN" dirty="0"/>
+          </a:p>
+        </p:txBody>
+      </p:sp>
+      <p:sp>
+        <p:nvSpPr>
+          <p:cNvPr id="4" name="Footer Placeholder 3"/>
+          <p:cNvSpPr>
+            <a:spLocks noGrp="1"/>
+          </p:cNvSpPr>
+          <p:nvPr>
+            <p:ph type="ftr" sz="quarter" idx="11"/>
+          </p:nvPr>
+        </p:nvSpPr>
+        <p:spPr>
+          <a:xfrm>
+            <a:off x="4038600" y="6356350"/>
+            <a:ext cx="6483824" cy="365125"/>
+          </a:xfrm>
+        </p:spPr>
+        <p:txBody>
+          <a:bodyPr/>
+          <a:lstStyle/>
+          <a:p>
+            <a:r>
+              <a:rPr lang="en-US" smtClean="0"/>
+              <a:t>School of Computer Science and Engineering           19BCE1856</a:t>
+            </a:r>
+            <a:endParaRPr lang="en-IN" dirty="0"/>
+          </a:p>
+        </p:txBody>
+      </p:sp>
+    </p:spTree>
+    <p:extLst>
+      <p:ext uri="{BB962C8B-B14F-4D97-AF65-F5344CB8AC3E}">
+        <p14:creationId xmlns:p14="http://schemas.microsoft.com/office/powerpoint/2010/main" val="4101734483"/>
+      </p:ext>
+    </p:extLst>
+  </p:cSld>
+  <p:clrMapOvr>
+    <a:masterClrMapping/>
+  </p:clrMapOvr>
+</p:sld>
+</file>
+
+<file path=ppt/slides/slide20.xml><?xml version="1.0" encoding="utf-8"?>
 <p:sld xmlns:a="http://schemas.openxmlformats.org/drawingml/2006/main" xmlns:r="http://schemas.openxmlformats.org/officeDocument/2006/relationships" xmlns:p="http://schemas.openxmlformats.org/presentationml/2006/main">
   <p:cSld>
     <p:spTree>
@@ -4709,7 +5309,7 @@
 </p:sld>
 </file>
 
-<file path=ppt/slides/slide17.xml><?xml version="1.0" encoding="utf-8"?>
+<file path=ppt/slides/slide21.xml><?xml version="1.0" encoding="utf-8"?>
 <p:sld xmlns:a="http://schemas.openxmlformats.org/drawingml/2006/main" xmlns:r="http://schemas.openxmlformats.org/officeDocument/2006/relationships" xmlns:p="http://schemas.openxmlformats.org/presentationml/2006/main">
   <p:cSld>
     <p:spTree>
@@ -4830,7 +5430,7 @@
 </p:sld>
 </file>
 
-<file path=ppt/slides/slide18.xml><?xml version="1.0" encoding="utf-8"?>
+<file path=ppt/slides/slide22.xml><?xml version="1.0" encoding="utf-8"?>
 <p:sld xmlns:a="http://schemas.openxmlformats.org/drawingml/2006/main" xmlns:r="http://schemas.openxmlformats.org/officeDocument/2006/relationships" xmlns:p="http://schemas.openxmlformats.org/presentationml/2006/main">
   <p:cSld>
     <p:spTree>
@@ -4894,45 +5494,200 @@
         </p:nvSpPr>
         <p:spPr/>
         <p:txBody>
-          <a:bodyPr/>
-          <a:lstStyle/>
-          <a:p>
-            <a:pPr marL="0" indent="0" algn="just">
+          <a:bodyPr>
+            <a:normAutofit/>
+          </a:bodyPr>
+          <a:lstStyle/>
+          <a:p>
+            <a:r>
+              <a:rPr lang="en-IN" b="1" dirty="0" smtClean="0"/>
+              <a:t>Customer </a:t>
+            </a:r>
+            <a:r>
+              <a:rPr lang="en-IN" b="1" dirty="0"/>
+              <a:t>Lifetime Value Prediction Using </a:t>
+            </a:r>
+            <a:r>
+              <a:rPr lang="en-IN" b="1" dirty="0" smtClean="0"/>
+              <a:t>Embeddings</a:t>
+            </a:r>
+          </a:p>
+          <a:p>
+            <a:pPr marL="457200" lvl="1" indent="0">
               <a:buNone/>
             </a:pPr>
             <a:r>
-              <a:rPr lang="en-IN" dirty="0" smtClean="0"/>
-              <a:t>[1] </a:t>
-            </a:r>
-            <a:r>
-              <a:rPr lang="en-US" dirty="0"/>
-              <a:t>Jordan, M. I., &amp; Mitchell, T. M. (2015). Machine learning: Trends, perspectives, and prospects. Science, 349(6245), 255-260.</a:t>
-            </a:r>
-          </a:p>
-          <a:p>
-            <a:pPr marL="0" indent="0" algn="just">
+              <a:rPr lang="en-IN" dirty="0" smtClean="0">
+                <a:solidFill>
+                  <a:schemeClr val="accent1">
+                    <a:lumMod val="75000"/>
+                  </a:schemeClr>
+                </a:solidFill>
+              </a:rPr>
+              <a:t>Benjamin </a:t>
+            </a:r>
+            <a:r>
+              <a:rPr lang="en-IN" dirty="0">
+                <a:solidFill>
+                  <a:schemeClr val="accent1">
+                    <a:lumMod val="75000"/>
+                  </a:schemeClr>
+                </a:solidFill>
+              </a:rPr>
+              <a:t>Paul Chamberlain, Angelo Cardoso, C.H. Bryan Liu, Roberto Pagliari, Marc Peter </a:t>
+            </a:r>
+            <a:r>
+              <a:rPr lang="en-IN" dirty="0" smtClean="0">
+                <a:solidFill>
+                  <a:schemeClr val="accent1">
+                    <a:lumMod val="75000"/>
+                  </a:schemeClr>
+                </a:solidFill>
+              </a:rPr>
+              <a:t>Deisenroth</a:t>
+            </a:r>
+            <a:endParaRPr lang="en-IN" b="1" dirty="0"/>
+          </a:p>
+          <a:p>
+            <a:r>
+              <a:rPr lang="en-IN" b="1" dirty="0" smtClean="0"/>
+              <a:t>Churn </a:t>
+            </a:r>
+            <a:r>
+              <a:rPr lang="en-IN" b="1" dirty="0"/>
+              <a:t>Prediction: Does Technology Matter? </a:t>
+            </a:r>
+            <a:endParaRPr lang="en-IN" b="1" dirty="0" smtClean="0"/>
+          </a:p>
+          <a:p>
+            <a:pPr marL="457200" lvl="1" indent="0">
               <a:buNone/>
             </a:pPr>
-            <a:endParaRPr lang="en-US" dirty="0"/>
-          </a:p>
-          <a:p>
-            <a:pPr marL="0" indent="0" algn="just">
+            <a:r>
+              <a:rPr lang="en-IN" dirty="0" smtClean="0">
+                <a:solidFill>
+                  <a:schemeClr val="accent1">
+                    <a:lumMod val="75000"/>
+                  </a:schemeClr>
+                </a:solidFill>
+              </a:rPr>
+              <a:t>John </a:t>
+            </a:r>
+            <a:r>
+              <a:rPr lang="en-IN" dirty="0">
+                <a:solidFill>
+                  <a:schemeClr val="accent1">
+                    <a:lumMod val="75000"/>
+                  </a:schemeClr>
+                </a:solidFill>
+              </a:rPr>
+              <a:t>Hadden, Ashutosh Tiwari, Rajkumar Roy, and Dymitr </a:t>
+            </a:r>
+            <a:r>
+              <a:rPr lang="en-IN" dirty="0" smtClean="0">
+                <a:solidFill>
+                  <a:schemeClr val="accent1">
+                    <a:lumMod val="75000"/>
+                  </a:schemeClr>
+                </a:solidFill>
+              </a:rPr>
+              <a:t>Ruta</a:t>
+            </a:r>
+            <a:endParaRPr lang="en-IN" dirty="0">
+              <a:solidFill>
+                <a:schemeClr val="accent1">
+                  <a:lumMod val="75000"/>
+                </a:schemeClr>
+              </a:solidFill>
+            </a:endParaRPr>
+          </a:p>
+          <a:p>
+            <a:r>
+              <a:rPr lang="en-IN" b="1" dirty="0"/>
+              <a:t>Online Fashion Commerce: Modelling Customer Promise </a:t>
+            </a:r>
+            <a:r>
+              <a:rPr lang="en-IN" b="1" dirty="0" smtClean="0"/>
+              <a:t>Date</a:t>
+            </a:r>
+            <a:endParaRPr lang="en-IN" b="1" dirty="0"/>
+          </a:p>
+          <a:p>
+            <a:pPr marL="457200" lvl="1" indent="0">
               <a:buNone/>
             </a:pPr>
             <a:r>
-              <a:rPr lang="en-US" dirty="0" smtClean="0"/>
-              <a:t>[2] Shah</a:t>
-            </a:r>
-            <a:r>
-              <a:rPr lang="en-US" dirty="0"/>
-              <a:t>, D., Patel, S., &amp; Bharti, S. K. (2020). Heart disease prediction using machine learning techniques. SN Computer Science, 1(6), 1-6.</a:t>
-            </a:r>
-          </a:p>
-          <a:p>
-            <a:pPr marL="0" indent="0">
+              <a:rPr lang="en-IN" dirty="0" smtClean="0">
+                <a:solidFill>
+                  <a:schemeClr val="accent1">
+                    <a:lumMod val="75000"/>
+                  </a:schemeClr>
+                </a:solidFill>
+              </a:rPr>
+              <a:t>Preethi V, </a:t>
+            </a:r>
+            <a:r>
+              <a:rPr lang="en-IN" dirty="0">
+                <a:solidFill>
+                  <a:schemeClr val="accent1">
+                    <a:lumMod val="75000"/>
+                  </a:schemeClr>
+                </a:solidFill>
+              </a:rPr>
+              <a:t>Nachiappan </a:t>
+            </a:r>
+            <a:r>
+              <a:rPr lang="en-IN" dirty="0" smtClean="0">
+                <a:solidFill>
+                  <a:schemeClr val="accent1">
+                    <a:lumMod val="75000"/>
+                  </a:schemeClr>
+                </a:solidFill>
+              </a:rPr>
+              <a:t>Sundaram, </a:t>
+            </a:r>
+            <a:r>
+              <a:rPr lang="en-IN" dirty="0">
+                <a:solidFill>
+                  <a:schemeClr val="accent1">
+                    <a:lumMod val="75000"/>
+                  </a:schemeClr>
+                </a:solidFill>
+              </a:rPr>
+              <a:t>Ravindra Babu Tallamraju</a:t>
+            </a:r>
+          </a:p>
+          <a:p>
+            <a:r>
+              <a:rPr lang="en-US" b="1" dirty="0"/>
+              <a:t>An Integrated Framework to Recommend Personalized Retention Actions to Control B2C E-Commerce Customer Churn </a:t>
+            </a:r>
+            <a:endParaRPr lang="en-US" b="1" dirty="0" smtClean="0"/>
+          </a:p>
+          <a:p>
+            <a:pPr marL="457200" lvl="1" indent="0">
               <a:buNone/>
             </a:pPr>
-            <a:endParaRPr lang="en-US" dirty="0"/>
+            <a:r>
+              <a:rPr lang="en-US" dirty="0" smtClean="0">
+                <a:solidFill>
+                  <a:schemeClr val="accent1">
+                    <a:lumMod val="75000"/>
+                  </a:schemeClr>
+                </a:solidFill>
+              </a:rPr>
+              <a:t>Shini </a:t>
+            </a:r>
+            <a:r>
+              <a:rPr lang="en-US" dirty="0">
+                <a:solidFill>
+                  <a:schemeClr val="accent1">
+                    <a:lumMod val="75000"/>
+                  </a:schemeClr>
+                </a:solidFill>
+              </a:rPr>
+              <a:t>Renjith </a:t>
+            </a:r>
           </a:p>
           <a:p>
             <a:pPr marL="0" indent="0">
@@ -4990,7 +5745,7 @@
 </p:sld>
 </file>
 
-<file path=ppt/slides/slide19.xml><?xml version="1.0" encoding="utf-8"?>
+<file path=ppt/slides/slide23.xml><?xml version="1.0" encoding="utf-8"?>
 <p:sld xmlns:a="http://schemas.openxmlformats.org/drawingml/2006/main" xmlns:r="http://schemas.openxmlformats.org/officeDocument/2006/relationships" xmlns:p="http://schemas.openxmlformats.org/presentationml/2006/main">
   <p:cSld>
     <p:spTree>
@@ -5057,219 +5812,6 @@
     <p:extLst>
       <p:ext uri="{BB962C8B-B14F-4D97-AF65-F5344CB8AC3E}">
         <p14:creationId xmlns:p14="http://schemas.microsoft.com/office/powerpoint/2010/main" val="1885494107"/>
-      </p:ext>
-    </p:extLst>
-  </p:cSld>
-  <p:clrMapOvr>
-    <a:masterClrMapping/>
-  </p:clrMapOvr>
-</p:sld>
-</file>
-
-<file path=ppt/slides/slide2.xml><?xml version="1.0" encoding="utf-8"?>
-<p:sld xmlns:a="http://schemas.openxmlformats.org/drawingml/2006/main" xmlns:r="http://schemas.openxmlformats.org/officeDocument/2006/relationships" xmlns:p="http://schemas.openxmlformats.org/presentationml/2006/main">
-  <p:cSld>
-    <p:spTree>
-      <p:nvGrpSpPr>
-        <p:cNvPr id="1" name=""/>
-        <p:cNvGrpSpPr/>
-        <p:nvPr/>
-      </p:nvGrpSpPr>
-      <p:grpSpPr>
-        <a:xfrm>
-          <a:off x="0" y="0"/>
-          <a:ext cx="0" cy="0"/>
-          <a:chOff x="0" y="0"/>
-          <a:chExt cx="0" cy="0"/>
-        </a:xfrm>
-      </p:grpSpPr>
-      <p:sp>
-        <p:nvSpPr>
-          <p:cNvPr id="2" name="Title 1"/>
-          <p:cNvSpPr>
-            <a:spLocks noGrp="1"/>
-          </p:cNvSpPr>
-          <p:nvPr>
-            <p:ph type="title"/>
-          </p:nvPr>
-        </p:nvSpPr>
-        <p:spPr/>
-        <p:txBody>
-          <a:bodyPr/>
-          <a:lstStyle/>
-          <a:p>
-            <a:pPr algn="ctr"/>
-            <a:r>
-              <a:rPr lang="en-IN" b="1" dirty="0" smtClean="0"/>
-              <a:t>Outline</a:t>
-            </a:r>
-            <a:endParaRPr lang="en-IN" b="1" dirty="0"/>
-          </a:p>
-        </p:txBody>
-      </p:sp>
-      <p:sp>
-        <p:nvSpPr>
-          <p:cNvPr id="3" name="Content Placeholder 2"/>
-          <p:cNvSpPr>
-            <a:spLocks noGrp="1"/>
-          </p:cNvSpPr>
-          <p:nvPr>
-            <p:ph idx="1"/>
-          </p:nvPr>
-        </p:nvSpPr>
-        <p:spPr>
-          <a:xfrm>
-            <a:off x="838200" y="1690688"/>
-            <a:ext cx="10515600" cy="4351338"/>
-          </a:xfrm>
-        </p:spPr>
-        <p:txBody>
-          <a:bodyPr>
-            <a:normAutofit fontScale="77500" lnSpcReduction="20000"/>
-          </a:bodyPr>
-          <a:lstStyle/>
-          <a:p>
-            <a:r>
-              <a:rPr lang="en-US" dirty="0" smtClean="0"/>
-              <a:t>Introduction</a:t>
-            </a:r>
-            <a:endParaRPr lang="en-US" dirty="0"/>
-          </a:p>
-          <a:p>
-            <a:r>
-              <a:rPr lang="en-US" dirty="0" smtClean="0"/>
-              <a:t>Literature </a:t>
-            </a:r>
-            <a:r>
-              <a:rPr lang="en-US" dirty="0"/>
-              <a:t>Review (15 Latest Papers – Minimum - from Reputed Journals/Conferences</a:t>
-            </a:r>
-            <a:r>
-              <a:rPr lang="en-US" dirty="0" smtClean="0"/>
-              <a:t>)</a:t>
-            </a:r>
-          </a:p>
-          <a:p>
-            <a:r>
-              <a:rPr lang="en-US" dirty="0" smtClean="0"/>
-              <a:t>Research Gap</a:t>
-            </a:r>
-            <a:endParaRPr lang="en-US" dirty="0"/>
-          </a:p>
-          <a:p>
-            <a:r>
-              <a:rPr lang="en-US" dirty="0" smtClean="0"/>
-              <a:t>Problem </a:t>
-            </a:r>
-            <a:r>
-              <a:rPr lang="en-US" dirty="0"/>
-              <a:t>Statement </a:t>
-            </a:r>
-            <a:endParaRPr lang="en-US" dirty="0" smtClean="0"/>
-          </a:p>
-          <a:p>
-            <a:r>
-              <a:rPr lang="en-US" dirty="0"/>
-              <a:t>Research Motivation</a:t>
-            </a:r>
-            <a:endParaRPr lang="en-US" dirty="0" smtClean="0"/>
-          </a:p>
-          <a:p>
-            <a:r>
-              <a:rPr lang="en-US" dirty="0" smtClean="0"/>
-              <a:t> </a:t>
-            </a:r>
-            <a:r>
-              <a:rPr lang="en-US" dirty="0"/>
-              <a:t>Research </a:t>
-            </a:r>
-            <a:r>
-              <a:rPr lang="en-US" dirty="0" smtClean="0"/>
-              <a:t>Challenges</a:t>
-            </a:r>
-            <a:endParaRPr lang="en-US" dirty="0"/>
-          </a:p>
-          <a:p>
-            <a:r>
-              <a:rPr lang="en-US" dirty="0" smtClean="0"/>
-              <a:t>Research </a:t>
-            </a:r>
-            <a:r>
-              <a:rPr lang="en-US" dirty="0"/>
-              <a:t>Objective </a:t>
-            </a:r>
-          </a:p>
-          <a:p>
-            <a:r>
-              <a:rPr lang="en-US" dirty="0" smtClean="0"/>
-              <a:t>What </a:t>
-            </a:r>
-            <a:r>
-              <a:rPr lang="en-US" dirty="0"/>
-              <a:t>is to be done next (1 Slide)</a:t>
-            </a:r>
-          </a:p>
-          <a:p>
-            <a:r>
-              <a:rPr lang="en-US" dirty="0" smtClean="0"/>
-              <a:t>Research </a:t>
-            </a:r>
-            <a:r>
-              <a:rPr lang="en-US" dirty="0"/>
-              <a:t>Paper Status</a:t>
-            </a:r>
-          </a:p>
-          <a:p>
-            <a:r>
-              <a:rPr lang="en-US" dirty="0" smtClean="0"/>
-              <a:t>Guide </a:t>
-            </a:r>
-            <a:r>
-              <a:rPr lang="en-US" dirty="0"/>
-              <a:t>Approval mail snapshot</a:t>
-            </a:r>
-          </a:p>
-          <a:p>
-            <a:r>
-              <a:rPr lang="en-US" dirty="0" smtClean="0"/>
-              <a:t>References</a:t>
-            </a:r>
-            <a:endParaRPr lang="en-IN" dirty="0"/>
-          </a:p>
-        </p:txBody>
-      </p:sp>
-      <p:sp>
-        <p:nvSpPr>
-          <p:cNvPr id="4" name="Footer Placeholder 3"/>
-          <p:cNvSpPr>
-            <a:spLocks noGrp="1"/>
-          </p:cNvSpPr>
-          <p:nvPr>
-            <p:ph type="ftr" sz="quarter" idx="11"/>
-          </p:nvPr>
-        </p:nvSpPr>
-        <p:spPr>
-          <a:xfrm>
-            <a:off x="4038600" y="6356350"/>
-            <a:ext cx="6483824" cy="365125"/>
-          </a:xfrm>
-        </p:spPr>
-        <p:txBody>
-          <a:bodyPr/>
-          <a:lstStyle/>
-          <a:p>
-            <a:r>
-              <a:rPr lang="en-US" smtClean="0"/>
-              <a:t>School of Computer Science and Engineering           19BCE1856</a:t>
-            </a:r>
-            <a:endParaRPr lang="en-IN" dirty="0"/>
-          </a:p>
-        </p:txBody>
-      </p:sp>
-    </p:spTree>
-    <p:extLst>
-      <p:ext uri="{BB962C8B-B14F-4D97-AF65-F5344CB8AC3E}">
-        <p14:creationId xmlns:p14="http://schemas.microsoft.com/office/powerpoint/2010/main" val="4101734483"/>
       </p:ext>
     </p:extLst>
   </p:cSld>
@@ -5393,14 +5935,6 @@
               <a:rPr lang="en-IN" b="1" dirty="0" smtClean="0"/>
               <a:t>Introduction</a:t>
             </a:r>
-            <a:r>
-              <a:rPr lang="en-IN" b="1" dirty="0" smtClean="0">
-                <a:solidFill>
-                  <a:srgbClr val="FF0000"/>
-                </a:solidFill>
-              </a:rPr>
-              <a:t>(Max 2 slides)</a:t>
-            </a:r>
             <a:endParaRPr lang="en-IN" b="1" dirty="0">
               <a:solidFill>
                 <a:srgbClr val="FF0000"/>
@@ -5718,15 +6252,7 @@
             <a:pPr algn="ctr"/>
             <a:r>
               <a:rPr lang="en-IN" b="1" dirty="0" smtClean="0"/>
-              <a:t>Background Work, Challenges </a:t>
-            </a:r>
-            <a:r>
-              <a:rPr lang="en-IN" dirty="0" smtClean="0">
-                <a:solidFill>
-                  <a:srgbClr val="FF0000"/>
-                </a:solidFill>
-              </a:rPr>
-              <a:t>( Max 3 to 4 Slides)</a:t>
+              <a:t>Background Work, Challenges</a:t>
             </a:r>
             <a:endParaRPr lang="en-IN" dirty="0">
               <a:solidFill>
@@ -5755,11 +6281,7 @@
           <a:p>
             <a:r>
               <a:rPr lang="en-US" dirty="0" smtClean="0"/>
-              <a:t>The main work behind the scene is the phase </a:t>
-            </a:r>
-            <a:r>
-              <a:rPr lang="en-US" dirty="0" smtClean="0"/>
-              <a:t>of learning because it’s true that AI and ML are very vast topics.</a:t>
+              <a:t>The main work behind the scene is the phase of learning because it’s true that AI and ML are very vast topics.</a:t>
             </a:r>
           </a:p>
           <a:p>
@@ -5945,26 +6467,14 @@
         </p:spPr>
         <p:txBody>
           <a:bodyPr>
-            <a:normAutofit fontScale="90000"/>
+            <a:normAutofit/>
           </a:bodyPr>
           <a:lstStyle/>
           <a:p>
             <a:pPr algn="ctr"/>
             <a:r>
               <a:rPr lang="en-IN" b="1" dirty="0" smtClean="0"/>
-              <a:t>Literature Review/Survey ( </a:t>
-            </a:r>
-            <a:r>
-              <a:rPr lang="en-IN" b="1" dirty="0" smtClean="0">
-                <a:solidFill>
-                  <a:srgbClr val="FF0000"/>
-                </a:solidFill>
-              </a:rPr>
-              <a:t>Max 7 slides- 15 Latest Papers from journals &amp; conferences</a:t>
-            </a:r>
-            <a:r>
-              <a:rPr lang="en-IN" b="1" dirty="0" smtClean="0"/>
-              <a:t>) Each slide maximum of 2 to 3 papers</a:t>
+              <a:t>Literature Review/Survey</a:t>
             </a:r>
             <a:endParaRPr lang="en-IN" b="1" dirty="0"/>
           </a:p>
@@ -6008,14 +6518,555 @@
             <p:ph idx="1"/>
             <p:extLst>
               <p:ext uri="{D42A27DB-BD31-4B8C-83A1-F6EECF244321}">
-                <p14:modId xmlns:p14="http://schemas.microsoft.com/office/powerpoint/2010/main" val="1614347888"/>
+                <p14:modId xmlns:p14="http://schemas.microsoft.com/office/powerpoint/2010/main" val="2170134159"/>
               </p:ext>
             </p:extLst>
           </p:nvPr>
         </p:nvGraphicFramePr>
         <p:xfrm>
           <a:off x="0" y="1934807"/>
-          <a:ext cx="12064621" cy="2956560"/>
+          <a:ext cx="12064621" cy="4964252"/>
+        </p:xfrm>
+        <a:graphic>
+          <a:graphicData uri="http://schemas.openxmlformats.org/drawingml/2006/table">
+            <a:tbl>
+              <a:tblPr firstRow="1" bandRow="1">
+                <a:tableStyleId>{5C22544A-7EE6-4342-B048-85BDC9FD1C3A}</a:tableStyleId>
+              </a:tblPr>
+              <a:tblGrid>
+                <a:gridCol w="1009935">
+                  <a:extLst>
+                    <a:ext uri="{9D8B030D-6E8A-4147-A177-3AD203B41FA5}">
+                      <a16:colId xmlns:a16="http://schemas.microsoft.com/office/drawing/2014/main" val="20000"/>
+                    </a:ext>
+                  </a:extLst>
+                </a:gridCol>
+                <a:gridCol w="3815914">
+                  <a:extLst>
+                    <a:ext uri="{9D8B030D-6E8A-4147-A177-3AD203B41FA5}">
+                      <a16:colId xmlns:a16="http://schemas.microsoft.com/office/drawing/2014/main" val="20001"/>
+                    </a:ext>
+                  </a:extLst>
+                </a:gridCol>
+                <a:gridCol w="2412924">
+                  <a:extLst>
+                    <a:ext uri="{9D8B030D-6E8A-4147-A177-3AD203B41FA5}">
+                      <a16:colId xmlns:a16="http://schemas.microsoft.com/office/drawing/2014/main" val="20002"/>
+                    </a:ext>
+                  </a:extLst>
+                </a:gridCol>
+                <a:gridCol w="2412924">
+                  <a:extLst>
+                    <a:ext uri="{9D8B030D-6E8A-4147-A177-3AD203B41FA5}">
+                      <a16:colId xmlns:a16="http://schemas.microsoft.com/office/drawing/2014/main" val="20003"/>
+                    </a:ext>
+                  </a:extLst>
+                </a:gridCol>
+                <a:gridCol w="2412924">
+                  <a:extLst>
+                    <a:ext uri="{9D8B030D-6E8A-4147-A177-3AD203B41FA5}">
+                      <a16:colId xmlns:a16="http://schemas.microsoft.com/office/drawing/2014/main" val="20004"/>
+                    </a:ext>
+                  </a:extLst>
+                </a:gridCol>
+              </a:tblGrid>
+              <a:tr h="666572">
+                <a:tc>
+                  <a:txBody>
+                    <a:bodyPr/>
+                    <a:lstStyle/>
+                    <a:p>
+                      <a:pPr algn="ctr"/>
+                      <a:r>
+                        <a:rPr lang="en-IN" sz="2400" dirty="0" smtClean="0"/>
+                        <a:t>S.No</a:t>
+                      </a:r>
+                      <a:endParaRPr lang="en-IN" sz="2400" dirty="0"/>
+                    </a:p>
+                  </a:txBody>
+                  <a:tcPr/>
+                </a:tc>
+                <a:tc>
+                  <a:txBody>
+                    <a:bodyPr/>
+                    <a:lstStyle/>
+                    <a:p>
+                      <a:pPr algn="ctr"/>
+                      <a:r>
+                        <a:rPr lang="en-IN" sz="2400" dirty="0" smtClean="0"/>
+                        <a:t>Paper Title </a:t>
+                      </a:r>
+                      <a:r>
+                        <a:rPr lang="en-IN" sz="2400" dirty="0" smtClean="0">
+                          <a:solidFill>
+                            <a:srgbClr val="FF0000"/>
+                          </a:solidFill>
+                        </a:rPr>
+                        <a:t>(APA Format)</a:t>
+                      </a:r>
+                      <a:endParaRPr lang="en-IN" sz="2400" dirty="0">
+                        <a:solidFill>
+                          <a:srgbClr val="FF0000"/>
+                        </a:solidFill>
+                      </a:endParaRPr>
+                    </a:p>
+                  </a:txBody>
+                  <a:tcPr/>
+                </a:tc>
+                <a:tc>
+                  <a:txBody>
+                    <a:bodyPr/>
+                    <a:lstStyle/>
+                    <a:p>
+                      <a:pPr algn="ctr"/>
+                      <a:r>
+                        <a:rPr lang="en-IN" sz="2400" dirty="0" smtClean="0"/>
+                        <a:t>Summary</a:t>
+                      </a:r>
+                      <a:endParaRPr lang="en-IN" sz="2400" dirty="0"/>
+                    </a:p>
+                  </a:txBody>
+                  <a:tcPr/>
+                </a:tc>
+                <a:tc>
+                  <a:txBody>
+                    <a:bodyPr/>
+                    <a:lstStyle/>
+                    <a:p>
+                      <a:pPr algn="ctr"/>
+                      <a:r>
+                        <a:rPr lang="en-IN" sz="2400" dirty="0" smtClean="0"/>
+                        <a:t>Algorithms</a:t>
+                      </a:r>
+                      <a:r>
+                        <a:rPr lang="en-IN" sz="2400" baseline="0" dirty="0" smtClean="0"/>
+                        <a:t> Used </a:t>
+                      </a:r>
+                      <a:endParaRPr lang="en-IN" sz="2400" dirty="0"/>
+                    </a:p>
+                  </a:txBody>
+                  <a:tcPr/>
+                </a:tc>
+                <a:tc>
+                  <a:txBody>
+                    <a:bodyPr/>
+                    <a:lstStyle/>
+                    <a:p>
+                      <a:pPr algn="ctr"/>
+                      <a:r>
+                        <a:rPr lang="en-IN" sz="3200" dirty="0" smtClean="0"/>
+                        <a:t>Pros / Cons</a:t>
+                      </a:r>
+                      <a:endParaRPr lang="en-IN" sz="3200" dirty="0"/>
+                    </a:p>
+                  </a:txBody>
+                  <a:tcPr/>
+                </a:tc>
+                <a:extLst>
+                  <a:ext uri="{0D108BD9-81ED-4DB2-BD59-A6C34878D82A}">
+                    <a16:rowId xmlns:a16="http://schemas.microsoft.com/office/drawing/2014/main" val="10000"/>
+                  </a:ext>
+                </a:extLst>
+              </a:tr>
+              <a:tr h="2717510">
+                <a:tc>
+                  <a:txBody>
+                    <a:bodyPr/>
+                    <a:lstStyle/>
+                    <a:p>
+                      <a:r>
+                        <a:rPr lang="en-IN" dirty="0" smtClean="0"/>
+                        <a:t>[1]</a:t>
+                      </a:r>
+                      <a:endParaRPr lang="en-IN" dirty="0"/>
+                    </a:p>
+                  </a:txBody>
+                  <a:tcPr/>
+                </a:tc>
+                <a:tc>
+                  <a:txBody>
+                    <a:bodyPr/>
+                    <a:lstStyle/>
+                    <a:p>
+                      <a:r>
+                        <a:rPr lang="en-IN" dirty="0" smtClean="0">
+                          <a:solidFill>
+                            <a:schemeClr val="tx1"/>
+                          </a:solidFill>
+                        </a:rPr>
+                        <a:t>Customer Lifetime Value Prediction Using Embedding</a:t>
+                      </a:r>
+                    </a:p>
+                    <a:p>
+                      <a:r>
+                        <a:rPr lang="en-IN" dirty="0" smtClean="0">
+                          <a:solidFill>
+                            <a:schemeClr val="tx1"/>
+                          </a:solidFill>
+                        </a:rPr>
+                        <a:t>Authors: </a:t>
+                      </a:r>
+                      <a:r>
+                        <a:rPr lang="en-IN" u="none" dirty="0" smtClean="0">
+                          <a:solidFill>
+                            <a:schemeClr val="tx1"/>
+                          </a:solidFill>
+                          <a:hlinkClick r:id="rId2"/>
+                        </a:rPr>
+                        <a:t>Benjamin Paul Chamberlain</a:t>
+                      </a:r>
+                      <a:r>
+                        <a:rPr lang="en-IN" u="none" dirty="0" smtClean="0">
+                          <a:solidFill>
+                            <a:schemeClr val="tx1"/>
+                          </a:solidFill>
+                        </a:rPr>
+                        <a:t>, </a:t>
+                      </a:r>
+                      <a:r>
+                        <a:rPr lang="en-IN" u="none" dirty="0" smtClean="0">
+                          <a:solidFill>
+                            <a:schemeClr val="tx1"/>
+                          </a:solidFill>
+                          <a:hlinkClick r:id="rId3"/>
+                        </a:rPr>
+                        <a:t>Angelo Cardoso</a:t>
+                      </a:r>
+                      <a:r>
+                        <a:rPr lang="en-IN" u="none" dirty="0" smtClean="0">
+                          <a:solidFill>
+                            <a:schemeClr val="tx1"/>
+                          </a:solidFill>
+                        </a:rPr>
+                        <a:t>, </a:t>
+                      </a:r>
+                      <a:r>
+                        <a:rPr lang="en-IN" u="none" dirty="0" smtClean="0">
+                          <a:solidFill>
+                            <a:schemeClr val="tx1"/>
+                          </a:solidFill>
+                          <a:hlinkClick r:id="rId4"/>
+                        </a:rPr>
+                        <a:t>C. H. Bryan Liu</a:t>
+                      </a:r>
+                      <a:r>
+                        <a:rPr lang="en-IN" u="none" dirty="0" smtClean="0">
+                          <a:solidFill>
+                            <a:schemeClr val="tx1"/>
+                          </a:solidFill>
+                        </a:rPr>
+                        <a:t>, </a:t>
+                      </a:r>
+                      <a:r>
+                        <a:rPr lang="en-IN" u="none" dirty="0" smtClean="0">
+                          <a:solidFill>
+                            <a:schemeClr val="tx1"/>
+                          </a:solidFill>
+                          <a:hlinkClick r:id="rId5"/>
+                        </a:rPr>
+                        <a:t>Roberto Pagliari</a:t>
+                      </a:r>
+                      <a:r>
+                        <a:rPr lang="en-IN" u="none" dirty="0" smtClean="0">
+                          <a:solidFill>
+                            <a:schemeClr val="tx1"/>
+                          </a:solidFill>
+                        </a:rPr>
+                        <a:t>, </a:t>
+                      </a:r>
+                      <a:r>
+                        <a:rPr lang="en-IN" dirty="0" smtClean="0">
+                          <a:solidFill>
+                            <a:schemeClr val="tx1"/>
+                          </a:solidFill>
+                        </a:rPr>
+                        <a:t>Marc Peter Deisenroth </a:t>
+                      </a:r>
+                    </a:p>
+                  </a:txBody>
+                  <a:tcPr/>
+                </a:tc>
+                <a:tc>
+                  <a:txBody>
+                    <a:bodyPr/>
+                    <a:lstStyle/>
+                    <a:p>
+                      <a:r>
+                        <a:rPr lang="en-IN" dirty="0" smtClean="0"/>
+                        <a:t>Training feedforward neural network </a:t>
+                      </a:r>
+                      <a:r>
+                        <a:rPr lang="en-US" dirty="0" smtClean="0"/>
+                        <a:t>on the handcrafted features in a supervised setting</a:t>
+                      </a:r>
+                      <a:r>
+                        <a:rPr lang="en-US" baseline="0" dirty="0" smtClean="0"/>
+                        <a:t> </a:t>
+                      </a:r>
+                      <a:r>
+                        <a:rPr lang="en-US" dirty="0" smtClean="0"/>
+                        <a:t>by learning an embedding of customers using session data in an unsupervised setting to augment our set of RF features. </a:t>
+                      </a:r>
+                      <a:endParaRPr lang="en-US" dirty="0"/>
+                    </a:p>
+                  </a:txBody>
+                  <a:tcPr/>
+                </a:tc>
+                <a:tc>
+                  <a:txBody>
+                    <a:bodyPr/>
+                    <a:lstStyle/>
+                    <a:p>
+                      <a:r>
+                        <a:rPr lang="en-US" dirty="0" smtClean="0"/>
+                        <a:t>CNN</a:t>
+                      </a:r>
+                      <a:endParaRPr lang="en-US" dirty="0"/>
+                    </a:p>
+                  </a:txBody>
+                  <a:tcPr/>
+                </a:tc>
+                <a:tc>
+                  <a:txBody>
+                    <a:bodyPr/>
+                    <a:lstStyle/>
+                    <a:p>
+                      <a:r>
+                        <a:rPr lang="en-US" dirty="0" smtClean="0"/>
+                        <a:t>Cons: deep network to learn end-to-end from raw data sources as opposed to using handcrafted features as inputs</a:t>
+                      </a:r>
+                      <a:endParaRPr lang="en-US" dirty="0"/>
+                    </a:p>
+                  </a:txBody>
+                  <a:tcPr/>
+                </a:tc>
+                <a:extLst>
+                  <a:ext uri="{0D108BD9-81ED-4DB2-BD59-A6C34878D82A}">
+                    <a16:rowId xmlns:a16="http://schemas.microsoft.com/office/drawing/2014/main" val="10001"/>
+                  </a:ext>
+                </a:extLst>
+              </a:tr>
+              <a:tr h="1402586">
+                <a:tc>
+                  <a:txBody>
+                    <a:bodyPr/>
+                    <a:lstStyle/>
+                    <a:p>
+                      <a:r>
+                        <a:rPr lang="en-IN" dirty="0" smtClean="0"/>
+                        <a:t>[2]</a:t>
+                      </a:r>
+                    </a:p>
+                    <a:p>
+                      <a:endParaRPr lang="en-US" dirty="0" smtClean="0"/>
+                    </a:p>
+                    <a:p>
+                      <a:endParaRPr lang="en-US" dirty="0" smtClean="0"/>
+                    </a:p>
+                    <a:p>
+                      <a:endParaRPr lang="en-US" dirty="0" smtClean="0"/>
+                    </a:p>
+                  </a:txBody>
+                  <a:tcPr/>
+                </a:tc>
+                <a:tc>
+                  <a:txBody>
+                    <a:bodyPr/>
+                    <a:lstStyle/>
+                    <a:p>
+                      <a:r>
+                        <a:rPr lang="en-IN" sz="1800" b="0" i="0" kern="1200" dirty="0" smtClean="0">
+                          <a:solidFill>
+                            <a:schemeClr val="dk1"/>
+                          </a:solidFill>
+                          <a:effectLst/>
+                          <a:latin typeface="+mn-lt"/>
+                          <a:ea typeface="+mn-ea"/>
+                          <a:cs typeface="+mn-cs"/>
+                        </a:rPr>
+                        <a:t>Churn Prediction: Does Technology Matter? </a:t>
+                      </a:r>
+                    </a:p>
+                    <a:p>
+                      <a:r>
+                        <a:rPr lang="en-IN" sz="1800" b="0" i="0" kern="1200" dirty="0" smtClean="0">
+                          <a:solidFill>
+                            <a:schemeClr val="dk1"/>
+                          </a:solidFill>
+                          <a:effectLst/>
+                          <a:latin typeface="+mn-lt"/>
+                          <a:ea typeface="+mn-ea"/>
+                          <a:cs typeface="+mn-cs"/>
+                        </a:rPr>
+                        <a:t>John Hadden, Ashutosh Tiwari, Rajkumar Roy, and Dymitr Ruta</a:t>
+                      </a:r>
+                      <a:endParaRPr lang="en-IN" sz="1800" b="0" i="0" kern="1200" dirty="0">
+                        <a:solidFill>
+                          <a:schemeClr val="dk1"/>
+                        </a:solidFill>
+                        <a:effectLst/>
+                        <a:latin typeface="+mn-lt"/>
+                        <a:ea typeface="+mn-ea"/>
+                        <a:cs typeface="+mn-cs"/>
+                      </a:endParaRPr>
+                    </a:p>
+                  </a:txBody>
+                  <a:tcPr/>
+                </a:tc>
+                <a:tc>
+                  <a:txBody>
+                    <a:bodyPr/>
+                    <a:lstStyle/>
+                    <a:p>
+                      <a:r>
+                        <a:rPr lang="en-US" dirty="0" smtClean="0"/>
+                        <a:t>Comparison</a:t>
+                      </a:r>
+                      <a:r>
+                        <a:rPr lang="en-US" baseline="0" dirty="0" smtClean="0"/>
+                        <a:t> of various algorithm </a:t>
+                      </a:r>
+                      <a:endParaRPr lang="en-US" dirty="0"/>
+                    </a:p>
+                  </a:txBody>
+                  <a:tcPr/>
+                </a:tc>
+                <a:tc>
+                  <a:txBody>
+                    <a:bodyPr/>
+                    <a:lstStyle/>
+                    <a:p>
+                      <a:r>
+                        <a:rPr lang="en-US" dirty="0" smtClean="0"/>
+                        <a:t>Decision</a:t>
+                      </a:r>
+                      <a:r>
+                        <a:rPr lang="en-US" baseline="0" dirty="0" smtClean="0"/>
+                        <a:t> Tree,</a:t>
+                      </a:r>
+                    </a:p>
+                    <a:p>
+                      <a:r>
+                        <a:rPr lang="en-US" baseline="0" dirty="0" smtClean="0"/>
+                        <a:t>Regression</a:t>
+                      </a:r>
+                    </a:p>
+                  </a:txBody>
+                  <a:tcPr/>
+                </a:tc>
+                <a:tc>
+                  <a:txBody>
+                    <a:bodyPr/>
+                    <a:lstStyle/>
+                    <a:p>
+                      <a:r>
+                        <a:rPr lang="en-US" dirty="0" smtClean="0"/>
+                        <a:t>Regression</a:t>
+                      </a:r>
+                      <a:r>
+                        <a:rPr lang="en-US" baseline="0" dirty="0" smtClean="0"/>
+                        <a:t> had higher accuracy.</a:t>
+                      </a:r>
+                      <a:endParaRPr lang="en-US" dirty="0"/>
+                    </a:p>
+                    <a:p>
+                      <a:endParaRPr lang="en-US" dirty="0"/>
+                    </a:p>
+                    <a:p>
+                      <a:endParaRPr lang="en-US" dirty="0"/>
+                    </a:p>
+                    <a:p>
+                      <a:endParaRPr lang="en-US" dirty="0"/>
+                    </a:p>
+                  </a:txBody>
+                  <a:tcPr/>
+                </a:tc>
+                <a:extLst>
+                  <a:ext uri="{0D108BD9-81ED-4DB2-BD59-A6C34878D82A}">
+                    <a16:rowId xmlns:a16="http://schemas.microsoft.com/office/drawing/2014/main" val="10002"/>
+                  </a:ext>
+                </a:extLst>
+              </a:tr>
+            </a:tbl>
+          </a:graphicData>
+        </a:graphic>
+      </p:graphicFrame>
+    </p:spTree>
+    <p:extLst>
+      <p:ext uri="{BB962C8B-B14F-4D97-AF65-F5344CB8AC3E}">
+        <p14:creationId xmlns:p14="http://schemas.microsoft.com/office/powerpoint/2010/main" val="253233206"/>
+      </p:ext>
+    </p:extLst>
+  </p:cSld>
+  <p:clrMapOvr>
+    <a:masterClrMapping/>
+  </p:clrMapOvr>
+</p:sld>
+</file>
+
+<file path=ppt/slides/slide9.xml><?xml version="1.0" encoding="utf-8"?>
+<p:sld xmlns:a="http://schemas.openxmlformats.org/drawingml/2006/main" xmlns:r="http://schemas.openxmlformats.org/officeDocument/2006/relationships" xmlns:p="http://schemas.openxmlformats.org/presentationml/2006/main">
+  <p:cSld>
+    <p:spTree>
+      <p:nvGrpSpPr>
+        <p:cNvPr id="1" name=""/>
+        <p:cNvGrpSpPr/>
+        <p:nvPr/>
+      </p:nvGrpSpPr>
+      <p:grpSpPr>
+        <a:xfrm>
+          <a:off x="0" y="0"/>
+          <a:ext cx="0" cy="0"/>
+          <a:chOff x="0" y="0"/>
+          <a:chExt cx="0" cy="0"/>
+        </a:xfrm>
+      </p:grpSpPr>
+      <p:sp>
+        <p:nvSpPr>
+          <p:cNvPr id="4" name="Footer Placeholder 3"/>
+          <p:cNvSpPr>
+            <a:spLocks noGrp="1"/>
+          </p:cNvSpPr>
+          <p:nvPr>
+            <p:ph type="ftr" sz="quarter" idx="11"/>
+          </p:nvPr>
+        </p:nvSpPr>
+        <p:spPr>
+          <a:xfrm>
+            <a:off x="4038599" y="6356350"/>
+            <a:ext cx="5596719" cy="365125"/>
+          </a:xfrm>
+        </p:spPr>
+        <p:txBody>
+          <a:bodyPr/>
+          <a:lstStyle/>
+          <a:p>
+            <a:r>
+              <a:rPr lang="en-US" smtClean="0"/>
+              <a:t>School of Computer Science and Engineering           19BCE1856</a:t>
+            </a:r>
+            <a:endParaRPr lang="en-IN" dirty="0"/>
+          </a:p>
+        </p:txBody>
+      </p:sp>
+      <p:graphicFrame>
+        <p:nvGraphicFramePr>
+          <p:cNvPr id="6" name="Content Placeholder 5"/>
+          <p:cNvGraphicFramePr>
+            <a:graphicFrameLocks noGrp="1"/>
+          </p:cNvGraphicFramePr>
+          <p:nvPr>
+            <p:ph idx="1"/>
+            <p:extLst>
+              <p:ext uri="{D42A27DB-BD31-4B8C-83A1-F6EECF244321}">
+                <p14:modId xmlns:p14="http://schemas.microsoft.com/office/powerpoint/2010/main" val="847152286"/>
+              </p:ext>
+            </p:extLst>
+          </p:nvPr>
+        </p:nvGraphicFramePr>
+        <p:xfrm>
+          <a:off x="0" y="1347953"/>
+          <a:ext cx="12064621" cy="3779520"/>
         </p:xfrm>
         <a:graphic>
           <a:graphicData uri="http://schemas.openxmlformats.org/drawingml/2006/table">
@@ -6166,7 +7217,7 @@
                     <a:p>
                       <a:r>
                         <a:rPr lang="en-IN" dirty="0" smtClean="0"/>
-                        <a:t>[1]</a:t>
+                        <a:t>[3]</a:t>
                       </a:r>
                       <a:endParaRPr lang="en-IN" dirty="0"/>
                     </a:p>
@@ -6180,8 +7231,23 @@
                     <a:p>
                       <a:pPr algn="just"/>
                       <a:r>
-                        <a:rPr lang="en-US" dirty="0" smtClean="0"/>
-                        <a:t>Jordan, M. I., &amp; Mitchell, T. M. (2015). Machine learning: Trends, perspectives, and prospects. Science, 349(6245), 255-260.</a:t>
+                        <a:rPr lang="en-IN" dirty="0" smtClean="0"/>
+                        <a:t>Online Fashion Commerce: Modelling Customer Promise Date.</a:t>
+                      </a:r>
+                    </a:p>
+                    <a:p>
+                      <a:pPr algn="just"/>
+                      <a:r>
+                        <a:rPr lang="en-IN" dirty="0" smtClean="0"/>
+                        <a:t>Authors: Preethi, Nachiappan Sundaram,</a:t>
+                      </a:r>
+                      <a:r>
+                        <a:rPr lang="en-IN" baseline="0" dirty="0" smtClean="0"/>
+                        <a:t> </a:t>
+                      </a:r>
+                      <a:r>
+                        <a:rPr lang="en-IN" dirty="0" smtClean="0"/>
+                        <a:t>Ravindra Babu Tallamraju</a:t>
                       </a:r>
                       <a:endParaRPr lang="en-IN" dirty="0"/>
                     </a:p>
@@ -6193,6 +7259,16 @@
                     <a:bodyPr/>
                     <a:lstStyle/>
                     <a:p>
+                      <a:r>
+                        <a:rPr lang="en-US" dirty="0" smtClean="0"/>
+                        <a:t>asymmetric loss functions and a feedback-based breach control model.</a:t>
+                      </a:r>
+                    </a:p>
+                    <a:p>
+                      <a:r>
+                        <a:rPr lang="en-IN" dirty="0" smtClean="0"/>
+                        <a:t>y(t) = g(t) + s(t) + h(t) + t</a:t>
+                      </a:r>
                       <a:endParaRPr lang="en-US" dirty="0"/>
                     </a:p>
                   </a:txBody>
@@ -6202,6 +7278,43 @@
                   <a:txBody>
                     <a:bodyPr/>
                     <a:lstStyle/>
+                    <a:p>
+                      <a:r>
+                        <a:rPr lang="en-IN" dirty="0" smtClean="0"/>
+                        <a:t>Light GBM model</a:t>
+                      </a:r>
+                    </a:p>
+                    <a:p>
+                      <a:pPr marL="0" marR="0" indent="0" algn="l" defTabSz="914400" rtl="0" eaLnBrk="1" fontAlgn="auto" latinLnBrk="0" hangingPunct="1">
+                        <a:lnSpc>
+                          <a:spcPct val="100000"/>
+                        </a:lnSpc>
+                        <a:spcBef>
+                          <a:spcPts val="0"/>
+                        </a:spcBef>
+                        <a:spcAft>
+                          <a:spcPts val="0"/>
+                        </a:spcAft>
+                        <a:buClrTx/>
+                        <a:buSzTx/>
+                        <a:buFontTx/>
+                        <a:buNone/>
+                        <a:tabLst/>
+                        <a:defRPr/>
+                      </a:pPr>
+                      <a:r>
+                        <a:rPr lang="en-IN" sz="1800" b="1" i="0" kern="1200" dirty="0" smtClean="0">
+                          <a:solidFill>
+                            <a:schemeClr val="dk1"/>
+                          </a:solidFill>
+                          <a:effectLst/>
+                          <a:latin typeface="+mn-lt"/>
+                          <a:ea typeface="+mn-ea"/>
+                          <a:cs typeface="+mn-cs"/>
+                        </a:rPr>
+                        <a:t>Gradient Boosting</a:t>
+                      </a:r>
+                    </a:p>
                     <a:p>
                       <a:endParaRPr lang="en-US" dirty="0"/>
                     </a:p>
@@ -6213,6 +7326,10 @@
                     <a:bodyPr/>
                     <a:lstStyle/>
                     <a:p>
+                      <a:r>
+                        <a:rPr lang="en-US" dirty="0" smtClean="0"/>
+                        <a:t>Pros: Used by Myntra successfully</a:t>
+                      </a:r>
                       <a:endParaRPr lang="en-US" dirty="0"/>
                     </a:p>
                   </a:txBody>
@@ -6232,7 +7349,7 @@
                     <a:p>
                       <a:r>
                         <a:rPr lang="en-IN" dirty="0" smtClean="0"/>
-                        <a:t>[2]</a:t>
+                        <a:t>[4]</a:t>
                       </a:r>
                       <a:endParaRPr lang="en-IN" dirty="0"/>
                     </a:p>
@@ -6247,7 +7364,22 @@
                       <a:pPr algn="just"/>
                       <a:r>
                         <a:rPr lang="en-US" dirty="0" smtClean="0"/>
-                        <a:t>Shah, D., Patel, S., &amp; Bharti, S. K. (2020). Heart disease prediction using machine learning techniques. SN Computer Science, 1(6), 1-6.</a:t>
+                        <a:t>An Integrated Framework to Recommend Personalized Retention Actions to Control B2C E-Commerce Customer Churn </a:t>
+                      </a:r>
+                    </a:p>
+                    <a:p>
+                      <a:pPr algn="just"/>
+                      <a:r>
+                        <a:rPr lang="en-US" dirty="0" smtClean="0"/>
+                        <a:t>Author:</a:t>
+                      </a:r>
+                      <a:r>
+                        <a:rPr lang="en-US" baseline="0" dirty="0" smtClean="0"/>
+                        <a:t> </a:t>
+                      </a:r>
+                      <a:r>
+                        <a:rPr lang="en-US" dirty="0" smtClean="0"/>
+                        <a:t>Shini Renjith </a:t>
                       </a:r>
                       <a:endParaRPr lang="en-IN" dirty="0"/>
                     </a:p>
@@ -6259,6 +7391,26 @@
                     <a:bodyPr/>
                     <a:lstStyle/>
                     <a:p>
+                      <a:r>
+                        <a:rPr lang="en-US" dirty="0" smtClean="0"/>
+                        <a:t>Find the customer who left</a:t>
+                      </a:r>
+                    </a:p>
+                    <a:p>
+                      <a:r>
+                        <a:rPr lang="en-US" dirty="0" smtClean="0"/>
+                        <a:t>Find churners</a:t>
+                      </a:r>
+                    </a:p>
+                    <a:p>
+                      <a:r>
+                        <a:rPr lang="en-US" dirty="0" smtClean="0"/>
+                        <a:t>Extract</a:t>
+                      </a:r>
+                      <a:r>
+                        <a:rPr lang="en-US" baseline="0" dirty="0" smtClean="0"/>
+                        <a:t> loyal customers</a:t>
+                      </a:r>
                       <a:endParaRPr lang="en-US" dirty="0"/>
                     </a:p>
                   </a:txBody>
@@ -6269,315 +7421,22 @@
                     <a:bodyPr/>
                     <a:lstStyle/>
                     <a:p>
-                      <a:endParaRPr lang="en-US"/>
+                      <a:r>
+                        <a:rPr lang="en-IN" dirty="0" smtClean="0"/>
+                        <a:t>logistic regression</a:t>
+                      </a:r>
                     </a:p>
-                  </a:txBody>
-                  <a:tcPr/>
-                </a:tc>
-                <a:tc>
-                  <a:txBody>
-                    <a:bodyPr/>
-                    <a:lstStyle/>
-                    <a:p>
-                      <a:endParaRPr lang="en-US" dirty="0"/>
-                    </a:p>
-                  </a:txBody>
-                  <a:tcPr/>
-                </a:tc>
-                <a:extLst>
-                  <a:ext uri="{0D108BD9-81ED-4DB2-BD59-A6C34878D82A}">
-                    <a16:rowId xmlns:a16="http://schemas.microsoft.com/office/drawing/2014/main" val="10002"/>
-                  </a:ext>
-                </a:extLst>
-              </a:tr>
-            </a:tbl>
-          </a:graphicData>
-        </a:graphic>
-      </p:graphicFrame>
-    </p:spTree>
-    <p:extLst>
-      <p:ext uri="{BB962C8B-B14F-4D97-AF65-F5344CB8AC3E}">
-        <p14:creationId xmlns:p14="http://schemas.microsoft.com/office/powerpoint/2010/main" val="253233206"/>
-      </p:ext>
-    </p:extLst>
-  </p:cSld>
-  <p:clrMapOvr>
-    <a:masterClrMapping/>
-  </p:clrMapOvr>
-</p:sld>
-</file>
-
-<file path=ppt/slides/slide9.xml><?xml version="1.0" encoding="utf-8"?>
-<p:sld xmlns:a="http://schemas.openxmlformats.org/drawingml/2006/main" xmlns:r="http://schemas.openxmlformats.org/officeDocument/2006/relationships" xmlns:p="http://schemas.openxmlformats.org/presentationml/2006/main">
-  <p:cSld>
-    <p:spTree>
-      <p:nvGrpSpPr>
-        <p:cNvPr id="1" name=""/>
-        <p:cNvGrpSpPr/>
-        <p:nvPr/>
-      </p:nvGrpSpPr>
-      <p:grpSpPr>
-        <a:xfrm>
-          <a:off x="0" y="0"/>
-          <a:ext cx="0" cy="0"/>
-          <a:chOff x="0" y="0"/>
-          <a:chExt cx="0" cy="0"/>
-        </a:xfrm>
-      </p:grpSpPr>
-      <p:sp>
-        <p:nvSpPr>
-          <p:cNvPr id="2" name="Title 1"/>
-          <p:cNvSpPr>
-            <a:spLocks noGrp="1"/>
-          </p:cNvSpPr>
-          <p:nvPr>
-            <p:ph type="title"/>
-          </p:nvPr>
-        </p:nvSpPr>
-        <p:spPr>
-          <a:xfrm>
-            <a:off x="838199" y="365125"/>
-            <a:ext cx="10994409" cy="1325563"/>
-          </a:xfrm>
-        </p:spPr>
-        <p:txBody>
-          <a:bodyPr>
-            <a:normAutofit/>
-          </a:bodyPr>
-          <a:lstStyle/>
-          <a:p>
-            <a:pPr algn="ctr"/>
-            <a:r>
-              <a:rPr lang="en-IN" b="1" dirty="0" smtClean="0"/>
-              <a:t>Literature Review [Conti..]</a:t>
-            </a:r>
-            <a:endParaRPr lang="en-IN" b="1" dirty="0"/>
-          </a:p>
-        </p:txBody>
-      </p:sp>
-      <p:sp>
-        <p:nvSpPr>
-          <p:cNvPr id="4" name="Footer Placeholder 3"/>
-          <p:cNvSpPr>
-            <a:spLocks noGrp="1"/>
-          </p:cNvSpPr>
-          <p:nvPr>
-            <p:ph type="ftr" sz="quarter" idx="11"/>
-          </p:nvPr>
-        </p:nvSpPr>
-        <p:spPr>
-          <a:xfrm>
-            <a:off x="4038599" y="6356350"/>
-            <a:ext cx="5596719" cy="365125"/>
-          </a:xfrm>
-        </p:spPr>
-        <p:txBody>
-          <a:bodyPr/>
-          <a:lstStyle/>
-          <a:p>
-            <a:r>
-              <a:rPr lang="en-US" smtClean="0"/>
-              <a:t>School of Computer Science and Engineering           19BCE1856</a:t>
-            </a:r>
-            <a:endParaRPr lang="en-IN" dirty="0"/>
-          </a:p>
-        </p:txBody>
-      </p:sp>
-      <p:graphicFrame>
-        <p:nvGraphicFramePr>
-          <p:cNvPr id="6" name="Content Placeholder 5"/>
-          <p:cNvGraphicFramePr>
-            <a:graphicFrameLocks noGrp="1"/>
-          </p:cNvGraphicFramePr>
-          <p:nvPr>
-            <p:ph idx="1"/>
-            <p:extLst>
-              <p:ext uri="{D42A27DB-BD31-4B8C-83A1-F6EECF244321}">
-                <p14:modId xmlns:p14="http://schemas.microsoft.com/office/powerpoint/2010/main" val="630283242"/>
-              </p:ext>
-            </p:extLst>
-          </p:nvPr>
-        </p:nvGraphicFramePr>
-        <p:xfrm>
-          <a:off x="0" y="1347953"/>
-          <a:ext cx="12064621" cy="2956560"/>
-        </p:xfrm>
-        <a:graphic>
-          <a:graphicData uri="http://schemas.openxmlformats.org/drawingml/2006/table">
-            <a:tbl>
-              <a:tblPr firstRow="1" bandRow="1">
-                <a:tableStyleId>{5C22544A-7EE6-4342-B048-85BDC9FD1C3A}</a:tableStyleId>
-              </a:tblPr>
-              <a:tblGrid>
-                <a:gridCol w="1009935">
-                  <a:extLst>
-                    <a:ext uri="{9D8B030D-6E8A-4147-A177-3AD203B41FA5}">
-                      <a16:colId xmlns:a16="http://schemas.microsoft.com/office/drawing/2014/main" val="20000"/>
-                    </a:ext>
-                  </a:extLst>
-                </a:gridCol>
-                <a:gridCol w="3815914">
-                  <a:extLst>
-                    <a:ext uri="{9D8B030D-6E8A-4147-A177-3AD203B41FA5}">
-                      <a16:colId xmlns:a16="http://schemas.microsoft.com/office/drawing/2014/main" val="20001"/>
-                    </a:ext>
-                  </a:extLst>
-                </a:gridCol>
-                <a:gridCol w="2412924">
-                  <a:extLst>
-                    <a:ext uri="{9D8B030D-6E8A-4147-A177-3AD203B41FA5}">
-                      <a16:colId xmlns:a16="http://schemas.microsoft.com/office/drawing/2014/main" val="20002"/>
-                    </a:ext>
-                  </a:extLst>
-                </a:gridCol>
-                <a:gridCol w="2412924">
-                  <a:extLst>
-                    <a:ext uri="{9D8B030D-6E8A-4147-A177-3AD203B41FA5}">
-                      <a16:colId xmlns:a16="http://schemas.microsoft.com/office/drawing/2014/main" val="20003"/>
-                    </a:ext>
-                  </a:extLst>
-                </a:gridCol>
-                <a:gridCol w="2412924">
-                  <a:extLst>
-                    <a:ext uri="{9D8B030D-6E8A-4147-A177-3AD203B41FA5}">
-                      <a16:colId xmlns:a16="http://schemas.microsoft.com/office/drawing/2014/main" val="20004"/>
-                    </a:ext>
-                  </a:extLst>
-                </a:gridCol>
-              </a:tblGrid>
-              <a:tr h="370840">
-                <a:tc>
-                  <a:txBody>
-                    <a:bodyPr/>
-                    <a:lstStyle/>
-                    <a:p>
-                      <a:pPr algn="ctr"/>
-                      <a:r>
-                        <a:rPr lang="en-IN" sz="2400" dirty="0" smtClean="0"/>
-                        <a:t>S.No</a:t>
-                      </a:r>
-                      <a:endParaRPr lang="en-IN" sz="2400" dirty="0"/>
-                    </a:p>
-                  </a:txBody>
-                  <a:tcPr/>
-                </a:tc>
-                <a:tc>
-                  <a:txBody>
-                    <a:bodyPr/>
-                    <a:lstStyle/>
-                    <a:p>
-                      <a:pPr algn="ctr"/>
-                      <a:r>
-                        <a:rPr lang="en-IN" sz="2400" dirty="0" smtClean="0"/>
-                        <a:t>Paper Title </a:t>
-                      </a:r>
-                      <a:r>
-                        <a:rPr lang="en-IN" sz="2400" dirty="0" smtClean="0">
-                          <a:solidFill>
-                            <a:srgbClr val="FF0000"/>
-                          </a:solidFill>
-                        </a:rPr>
-                        <a:t>(APA Format)</a:t>
-                      </a:r>
-                      <a:endParaRPr lang="en-IN" sz="2400" dirty="0">
-                        <a:solidFill>
-                          <a:srgbClr val="FF0000"/>
-                        </a:solidFill>
-                      </a:endParaRPr>
-                    </a:p>
-                  </a:txBody>
-                  <a:tcPr/>
-                </a:tc>
-                <a:tc>
-                  <a:txBody>
-                    <a:bodyPr/>
-                    <a:lstStyle/>
-                    <a:p>
-                      <a:pPr algn="ctr"/>
-                      <a:r>
-                        <a:rPr lang="en-IN" sz="2400" dirty="0" smtClean="0"/>
-                        <a:t>Summary</a:t>
-                      </a:r>
-                      <a:endParaRPr lang="en-IN" sz="2400" dirty="0"/>
-                    </a:p>
-                  </a:txBody>
-                  <a:tcPr/>
-                </a:tc>
-                <a:tc>
-                  <a:txBody>
-                    <a:bodyPr/>
-                    <a:lstStyle/>
-                    <a:p>
-                      <a:pPr algn="ctr"/>
-                      <a:r>
-                        <a:rPr lang="en-IN" sz="2400" dirty="0" smtClean="0"/>
-                        <a:t>Algorithms</a:t>
-                      </a:r>
-                      <a:r>
-                        <a:rPr lang="en-IN" sz="2400" baseline="0" dirty="0" smtClean="0"/>
-                        <a:t> Used </a:t>
-                      </a:r>
-                      <a:endParaRPr lang="en-IN" sz="2400" dirty="0"/>
-                    </a:p>
-                  </a:txBody>
-                  <a:tcPr/>
-                </a:tc>
-                <a:tc>
-                  <a:txBody>
-                    <a:bodyPr/>
-                    <a:lstStyle/>
-                    <a:p>
-                      <a:pPr algn="ctr"/>
-                      <a:r>
-                        <a:rPr lang="en-IN" sz="3200" dirty="0" smtClean="0"/>
-                        <a:t>Pros / Cons</a:t>
-                      </a:r>
-                      <a:endParaRPr lang="en-IN" sz="3200" dirty="0"/>
-                    </a:p>
-                  </a:txBody>
-                  <a:tcPr/>
-                </a:tc>
-                <a:extLst>
-                  <a:ext uri="{0D108BD9-81ED-4DB2-BD59-A6C34878D82A}">
-                    <a16:rowId xmlns:a16="http://schemas.microsoft.com/office/drawing/2014/main" val="10000"/>
-                  </a:ext>
-                </a:extLst>
-              </a:tr>
-              <a:tr h="370840">
-                <a:tc>
-                  <a:txBody>
-                    <a:bodyPr/>
-                    <a:lstStyle/>
                     <a:p>
                       <a:r>
                         <a:rPr lang="en-IN" dirty="0" smtClean="0"/>
-                        <a:t>[1]</a:t>
+                        <a:t>k-means clustering</a:t>
                       </a:r>
-                      <a:endParaRPr lang="en-IN" dirty="0"/>
                     </a:p>
-                  </a:txBody>
-                  <a:tcPr/>
-                </a:tc>
-                <a:tc>
-                  <a:txBody>
-                    <a:bodyPr/>
-                    <a:lstStyle/>
                     <a:p>
-                      <a:pPr algn="just"/>
                       <a:r>
-                        <a:rPr lang="en-US" dirty="0" smtClean="0"/>
-                        <a:t>Jordan, M. I., &amp; Mitchell, T. M. (2015). Machine learning: Trends, perspectives, and prospects. Science, 349(6245), 255-260.</a:t>
+                        <a:rPr lang="en-IN" dirty="0" smtClean="0"/>
+                        <a:t>collaborative filtering mechanism</a:t>
                       </a:r>
-                      <a:endParaRPr lang="en-IN" dirty="0"/>
-                    </a:p>
-                  </a:txBody>
-                  <a:tcPr/>
-                </a:tc>
-                <a:tc>
-                  <a:txBody>
-                    <a:bodyPr/>
-                    <a:lstStyle/>
-                    <a:p>
                       <a:endParaRPr lang="en-US" dirty="0"/>
                     </a:p>
                   </a:txBody>
@@ -6588,82 +7447,14 @@
                     <a:bodyPr/>
                     <a:lstStyle/>
                     <a:p>
-                      <a:endParaRPr lang="en-US" dirty="0"/>
-                    </a:p>
-                  </a:txBody>
-                  <a:tcPr/>
-                </a:tc>
-                <a:tc>
-                  <a:txBody>
-                    <a:bodyPr/>
-                    <a:lstStyle/>
-                    <a:p>
-                      <a:endParaRPr lang="en-US" dirty="0"/>
-                    </a:p>
-                  </a:txBody>
-                  <a:tcPr/>
-                </a:tc>
-                <a:extLst>
-                  <a:ext uri="{0D108BD9-81ED-4DB2-BD59-A6C34878D82A}">
-                    <a16:rowId xmlns:a16="http://schemas.microsoft.com/office/drawing/2014/main" val="10001"/>
-                  </a:ext>
-                </a:extLst>
-              </a:tr>
-              <a:tr h="370840">
-                <a:tc>
-                  <a:txBody>
-                    <a:bodyPr/>
-                    <a:lstStyle/>
-                    <a:p>
-                      <a:r>
-                        <a:rPr lang="en-IN" dirty="0" smtClean="0"/>
-                        <a:t>[2]</a:t>
-                      </a:r>
-                      <a:endParaRPr lang="en-IN" dirty="0"/>
-                    </a:p>
-                  </a:txBody>
-                  <a:tcPr/>
-                </a:tc>
-                <a:tc>
-                  <a:txBody>
-                    <a:bodyPr/>
-                    <a:lstStyle/>
-                    <a:p>
-                      <a:pPr algn="just"/>
                       <a:r>
                         <a:rPr lang="en-US" dirty="0" smtClean="0"/>
-                        <a:t>Shah, D., Patel, S., &amp; Bharti, S. K. (2020). Heart disease prediction using machine learning techniques. SN Computer Science, 1(6), 1-6.</a:t>
+                        <a:t>Cons: Separate</a:t>
                       </a:r>
-                      <a:endParaRPr lang="en-IN" dirty="0"/>
-                    </a:p>
-                  </a:txBody>
-                  <a:tcPr/>
-                </a:tc>
-                <a:tc>
-                  <a:txBody>
-                    <a:bodyPr/>
-                    <a:lstStyle/>
-                    <a:p>
-                      <a:endParaRPr lang="en-US" dirty="0"/>
-                    </a:p>
-                  </a:txBody>
-                  <a:tcPr/>
-                </a:tc>
-                <a:tc>
-                  <a:txBody>
-                    <a:bodyPr/>
-                    <a:lstStyle/>
-                    <a:p>
-                      <a:endParaRPr lang="en-US"/>
-                    </a:p>
-                  </a:txBody>
-                  <a:tcPr/>
-                </a:tc>
-                <a:tc>
-                  <a:txBody>
-                    <a:bodyPr/>
-                    <a:lstStyle/>
-                    <a:p>
+                      <a:r>
+                        <a:rPr lang="en-US" baseline="0" dirty="0" smtClean="0"/>
+                        <a:t> algorithm for separate work.</a:t>
+                      </a:r>
                       <a:endParaRPr lang="en-US" dirty="0"/>
                     </a:p>
                   </a:txBody>
